--- a/Slides/slides_growth2_f14.pptx
+++ b/Slides/slides_growth2_f14.pptx
@@ -5,10 +5,10 @@
     <p:sldMasterId id="2147483648" r:id="rId1"/>
   </p:sldMasterIdLst>
   <p:notesMasterIdLst>
-    <p:notesMasterId r:id="rId120"/>
+    <p:notesMasterId r:id="rId121"/>
   </p:notesMasterIdLst>
   <p:handoutMasterIdLst>
-    <p:handoutMasterId r:id="rId121"/>
+    <p:handoutMasterId r:id="rId122"/>
   </p:handoutMasterIdLst>
   <p:sldIdLst>
     <p:sldId id="256" r:id="rId2"/>
@@ -106,29 +106,30 @@
     <p:sldId id="563" r:id="rId94"/>
     <p:sldId id="557" r:id="rId95"/>
     <p:sldId id="476" r:id="rId96"/>
-    <p:sldId id="479" r:id="rId97"/>
-    <p:sldId id="473" r:id="rId98"/>
-    <p:sldId id="558" r:id="rId99"/>
-    <p:sldId id="459" r:id="rId100"/>
-    <p:sldId id="562" r:id="rId101"/>
-    <p:sldId id="531" r:id="rId102"/>
-    <p:sldId id="523" r:id="rId103"/>
-    <p:sldId id="524" r:id="rId104"/>
-    <p:sldId id="484" r:id="rId105"/>
-    <p:sldId id="485" r:id="rId106"/>
-    <p:sldId id="488" r:id="rId107"/>
-    <p:sldId id="478" r:id="rId108"/>
-    <p:sldId id="561" r:id="rId109"/>
-    <p:sldId id="493" r:id="rId110"/>
-    <p:sldId id="483" r:id="rId111"/>
-    <p:sldId id="496" r:id="rId112"/>
-    <p:sldId id="500" r:id="rId113"/>
-    <p:sldId id="489" r:id="rId114"/>
-    <p:sldId id="495" r:id="rId115"/>
-    <p:sldId id="401" r:id="rId116"/>
-    <p:sldId id="480" r:id="rId117"/>
-    <p:sldId id="482" r:id="rId118"/>
-    <p:sldId id="534" r:id="rId119"/>
+    <p:sldId id="564" r:id="rId97"/>
+    <p:sldId id="479" r:id="rId98"/>
+    <p:sldId id="473" r:id="rId99"/>
+    <p:sldId id="558" r:id="rId100"/>
+    <p:sldId id="459" r:id="rId101"/>
+    <p:sldId id="562" r:id="rId102"/>
+    <p:sldId id="531" r:id="rId103"/>
+    <p:sldId id="523" r:id="rId104"/>
+    <p:sldId id="524" r:id="rId105"/>
+    <p:sldId id="484" r:id="rId106"/>
+    <p:sldId id="485" r:id="rId107"/>
+    <p:sldId id="488" r:id="rId108"/>
+    <p:sldId id="478" r:id="rId109"/>
+    <p:sldId id="561" r:id="rId110"/>
+    <p:sldId id="493" r:id="rId111"/>
+    <p:sldId id="483" r:id="rId112"/>
+    <p:sldId id="496" r:id="rId113"/>
+    <p:sldId id="500" r:id="rId114"/>
+    <p:sldId id="489" r:id="rId115"/>
+    <p:sldId id="495" r:id="rId116"/>
+    <p:sldId id="401" r:id="rId117"/>
+    <p:sldId id="480" r:id="rId118"/>
+    <p:sldId id="482" r:id="rId119"/>
+    <p:sldId id="534" r:id="rId120"/>
   </p:sldIdLst>
   <p:sldSz cx="9144000" cy="6858000" type="screen4x3"/>
   <p:notesSz cx="7099300" cy="10234613"/>
@@ -259,7 +260,7 @@
   </p:defaultTextStyle>
   <p:extLst>
     <p:ext uri="{EFAFB233-063F-42B5-8137-9DF3F51BA10A}">
-      <p15:sldGuideLst xmlns:p15="http://schemas.microsoft.com/office/powerpoint/2012/main">
+      <p15:sldGuideLst xmlns:p15="http://schemas.microsoft.com/office/powerpoint/2012/main" xmlns="">
         <p15:guide id="1" orient="horz" pos="2160">
           <p15:clr>
             <a:srgbClr val="A4A3A4"/>
@@ -402,11 +403,11 @@
           <c:showBubbleSize val="0"/>
         </c:dLbls>
         <c:gapWidth val="150"/>
-        <c:axId val="203958080"/>
-        <c:axId val="203958472"/>
+        <c:axId val="6529792"/>
+        <c:axId val="6531328"/>
       </c:barChart>
       <c:catAx>
-        <c:axId val="203958080"/>
+        <c:axId val="6529792"/>
         <c:scaling>
           <c:orientation val="minMax"/>
         </c:scaling>
@@ -441,7 +442,7 @@
             <a:endParaRPr lang="en-US"/>
           </a:p>
         </c:txPr>
-        <c:crossAx val="203958472"/>
+        <c:crossAx val="6531328"/>
         <c:crosses val="autoZero"/>
         <c:auto val="1"/>
         <c:lblAlgn val="ctr"/>
@@ -451,7 +452,7 @@
         <c:noMultiLvlLbl val="0"/>
       </c:catAx>
       <c:valAx>
-        <c:axId val="203958472"/>
+        <c:axId val="6531328"/>
         <c:scaling>
           <c:orientation val="minMax"/>
           <c:max val="50000"/>
@@ -488,7 +489,7 @@
             <a:endParaRPr lang="en-US"/>
           </a:p>
         </c:txPr>
-        <c:crossAx val="203958080"/>
+        <c:crossAx val="6529792"/>
         <c:crosses val="autoZero"/>
         <c:crossBetween val="between"/>
         <c:majorUnit val="10000"/>
@@ -662,11 +663,11 @@
           <c:showBubbleSize val="0"/>
         </c:dLbls>
         <c:gapWidth val="150"/>
-        <c:axId val="207831640"/>
-        <c:axId val="207833600"/>
+        <c:axId val="109652992"/>
+        <c:axId val="109679360"/>
       </c:barChart>
       <c:catAx>
-        <c:axId val="207831640"/>
+        <c:axId val="109652992"/>
         <c:scaling>
           <c:orientation val="minMax"/>
         </c:scaling>
@@ -701,7 +702,7 @@
             <a:endParaRPr lang="en-US"/>
           </a:p>
         </c:txPr>
-        <c:crossAx val="207833600"/>
+        <c:crossAx val="109679360"/>
         <c:crosses val="autoZero"/>
         <c:auto val="1"/>
         <c:lblAlgn val="ctr"/>
@@ -711,7 +712,7 @@
         <c:noMultiLvlLbl val="0"/>
       </c:catAx>
       <c:valAx>
-        <c:axId val="207833600"/>
+        <c:axId val="109679360"/>
         <c:scaling>
           <c:orientation val="minMax"/>
         </c:scaling>
@@ -786,7 +787,7 @@
             <a:endParaRPr lang="en-US"/>
           </a:p>
         </c:txPr>
-        <c:crossAx val="207831640"/>
+        <c:crossAx val="109652992"/>
         <c:crosses val="autoZero"/>
         <c:crossBetween val="between"/>
       </c:valAx>
@@ -956,11 +957,11 @@
           <c:showBubbleSize val="0"/>
         </c:dLbls>
         <c:gapWidth val="150"/>
-        <c:axId val="207834384"/>
-        <c:axId val="207834776"/>
+        <c:axId val="126163584"/>
+        <c:axId val="120443264"/>
       </c:barChart>
       <c:catAx>
-        <c:axId val="207834384"/>
+        <c:axId val="126163584"/>
         <c:scaling>
           <c:orientation val="minMax"/>
         </c:scaling>
@@ -995,7 +996,7 @@
             <a:endParaRPr lang="en-US"/>
           </a:p>
         </c:txPr>
-        <c:crossAx val="207834776"/>
+        <c:crossAx val="120443264"/>
         <c:crosses val="autoZero"/>
         <c:auto val="1"/>
         <c:lblAlgn val="ctr"/>
@@ -1005,7 +1006,7 @@
         <c:noMultiLvlLbl val="0"/>
       </c:catAx>
       <c:valAx>
-        <c:axId val="207834776"/>
+        <c:axId val="120443264"/>
         <c:scaling>
           <c:orientation val="minMax"/>
         </c:scaling>
@@ -1080,7 +1081,7 @@
             <a:endParaRPr lang="en-US"/>
           </a:p>
         </c:txPr>
-        <c:crossAx val="207834384"/>
+        <c:crossAx val="126163584"/>
         <c:crosses val="autoZero"/>
         <c:crossBetween val="between"/>
       </c:valAx>
@@ -1250,11 +1251,11 @@
           <c:showBubbleSize val="0"/>
         </c:dLbls>
         <c:gapWidth val="150"/>
-        <c:axId val="201207944"/>
-        <c:axId val="201208336"/>
+        <c:axId val="126025088"/>
+        <c:axId val="126043264"/>
       </c:barChart>
       <c:catAx>
-        <c:axId val="201207944"/>
+        <c:axId val="126025088"/>
         <c:scaling>
           <c:orientation val="minMax"/>
         </c:scaling>
@@ -1289,7 +1290,7 @@
             <a:endParaRPr lang="en-US"/>
           </a:p>
         </c:txPr>
-        <c:crossAx val="201208336"/>
+        <c:crossAx val="126043264"/>
         <c:crosses val="autoZero"/>
         <c:auto val="1"/>
         <c:lblAlgn val="ctr"/>
@@ -1299,7 +1300,7 @@
         <c:noMultiLvlLbl val="0"/>
       </c:catAx>
       <c:valAx>
-        <c:axId val="201208336"/>
+        <c:axId val="126043264"/>
         <c:scaling>
           <c:orientation val="minMax"/>
         </c:scaling>
@@ -1374,7 +1375,7 @@
             <a:endParaRPr lang="en-US"/>
           </a:p>
         </c:txPr>
-        <c:crossAx val="201207944"/>
+        <c:crossAx val="126025088"/>
         <c:crosses val="autoZero"/>
         <c:crossBetween val="between"/>
       </c:valAx>
@@ -1544,11 +1545,11 @@
           <c:showBubbleSize val="0"/>
         </c:dLbls>
         <c:gapWidth val="150"/>
-        <c:axId val="201209120"/>
-        <c:axId val="201209512"/>
+        <c:axId val="126077184"/>
+        <c:axId val="126132224"/>
       </c:barChart>
       <c:catAx>
-        <c:axId val="201209120"/>
+        <c:axId val="126077184"/>
         <c:scaling>
           <c:orientation val="minMax"/>
         </c:scaling>
@@ -1583,7 +1584,7 @@
             <a:endParaRPr lang="en-US"/>
           </a:p>
         </c:txPr>
-        <c:crossAx val="201209512"/>
+        <c:crossAx val="126132224"/>
         <c:crosses val="autoZero"/>
         <c:auto val="1"/>
         <c:lblAlgn val="ctr"/>
@@ -1593,7 +1594,7 @@
         <c:noMultiLvlLbl val="0"/>
       </c:catAx>
       <c:valAx>
-        <c:axId val="201209512"/>
+        <c:axId val="126132224"/>
         <c:scaling>
           <c:orientation val="minMax"/>
         </c:scaling>
@@ -1668,7 +1669,7 @@
             <a:endParaRPr lang="en-US"/>
           </a:p>
         </c:txPr>
-        <c:crossAx val="201209120"/>
+        <c:crossAx val="126077184"/>
         <c:crosses val="autoZero"/>
         <c:crossBetween val="between"/>
       </c:valAx>
@@ -1838,11 +1839,11 @@
           <c:showBubbleSize val="0"/>
         </c:dLbls>
         <c:gapWidth val="150"/>
-        <c:axId val="206851128"/>
-        <c:axId val="206851520"/>
+        <c:axId val="5896064"/>
+        <c:axId val="5897600"/>
       </c:barChart>
       <c:catAx>
-        <c:axId val="206851128"/>
+        <c:axId val="5896064"/>
         <c:scaling>
           <c:orientation val="minMax"/>
         </c:scaling>
@@ -1877,7 +1878,7 @@
             <a:endParaRPr lang="en-US"/>
           </a:p>
         </c:txPr>
-        <c:crossAx val="206851520"/>
+        <c:crossAx val="5897600"/>
         <c:crosses val="autoZero"/>
         <c:auto val="1"/>
         <c:lblAlgn val="ctr"/>
@@ -1887,7 +1888,7 @@
         <c:noMultiLvlLbl val="0"/>
       </c:catAx>
       <c:valAx>
-        <c:axId val="206851520"/>
+        <c:axId val="5897600"/>
         <c:scaling>
           <c:orientation val="minMax"/>
         </c:scaling>
@@ -1922,7 +1923,7 @@
             <a:endParaRPr lang="en-US"/>
           </a:p>
         </c:txPr>
-        <c:crossAx val="206851128"/>
+        <c:crossAx val="5896064"/>
         <c:crosses val="autoZero"/>
         <c:crossBetween val="between"/>
       </c:valAx>
@@ -2092,11 +2093,11 @@
           <c:showBubbleSize val="0"/>
         </c:dLbls>
         <c:gapWidth val="150"/>
-        <c:axId val="206852304"/>
-        <c:axId val="206844592"/>
+        <c:axId val="74999296"/>
+        <c:axId val="75000832"/>
       </c:barChart>
       <c:catAx>
-        <c:axId val="206852304"/>
+        <c:axId val="74999296"/>
         <c:scaling>
           <c:orientation val="minMax"/>
         </c:scaling>
@@ -2131,7 +2132,7 @@
             <a:endParaRPr lang="en-US"/>
           </a:p>
         </c:txPr>
-        <c:crossAx val="206844592"/>
+        <c:crossAx val="75000832"/>
         <c:crosses val="autoZero"/>
         <c:auto val="1"/>
         <c:lblAlgn val="ctr"/>
@@ -2141,7 +2142,7 @@
         <c:noMultiLvlLbl val="0"/>
       </c:catAx>
       <c:valAx>
-        <c:axId val="206844592"/>
+        <c:axId val="75000832"/>
         <c:scaling>
           <c:orientation val="minMax"/>
         </c:scaling>
@@ -2215,7 +2216,7 @@
             <a:endParaRPr lang="en-US"/>
           </a:p>
         </c:txPr>
-        <c:crossAx val="206852304"/>
+        <c:crossAx val="74999296"/>
         <c:crosses val="autoZero"/>
         <c:crossBetween val="between"/>
       </c:valAx>
@@ -2385,11 +2386,11 @@
           <c:showBubbleSize val="0"/>
         </c:dLbls>
         <c:gapWidth val="150"/>
-        <c:axId val="206845376"/>
-        <c:axId val="206845768"/>
+        <c:axId val="6590848"/>
+        <c:axId val="6592384"/>
       </c:barChart>
       <c:catAx>
-        <c:axId val="206845376"/>
+        <c:axId val="6590848"/>
         <c:scaling>
           <c:orientation val="minMax"/>
         </c:scaling>
@@ -2424,7 +2425,7 @@
             <a:endParaRPr lang="en-US"/>
           </a:p>
         </c:txPr>
-        <c:crossAx val="206845768"/>
+        <c:crossAx val="6592384"/>
         <c:crosses val="autoZero"/>
         <c:auto val="1"/>
         <c:lblAlgn val="ctr"/>
@@ -2434,7 +2435,7 @@
         <c:noMultiLvlLbl val="0"/>
       </c:catAx>
       <c:valAx>
-        <c:axId val="206845768"/>
+        <c:axId val="6592384"/>
         <c:scaling>
           <c:orientation val="minMax"/>
         </c:scaling>
@@ -2509,7 +2510,7 @@
             <a:endParaRPr lang="en-US"/>
           </a:p>
         </c:txPr>
-        <c:crossAx val="206845376"/>
+        <c:crossAx val="6590848"/>
         <c:crosses val="autoZero"/>
         <c:crossBetween val="between"/>
       </c:valAx>
@@ -2679,11 +2680,11 @@
           <c:showBubbleSize val="0"/>
         </c:dLbls>
         <c:gapWidth val="150"/>
-        <c:axId val="206846160"/>
-        <c:axId val="206836792"/>
+        <c:axId val="42798464"/>
+        <c:axId val="74937472"/>
       </c:barChart>
       <c:catAx>
-        <c:axId val="206846160"/>
+        <c:axId val="42798464"/>
         <c:scaling>
           <c:orientation val="minMax"/>
         </c:scaling>
@@ -2718,7 +2719,7 @@
             <a:endParaRPr lang="en-US"/>
           </a:p>
         </c:txPr>
-        <c:crossAx val="206836792"/>
+        <c:crossAx val="74937472"/>
         <c:crosses val="autoZero"/>
         <c:auto val="1"/>
         <c:lblAlgn val="ctr"/>
@@ -2728,7 +2729,7 @@
         <c:noMultiLvlLbl val="0"/>
       </c:catAx>
       <c:valAx>
-        <c:axId val="206836792"/>
+        <c:axId val="74937472"/>
         <c:scaling>
           <c:orientation val="minMax"/>
         </c:scaling>
@@ -2803,7 +2804,7 @@
             <a:endParaRPr lang="en-US"/>
           </a:p>
         </c:txPr>
-        <c:crossAx val="206846160"/>
+        <c:crossAx val="42798464"/>
         <c:crosses val="autoZero"/>
         <c:crossBetween val="between"/>
       </c:valAx>
@@ -4110,7 +4111,7 @@
     </p:spTree>
     <p:extLst>
       <p:ext uri="{BB962C8B-B14F-4D97-AF65-F5344CB8AC3E}">
-        <p14:creationId xmlns:p14="http://schemas.microsoft.com/office/powerpoint/2010/main" val="4082291985"/>
+        <p14:creationId xmlns:p14="http://schemas.microsoft.com/office/powerpoint/2010/main" val="2270512611"/>
       </p:ext>
     </p:extLst>
   </p:cSld>
@@ -4193,7 +4194,7 @@
               <a:pPr>
                 <a:defRPr/>
               </a:pPr>
-              <a:t>107</a:t>
+              <a:t>97</a:t>
             </a:fld>
             <a:endParaRPr lang="en-US"/>
           </a:p>
@@ -4202,7 +4203,7 @@
     </p:spTree>
     <p:extLst>
       <p:ext uri="{BB962C8B-B14F-4D97-AF65-F5344CB8AC3E}">
-        <p14:creationId xmlns:p14="http://schemas.microsoft.com/office/powerpoint/2010/main" val="159715101"/>
+        <p14:creationId xmlns:p14="http://schemas.microsoft.com/office/powerpoint/2010/main" val="4082291985"/>
       </p:ext>
     </p:extLst>
   </p:cSld>
@@ -4294,7 +4295,7 @@
     </p:spTree>
     <p:extLst>
       <p:ext uri="{BB962C8B-B14F-4D97-AF65-F5344CB8AC3E}">
-        <p14:creationId xmlns:p14="http://schemas.microsoft.com/office/powerpoint/2010/main" val="1034666255"/>
+        <p14:creationId xmlns:p14="http://schemas.microsoft.com/office/powerpoint/2010/main" val="159715101"/>
       </p:ext>
     </p:extLst>
   </p:cSld>
@@ -4377,7 +4378,7 @@
               <a:pPr>
                 <a:defRPr/>
               </a:pPr>
-              <a:t>110</a:t>
+              <a:t>109</a:t>
             </a:fld>
             <a:endParaRPr lang="en-US"/>
           </a:p>
@@ -4386,7 +4387,7 @@
     </p:spTree>
     <p:extLst>
       <p:ext uri="{BB962C8B-B14F-4D97-AF65-F5344CB8AC3E}">
-        <p14:creationId xmlns:p14="http://schemas.microsoft.com/office/powerpoint/2010/main" val="3066791605"/>
+        <p14:creationId xmlns:p14="http://schemas.microsoft.com/office/powerpoint/2010/main" val="1034666255"/>
       </p:ext>
     </p:extLst>
   </p:cSld>
@@ -4478,7 +4479,7 @@
     </p:spTree>
     <p:extLst>
       <p:ext uri="{BB962C8B-B14F-4D97-AF65-F5344CB8AC3E}">
-        <p14:creationId xmlns:p14="http://schemas.microsoft.com/office/powerpoint/2010/main" val="4159370357"/>
+        <p14:creationId xmlns:p14="http://schemas.microsoft.com/office/powerpoint/2010/main" val="3066791605"/>
       </p:ext>
     </p:extLst>
   </p:cSld>
@@ -4561,7 +4562,7 @@
               <a:pPr>
                 <a:defRPr/>
               </a:pPr>
-              <a:t>113</a:t>
+              <a:t>112</a:t>
             </a:fld>
             <a:endParaRPr lang="en-US"/>
           </a:p>
@@ -4570,7 +4571,7 @@
     </p:spTree>
     <p:extLst>
       <p:ext uri="{BB962C8B-B14F-4D97-AF65-F5344CB8AC3E}">
-        <p14:creationId xmlns:p14="http://schemas.microsoft.com/office/powerpoint/2010/main" val="1952707646"/>
+        <p14:creationId xmlns:p14="http://schemas.microsoft.com/office/powerpoint/2010/main" val="4159370357"/>
       </p:ext>
     </p:extLst>
   </p:cSld>
@@ -4753,7 +4754,7 @@
     </p:spTree>
     <p:extLst>
       <p:ext uri="{BB962C8B-B14F-4D97-AF65-F5344CB8AC3E}">
-        <p14:creationId xmlns:p14="http://schemas.microsoft.com/office/powerpoint/2010/main" val="895363958"/>
+        <p14:creationId xmlns:p14="http://schemas.microsoft.com/office/powerpoint/2010/main" val="1952707646"/>
       </p:ext>
     </p:extLst>
   </p:cSld>
@@ -4836,7 +4837,7 @@
               <a:pPr>
                 <a:defRPr/>
               </a:pPr>
-              <a:t>116</a:t>
+              <a:t>115</a:t>
             </a:fld>
             <a:endParaRPr lang="en-US"/>
           </a:p>
@@ -4845,7 +4846,7 @@
     </p:spTree>
     <p:extLst>
       <p:ext uri="{BB962C8B-B14F-4D97-AF65-F5344CB8AC3E}">
-        <p14:creationId xmlns:p14="http://schemas.microsoft.com/office/powerpoint/2010/main" val="4069309428"/>
+        <p14:creationId xmlns:p14="http://schemas.microsoft.com/office/powerpoint/2010/main" val="895363958"/>
       </p:ext>
     </p:extLst>
   </p:cSld>
@@ -4937,7 +4938,7 @@
     </p:spTree>
     <p:extLst>
       <p:ext uri="{BB962C8B-B14F-4D97-AF65-F5344CB8AC3E}">
-        <p14:creationId xmlns:p14="http://schemas.microsoft.com/office/powerpoint/2010/main" val="239449001"/>
+        <p14:creationId xmlns:p14="http://schemas.microsoft.com/office/powerpoint/2010/main" val="4069309428"/>
       </p:ext>
     </p:extLst>
   </p:cSld>
@@ -5021,6 +5022,98 @@
                 <a:defRPr/>
               </a:pPr>
               <a:t>118</a:t>
+            </a:fld>
+            <a:endParaRPr lang="en-US"/>
+          </a:p>
+        </p:txBody>
+      </p:sp>
+    </p:spTree>
+    <p:extLst>
+      <p:ext uri="{BB962C8B-B14F-4D97-AF65-F5344CB8AC3E}">
+        <p14:creationId xmlns:p14="http://schemas.microsoft.com/office/powerpoint/2010/main" val="239449001"/>
+      </p:ext>
+    </p:extLst>
+  </p:cSld>
+  <p:clrMapOvr>
+    <a:masterClrMapping/>
+  </p:clrMapOvr>
+</p:notes>
+</file>
+
+<file path=ppt/notesSlides/notesSlide24.xml><?xml version="1.0" encoding="utf-8"?>
+<p:notes xmlns:a="http://schemas.openxmlformats.org/drawingml/2006/main" xmlns:r="http://schemas.openxmlformats.org/officeDocument/2006/relationships" xmlns:p="http://schemas.openxmlformats.org/presentationml/2006/main">
+  <p:cSld>
+    <p:spTree>
+      <p:nvGrpSpPr>
+        <p:cNvPr id="1" name=""/>
+        <p:cNvGrpSpPr/>
+        <p:nvPr/>
+      </p:nvGrpSpPr>
+      <p:grpSpPr>
+        <a:xfrm>
+          <a:off x="0" y="0"/>
+          <a:ext cx="0" cy="0"/>
+          <a:chOff x="0" y="0"/>
+          <a:chExt cx="0" cy="0"/>
+        </a:xfrm>
+      </p:grpSpPr>
+      <p:sp>
+        <p:nvSpPr>
+          <p:cNvPr id="2" name="Slide Image Placeholder 1"/>
+          <p:cNvSpPr>
+            <a:spLocks noGrp="1" noRot="1" noChangeAspect="1"/>
+          </p:cNvSpPr>
+          <p:nvPr>
+            <p:ph type="sldImg"/>
+          </p:nvPr>
+        </p:nvSpPr>
+        <p:spPr/>
+      </p:sp>
+      <p:sp>
+        <p:nvSpPr>
+          <p:cNvPr id="3" name="Notes Placeholder 2"/>
+          <p:cNvSpPr>
+            <a:spLocks noGrp="1"/>
+          </p:cNvSpPr>
+          <p:nvPr>
+            <p:ph type="body" idx="1"/>
+          </p:nvPr>
+        </p:nvSpPr>
+        <p:spPr/>
+        <p:txBody>
+          <a:bodyPr>
+            <a:normAutofit/>
+          </a:bodyPr>
+          <a:lstStyle/>
+          <a:p>
+            <a:endParaRPr lang="en-US" dirty="0"/>
+          </a:p>
+        </p:txBody>
+      </p:sp>
+      <p:sp>
+        <p:nvSpPr>
+          <p:cNvPr id="4" name="Slide Number Placeholder 3"/>
+          <p:cNvSpPr>
+            <a:spLocks noGrp="1"/>
+          </p:cNvSpPr>
+          <p:nvPr>
+            <p:ph type="sldNum" sz="quarter" idx="10"/>
+          </p:nvPr>
+        </p:nvSpPr>
+        <p:spPr/>
+        <p:txBody>
+          <a:bodyPr/>
+          <a:lstStyle/>
+          <a:p>
+            <a:pPr>
+              <a:defRPr/>
+            </a:pPr>
+            <a:fld id="{1B8DA0F0-2D7C-4768-BE71-DA5D843E5F33}" type="slidenum">
+              <a:rPr lang="en-US" smtClean="0"/>
+              <a:pPr>
+                <a:defRPr/>
+              </a:pPr>
+              <a:t>119</a:t>
             </a:fld>
             <a:endParaRPr lang="en-US"/>
           </a:p>
@@ -10450,14 +10543,17 @@
               </a:spcBef>
             </a:pPr>
             <a:r>
-              <a:rPr lang="en-US" sz="2400" i="1" smtClean="0"/>
-              <a:t>??y</a:t>
-            </a:r>
-            <a:r>
-              <a:rPr lang="en-US" sz="2400" smtClean="0"/>
+              <a:rPr lang="en-US" sz="2400" dirty="0" smtClean="0"/>
+              <a:t>Bill Lewis, McKinsey, </a:t>
+            </a:r>
+            <a:r>
+              <a:rPr lang="en-US" sz="2400" i="1" dirty="0" smtClean="0"/>
+              <a:t>The Power of Productivity</a:t>
+            </a:r>
+            <a:r>
+              <a:rPr lang="en-US" sz="2400" dirty="0" smtClean="0"/>
               <a:t> </a:t>
             </a:r>
-            <a:endParaRPr lang="en-US" sz="2400" dirty="0" smtClean="0"/>
           </a:p>
           <a:p>
             <a:pPr lvl="1" eaLnBrk="1" hangingPunct="1">
@@ -10466,26 +10562,16 @@
               </a:spcBef>
             </a:pPr>
             <a:r>
-              <a:rPr lang="en-US" sz="2000" dirty="0" smtClean="0">
-                <a:hlinkClick r:id="rId2"/>
-              </a:rPr>
-              <a:t>http</a:t>
-            </a:r>
-            <a:r>
-              <a:rPr lang="en-US" sz="2000" dirty="0">
-                <a:hlinkClick r:id="rId2"/>
-              </a:rPr>
-              <a:t>://nyusterneconomics.wordpress.com/2014/06/06/competition-for-internet-access</a:t>
-            </a:r>
-            <a:r>
-              <a:rPr lang="en-US" sz="2000" dirty="0" smtClean="0">
-                <a:hlinkClick r:id="rId2"/>
-              </a:rPr>
-              <a:t>/</a:t>
-            </a:r>
-            <a:r>
               <a:rPr lang="en-US" sz="2000" dirty="0" smtClean="0"/>
-              <a:t> .  </a:t>
+              <a:t>The Japan we see the small farmer, the small shopkeeper, and the small milk plant.  But small isn’t beautiful, it’s inefficient and unproductive.  A string of land restrictions,  tax policies, loan subsidies, and regulations prop up the small while stifling the enterprising and efficient.  As a result, </a:t>
+            </a:r>
+            <a:r>
+              <a:rPr lang="en-US" sz="2000" b="1" dirty="0" smtClean="0"/>
+              <a:t>Japan is 40% more productive than the US in autos but 50% less productive in retail</a:t>
+            </a:r>
+            <a:r>
+              <a:rPr lang="en-US" sz="2000" dirty="0" smtClean="0"/>
+              <a:t>.  </a:t>
             </a:r>
           </a:p>
           <a:p>
@@ -10528,11 +10614,6 @@
         </p:txBody>
       </p:sp>
     </p:spTree>
-    <p:extLst>
-      <p:ext uri="{BB962C8B-B14F-4D97-AF65-F5344CB8AC3E}">
-        <p14:creationId xmlns:p14="http://schemas.microsoft.com/office/powerpoint/2010/main" val="1247547445"/>
-      </p:ext>
-    </p:extLst>
   </p:cSld>
   <p:clrMapOvr>
     <a:masterClrMapping/>
@@ -10566,7 +10647,7 @@
       </p:grpSpPr>
       <p:sp>
         <p:nvSpPr>
-          <p:cNvPr id="7170" name="Rectangle 2"/>
+          <p:cNvPr id="52226" name="Rectangle 2"/>
           <p:cNvSpPr>
             <a:spLocks noGrp="1" noChangeArrowheads="1"/>
           </p:cNvSpPr>
@@ -10582,8 +10663,82 @@
             <a:pPr algn="l" eaLnBrk="1" hangingPunct="1"/>
             <a:r>
               <a:rPr lang="en-US" dirty="0" smtClean="0"/>
-              <a:t>What happened in Japan?</a:t>
-            </a:r>
+              <a:t>What is this? </a:t>
+            </a:r>
+          </a:p>
+        </p:txBody>
+      </p:sp>
+      <p:sp>
+        <p:nvSpPr>
+          <p:cNvPr id="52227" name="Rectangle 3"/>
+          <p:cNvSpPr>
+            <a:spLocks noGrp="1" noChangeArrowheads="1"/>
+          </p:cNvSpPr>
+          <p:nvPr>
+            <p:ph type="body" idx="1"/>
+          </p:nvPr>
+        </p:nvSpPr>
+        <p:spPr>
+          <a:xfrm>
+            <a:off x="457200" y="1600200"/>
+            <a:ext cx="7772400" cy="4525963"/>
+          </a:xfrm>
+        </p:spPr>
+        <p:txBody>
+          <a:bodyPr/>
+          <a:lstStyle/>
+          <a:p>
+            <a:pPr eaLnBrk="1" hangingPunct="1">
+              <a:spcBef>
+                <a:spcPct val="50000"/>
+              </a:spcBef>
+            </a:pPr>
+            <a:r>
+              <a:rPr lang="en-US" sz="2400" i="1" smtClean="0"/>
+              <a:t>??y</a:t>
+            </a:r>
+            <a:r>
+              <a:rPr lang="en-US" sz="2400" smtClean="0"/>
+              <a:t> </a:t>
+            </a:r>
+            <a:endParaRPr lang="en-US" sz="2400" dirty="0" smtClean="0"/>
+          </a:p>
+          <a:p>
+            <a:pPr lvl="1" eaLnBrk="1" hangingPunct="1">
+              <a:spcBef>
+                <a:spcPct val="50000"/>
+              </a:spcBef>
+            </a:pPr>
+            <a:r>
+              <a:rPr lang="en-US" sz="2000" dirty="0" smtClean="0">
+                <a:hlinkClick r:id="rId2"/>
+              </a:rPr>
+              <a:t>http</a:t>
+            </a:r>
+            <a:r>
+              <a:rPr lang="en-US" sz="2000" dirty="0">
+                <a:hlinkClick r:id="rId2"/>
+              </a:rPr>
+              <a:t>://nyusterneconomics.wordpress.com/2014/06/06/competition-for-internet-access</a:t>
+            </a:r>
+            <a:r>
+              <a:rPr lang="en-US" sz="2000" dirty="0" smtClean="0">
+                <a:hlinkClick r:id="rId2"/>
+              </a:rPr>
+              <a:t>/</a:t>
+            </a:r>
+            <a:r>
+              <a:rPr lang="en-US" sz="2000" dirty="0" smtClean="0"/>
+              <a:t> .  </a:t>
+            </a:r>
+          </a:p>
+          <a:p>
+            <a:pPr lvl="1" eaLnBrk="1" hangingPunct="1">
+              <a:spcBef>
+                <a:spcPct val="50000"/>
+              </a:spcBef>
+            </a:pPr>
+            <a:endParaRPr lang="en-US" sz="2000" dirty="0" smtClean="0"/>
           </a:p>
         </p:txBody>
       </p:sp>
@@ -10611,6 +10766,95 @@
                 <a:defRPr/>
               </a:pPr>
               <a:t>101</a:t>
+            </a:fld>
+            <a:endParaRPr lang="en-US"/>
+          </a:p>
+        </p:txBody>
+      </p:sp>
+    </p:spTree>
+    <p:extLst>
+      <p:ext uri="{BB962C8B-B14F-4D97-AF65-F5344CB8AC3E}">
+        <p14:creationId xmlns:p14="http://schemas.microsoft.com/office/powerpoint/2010/main" val="1247547445"/>
+      </p:ext>
+    </p:extLst>
+  </p:cSld>
+  <p:clrMapOvr>
+    <a:masterClrMapping/>
+  </p:clrMapOvr>
+  <p:timing>
+    <p:tnLst>
+      <p:par>
+        <p:cTn id="1" dur="indefinite" restart="never" nodeType="tmRoot"/>
+      </p:par>
+    </p:tnLst>
+  </p:timing>
+</p:sld>
+</file>
+
+<file path=ppt/slides/slide102.xml><?xml version="1.0" encoding="utf-8"?>
+<p:sld xmlns:a="http://schemas.openxmlformats.org/drawingml/2006/main" xmlns:r="http://schemas.openxmlformats.org/officeDocument/2006/relationships" xmlns:p="http://schemas.openxmlformats.org/presentationml/2006/main">
+  <p:cSld>
+    <p:spTree>
+      <p:nvGrpSpPr>
+        <p:cNvPr id="1" name=""/>
+        <p:cNvGrpSpPr/>
+        <p:nvPr/>
+      </p:nvGrpSpPr>
+      <p:grpSpPr>
+        <a:xfrm>
+          <a:off x="0" y="0"/>
+          <a:ext cx="0" cy="0"/>
+          <a:chOff x="0" y="0"/>
+          <a:chExt cx="0" cy="0"/>
+        </a:xfrm>
+      </p:grpSpPr>
+      <p:sp>
+        <p:nvSpPr>
+          <p:cNvPr id="7170" name="Rectangle 2"/>
+          <p:cNvSpPr>
+            <a:spLocks noGrp="1" noChangeArrowheads="1"/>
+          </p:cNvSpPr>
+          <p:nvPr>
+            <p:ph type="title"/>
+          </p:nvPr>
+        </p:nvSpPr>
+        <p:spPr/>
+        <p:txBody>
+          <a:bodyPr/>
+          <a:lstStyle/>
+          <a:p>
+            <a:pPr algn="l" eaLnBrk="1" hangingPunct="1"/>
+            <a:r>
+              <a:rPr lang="en-US" dirty="0" smtClean="0"/>
+              <a:t>What happened in Japan?</a:t>
+            </a:r>
+          </a:p>
+        </p:txBody>
+      </p:sp>
+      <p:sp>
+        <p:nvSpPr>
+          <p:cNvPr id="4" name="Slide Number Placeholder 3"/>
+          <p:cNvSpPr>
+            <a:spLocks noGrp="1"/>
+          </p:cNvSpPr>
+          <p:nvPr>
+            <p:ph type="sldNum" sz="quarter" idx="12"/>
+          </p:nvPr>
+        </p:nvSpPr>
+        <p:spPr/>
+        <p:txBody>
+          <a:bodyPr/>
+          <a:lstStyle/>
+          <a:p>
+            <a:pPr>
+              <a:defRPr/>
+            </a:pPr>
+            <a:fld id="{3806B3E2-D54F-4659-9127-650ECDAEBC50}" type="slidenum">
+              <a:rPr lang="en-US" smtClean="0"/>
+              <a:pPr>
+                <a:defRPr/>
+              </a:pPr>
+              <a:t>102</a:t>
             </a:fld>
             <a:endParaRPr lang="en-US"/>
           </a:p>
@@ -10663,167 +10907,6 @@
 </p:sld>
 </file>
 
-<file path=ppt/slides/slide102.xml><?xml version="1.0" encoding="utf-8"?>
-<p:sld xmlns:a="http://schemas.openxmlformats.org/drawingml/2006/main" xmlns:r="http://schemas.openxmlformats.org/officeDocument/2006/relationships" xmlns:p="http://schemas.openxmlformats.org/presentationml/2006/main">
-  <p:cSld>
-    <p:spTree>
-      <p:nvGrpSpPr>
-        <p:cNvPr id="1" name=""/>
-        <p:cNvGrpSpPr/>
-        <p:nvPr/>
-      </p:nvGrpSpPr>
-      <p:grpSpPr>
-        <a:xfrm>
-          <a:off x="0" y="0"/>
-          <a:ext cx="0" cy="0"/>
-          <a:chOff x="0" y="0"/>
-          <a:chExt cx="0" cy="0"/>
-        </a:xfrm>
-      </p:grpSpPr>
-      <p:sp>
-        <p:nvSpPr>
-          <p:cNvPr id="52226" name="Rectangle 2"/>
-          <p:cNvSpPr>
-            <a:spLocks noGrp="1" noChangeArrowheads="1"/>
-          </p:cNvSpPr>
-          <p:nvPr>
-            <p:ph type="title"/>
-          </p:nvPr>
-        </p:nvSpPr>
-        <p:spPr/>
-        <p:txBody>
-          <a:bodyPr/>
-          <a:lstStyle/>
-          <a:p>
-            <a:pPr algn="l" eaLnBrk="1" hangingPunct="1"/>
-            <a:r>
-              <a:rPr lang="en-US" dirty="0" smtClean="0"/>
-              <a:t>What is this?</a:t>
-            </a:r>
-          </a:p>
-        </p:txBody>
-      </p:sp>
-      <p:sp>
-        <p:nvSpPr>
-          <p:cNvPr id="52227" name="Rectangle 3"/>
-          <p:cNvSpPr>
-            <a:spLocks noGrp="1" noChangeArrowheads="1"/>
-          </p:cNvSpPr>
-          <p:nvPr>
-            <p:ph type="body" idx="1"/>
-          </p:nvPr>
-        </p:nvSpPr>
-        <p:spPr>
-          <a:xfrm>
-            <a:off x="457200" y="1600200"/>
-            <a:ext cx="7772400" cy="4525963"/>
-          </a:xfrm>
-        </p:spPr>
-        <p:txBody>
-          <a:bodyPr/>
-          <a:lstStyle/>
-          <a:p>
-            <a:pPr eaLnBrk="1" hangingPunct="1">
-              <a:spcBef>
-                <a:spcPts val="1200"/>
-              </a:spcBef>
-            </a:pPr>
-            <a:r>
-              <a:rPr lang="en-US" sz="2400" dirty="0" smtClean="0"/>
-              <a:t>World Economic Forum on Mexico</a:t>
-            </a:r>
-          </a:p>
-          <a:p>
-            <a:pPr lvl="1">
-              <a:spcBef>
-                <a:spcPts val="1200"/>
-              </a:spcBef>
-            </a:pPr>
-            <a:r>
-              <a:rPr lang="en-US" sz="2000" dirty="0" smtClean="0"/>
-              <a:t>There is a </a:t>
-            </a:r>
-            <a:r>
-              <a:rPr lang="en-US" sz="2000" b="1" dirty="0" smtClean="0"/>
-              <a:t>lack of competition in </a:t>
-            </a:r>
-            <a:r>
-              <a:rPr lang="en-US" sz="2000" b="1" dirty="0"/>
-              <a:t>some key strategic </a:t>
-            </a:r>
-            <a:r>
-              <a:rPr lang="en-US" sz="2000" b="1" dirty="0" smtClean="0"/>
-              <a:t>sectors</a:t>
-            </a:r>
-            <a:r>
-              <a:rPr lang="en-US" sz="2000" dirty="0" smtClean="0"/>
-              <a:t>, which spills </a:t>
-            </a:r>
-            <a:r>
-              <a:rPr lang="en-US" sz="2000" dirty="0"/>
-              <a:t>over into most sectors of the economy. </a:t>
-            </a:r>
-            <a:r>
-              <a:rPr lang="en-US" sz="2000" dirty="0" smtClean="0"/>
-              <a:t>  </a:t>
-            </a:r>
-            <a:r>
-              <a:rPr lang="en-US" sz="2000" dirty="0"/>
-              <a:t> </a:t>
-            </a:r>
-            <a:endParaRPr lang="en-US" sz="2000" dirty="0" smtClean="0"/>
-          </a:p>
-        </p:txBody>
-      </p:sp>
-      <p:sp>
-        <p:nvSpPr>
-          <p:cNvPr id="4" name="Slide Number Placeholder 3"/>
-          <p:cNvSpPr>
-            <a:spLocks noGrp="1"/>
-          </p:cNvSpPr>
-          <p:nvPr>
-            <p:ph type="sldNum" sz="quarter" idx="12"/>
-          </p:nvPr>
-        </p:nvSpPr>
-        <p:spPr/>
-        <p:txBody>
-          <a:bodyPr/>
-          <a:lstStyle/>
-          <a:p>
-            <a:pPr>
-              <a:defRPr/>
-            </a:pPr>
-            <a:fld id="{3806B3E2-D54F-4659-9127-650ECDAEBC50}" type="slidenum">
-              <a:rPr lang="en-US" smtClean="0"/>
-              <a:pPr>
-                <a:defRPr/>
-              </a:pPr>
-              <a:t>102</a:t>
-            </a:fld>
-            <a:endParaRPr lang="en-US"/>
-          </a:p>
-        </p:txBody>
-      </p:sp>
-    </p:spTree>
-    <p:extLst>
-      <p:ext uri="{BB962C8B-B14F-4D97-AF65-F5344CB8AC3E}">
-        <p14:creationId xmlns:p14="http://schemas.microsoft.com/office/powerpoint/2010/main" val="3446157485"/>
-      </p:ext>
-    </p:extLst>
-  </p:cSld>
-  <p:clrMapOvr>
-    <a:masterClrMapping/>
-  </p:clrMapOvr>
-  <p:timing>
-    <p:tnLst>
-      <p:par>
-        <p:cTn id="1" dur="indefinite" restart="never" nodeType="tmRoot"/>
-      </p:par>
-    </p:tnLst>
-  </p:timing>
-</p:sld>
-</file>
-
 <file path=ppt/slides/slide103.xml><?xml version="1.0" encoding="utf-8"?>
 <p:sld xmlns:a="http://schemas.openxmlformats.org/drawingml/2006/main" xmlns:r="http://schemas.openxmlformats.org/officeDocument/2006/relationships" xmlns:p="http://schemas.openxmlformats.org/presentationml/2006/main">
   <p:cSld>
@@ -10877,7 +10960,7 @@
         <p:spPr>
           <a:xfrm>
             <a:off x="457200" y="1600200"/>
-            <a:ext cx="7924800" cy="4525963"/>
+            <a:ext cx="7772400" cy="4525963"/>
           </a:xfrm>
         </p:spPr>
         <p:txBody>
@@ -10891,7 +10974,7 @@
             </a:pPr>
             <a:r>
               <a:rPr lang="en-US" sz="2400" dirty="0" smtClean="0"/>
-              <a:t>“Oil reform in Mexico,” FT, Feb 26, 2013 </a:t>
+              <a:t>World Economic Forum on Mexico</a:t>
             </a:r>
           </a:p>
           <a:p>
@@ -10902,16 +10985,37 @@
             </a:pPr>
             <a:r>
               <a:rPr lang="en-US" sz="2000" dirty="0" smtClean="0"/>
-              <a:t>Legislators are expected to pass President Ernesto Pena Nieto’s landmark energy reform, which would allow foreign investment in the state oil company </a:t>
-            </a:r>
-            <a:r>
-              <a:rPr lang="en-US" sz="2000" dirty="0" err="1" smtClean="0"/>
-              <a:t>Pemex</a:t>
+              <a:t>There is a </a:t>
+            </a:r>
+            <a:r>
+              <a:rPr lang="en-US" sz="2000" b="1" dirty="0" smtClean="0"/>
+              <a:t>lack of competition in </a:t>
+            </a:r>
+            <a:r>
+              <a:rPr lang="en-US" sz="2000" b="1" dirty="0"/>
+              <a:t>some key strategic </a:t>
+            </a:r>
+            <a:r>
+              <a:rPr lang="en-US" sz="2000" b="1" dirty="0" smtClean="0"/>
+              <a:t>sectors</a:t>
             </a:r>
             <a:r>
               <a:rPr lang="en-US" sz="2000" dirty="0" smtClean="0"/>
-              <a:t>.  Analysts expect this to lead to foreign investment in the tens of billions of USD.  </a:t>
-            </a:r>
+              <a:t>, which spills </a:t>
+            </a:r>
+            <a:r>
+              <a:rPr lang="en-US" sz="2000" dirty="0"/>
+              <a:t>over into most sectors of the economy. </a:t>
+            </a:r>
+            <a:r>
+              <a:rPr lang="en-US" sz="2000" dirty="0" smtClean="0"/>
+              <a:t>  </a:t>
+            </a:r>
+            <a:r>
+              <a:rPr lang="en-US" sz="2000" dirty="0"/>
+              <a:t> </a:t>
+            </a:r>
+            <a:endParaRPr lang="en-US" sz="2000" dirty="0" smtClean="0"/>
           </a:p>
         </p:txBody>
       </p:sp>
@@ -10999,6 +11103,146 @@
             <a:pPr algn="l" eaLnBrk="1" hangingPunct="1"/>
             <a:r>
               <a:rPr lang="en-US" dirty="0" smtClean="0"/>
+              <a:t>What is this?</a:t>
+            </a:r>
+          </a:p>
+        </p:txBody>
+      </p:sp>
+      <p:sp>
+        <p:nvSpPr>
+          <p:cNvPr id="52227" name="Rectangle 3"/>
+          <p:cNvSpPr>
+            <a:spLocks noGrp="1" noChangeArrowheads="1"/>
+          </p:cNvSpPr>
+          <p:nvPr>
+            <p:ph type="body" idx="1"/>
+          </p:nvPr>
+        </p:nvSpPr>
+        <p:spPr>
+          <a:xfrm>
+            <a:off x="457200" y="1600200"/>
+            <a:ext cx="7924800" cy="4525963"/>
+          </a:xfrm>
+        </p:spPr>
+        <p:txBody>
+          <a:bodyPr/>
+          <a:lstStyle/>
+          <a:p>
+            <a:pPr eaLnBrk="1" hangingPunct="1">
+              <a:spcBef>
+                <a:spcPts val="1200"/>
+              </a:spcBef>
+            </a:pPr>
+            <a:r>
+              <a:rPr lang="en-US" sz="2400" dirty="0" smtClean="0"/>
+              <a:t>“Oil reform in Mexico,” FT, Feb 26, 2013 </a:t>
+            </a:r>
+          </a:p>
+          <a:p>
+            <a:pPr lvl="1">
+              <a:spcBef>
+                <a:spcPts val="1200"/>
+              </a:spcBef>
+            </a:pPr>
+            <a:r>
+              <a:rPr lang="en-US" sz="2000" dirty="0" smtClean="0"/>
+              <a:t>Legislators are expected to pass President Ernesto Pena Nieto’s landmark energy reform, which would allow foreign investment in the state oil company </a:t>
+            </a:r>
+            <a:r>
+              <a:rPr lang="en-US" sz="2000" dirty="0" err="1" smtClean="0"/>
+              <a:t>Pemex</a:t>
+            </a:r>
+            <a:r>
+              <a:rPr lang="en-US" sz="2000" dirty="0" smtClean="0"/>
+              <a:t>.  Analysts expect this to lead to foreign investment in the tens of billions of USD.  </a:t>
+            </a:r>
+          </a:p>
+        </p:txBody>
+      </p:sp>
+      <p:sp>
+        <p:nvSpPr>
+          <p:cNvPr id="4" name="Slide Number Placeholder 3"/>
+          <p:cNvSpPr>
+            <a:spLocks noGrp="1"/>
+          </p:cNvSpPr>
+          <p:nvPr>
+            <p:ph type="sldNum" sz="quarter" idx="12"/>
+          </p:nvPr>
+        </p:nvSpPr>
+        <p:spPr/>
+        <p:txBody>
+          <a:bodyPr/>
+          <a:lstStyle/>
+          <a:p>
+            <a:pPr>
+              <a:defRPr/>
+            </a:pPr>
+            <a:fld id="{3806B3E2-D54F-4659-9127-650ECDAEBC50}" type="slidenum">
+              <a:rPr lang="en-US" smtClean="0"/>
+              <a:pPr>
+                <a:defRPr/>
+              </a:pPr>
+              <a:t>104</a:t>
+            </a:fld>
+            <a:endParaRPr lang="en-US"/>
+          </a:p>
+        </p:txBody>
+      </p:sp>
+    </p:spTree>
+    <p:extLst>
+      <p:ext uri="{BB962C8B-B14F-4D97-AF65-F5344CB8AC3E}">
+        <p14:creationId xmlns:p14="http://schemas.microsoft.com/office/powerpoint/2010/main" val="3446157485"/>
+      </p:ext>
+    </p:extLst>
+  </p:cSld>
+  <p:clrMapOvr>
+    <a:masterClrMapping/>
+  </p:clrMapOvr>
+  <p:timing>
+    <p:tnLst>
+      <p:par>
+        <p:cTn id="1" dur="indefinite" restart="never" nodeType="tmRoot"/>
+      </p:par>
+    </p:tnLst>
+  </p:timing>
+</p:sld>
+</file>
+
+<file path=ppt/slides/slide105.xml><?xml version="1.0" encoding="utf-8"?>
+<p:sld xmlns:a="http://schemas.openxmlformats.org/drawingml/2006/main" xmlns:r="http://schemas.openxmlformats.org/officeDocument/2006/relationships" xmlns:p="http://schemas.openxmlformats.org/presentationml/2006/main">
+  <p:cSld>
+    <p:spTree>
+      <p:nvGrpSpPr>
+        <p:cNvPr id="1" name=""/>
+        <p:cNvGrpSpPr/>
+        <p:nvPr/>
+      </p:nvGrpSpPr>
+      <p:grpSpPr>
+        <a:xfrm>
+          <a:off x="0" y="0"/>
+          <a:ext cx="0" cy="0"/>
+          <a:chOff x="0" y="0"/>
+          <a:chExt cx="0" cy="0"/>
+        </a:xfrm>
+      </p:grpSpPr>
+      <p:sp>
+        <p:nvSpPr>
+          <p:cNvPr id="52226" name="Rectangle 2"/>
+          <p:cNvSpPr>
+            <a:spLocks noGrp="1" noChangeArrowheads="1"/>
+          </p:cNvSpPr>
+          <p:nvPr>
+            <p:ph type="title"/>
+          </p:nvPr>
+        </p:nvSpPr>
+        <p:spPr/>
+        <p:txBody>
+          <a:bodyPr/>
+          <a:lstStyle/>
+          <a:p>
+            <a:pPr algn="l" eaLnBrk="1" hangingPunct="1"/>
+            <a:r>
+              <a:rPr lang="en-US" dirty="0" smtClean="0"/>
               <a:t>What is this? </a:t>
             </a:r>
           </a:p>
@@ -11059,7 +11303,7 @@
               <a:pPr>
                 <a:defRPr/>
               </a:pPr>
-              <a:t>104</a:t>
+              <a:t>105</a:t>
             </a:fld>
             <a:endParaRPr lang="en-US"/>
           </a:p>
@@ -11138,7 +11382,7 @@
 </p:sld>
 </file>
 
-<file path=ppt/slides/slide105.xml><?xml version="1.0" encoding="utf-8"?>
+<file path=ppt/slides/slide106.xml><?xml version="1.0" encoding="utf-8"?>
 <p:sld xmlns:a="http://schemas.openxmlformats.org/drawingml/2006/main" xmlns:r="http://schemas.openxmlformats.org/officeDocument/2006/relationships" xmlns:p="http://schemas.openxmlformats.org/presentationml/2006/main">
   <p:cSld>
     <p:spTree>
@@ -11233,7 +11477,7 @@
               <a:pPr>
                 <a:defRPr/>
               </a:pPr>
-              <a:t>105</a:t>
+              <a:t>106</a:t>
             </a:fld>
             <a:endParaRPr lang="en-US"/>
           </a:p>
@@ -11294,141 +11538,6 @@
             <a:endParaRPr lang="en-US" sz="1200" dirty="0">
               <a:latin typeface="+mn-lt"/>
             </a:endParaRPr>
-          </a:p>
-        </p:txBody>
-      </p:sp>
-    </p:spTree>
-  </p:cSld>
-  <p:clrMapOvr>
-    <a:masterClrMapping/>
-  </p:clrMapOvr>
-  <p:timing>
-    <p:tnLst>
-      <p:par>
-        <p:cTn id="1" dur="indefinite" restart="never" nodeType="tmRoot"/>
-      </p:par>
-    </p:tnLst>
-  </p:timing>
-</p:sld>
-</file>
-
-<file path=ppt/slides/slide106.xml><?xml version="1.0" encoding="utf-8"?>
-<p:sld xmlns:a="http://schemas.openxmlformats.org/drawingml/2006/main" xmlns:r="http://schemas.openxmlformats.org/officeDocument/2006/relationships" xmlns:p="http://schemas.openxmlformats.org/presentationml/2006/main">
-  <p:cSld>
-    <p:spTree>
-      <p:nvGrpSpPr>
-        <p:cNvPr id="1" name=""/>
-        <p:cNvGrpSpPr/>
-        <p:nvPr/>
-      </p:nvGrpSpPr>
-      <p:grpSpPr>
-        <a:xfrm>
-          <a:off x="0" y="0"/>
-          <a:ext cx="0" cy="0"/>
-          <a:chOff x="0" y="0"/>
-          <a:chExt cx="0" cy="0"/>
-        </a:xfrm>
-      </p:grpSpPr>
-      <p:sp>
-        <p:nvSpPr>
-          <p:cNvPr id="52226" name="Rectangle 2"/>
-          <p:cNvSpPr>
-            <a:spLocks noGrp="1" noChangeArrowheads="1"/>
-          </p:cNvSpPr>
-          <p:nvPr>
-            <p:ph type="title"/>
-          </p:nvPr>
-        </p:nvSpPr>
-        <p:spPr/>
-        <p:txBody>
-          <a:bodyPr/>
-          <a:lstStyle/>
-          <a:p>
-            <a:pPr algn="l" eaLnBrk="1" hangingPunct="1"/>
-            <a:r>
-              <a:rPr lang="en-US" dirty="0" smtClean="0"/>
-              <a:t>What is this? </a:t>
-            </a:r>
-          </a:p>
-        </p:txBody>
-      </p:sp>
-      <p:sp>
-        <p:nvSpPr>
-          <p:cNvPr id="52227" name="Rectangle 3"/>
-          <p:cNvSpPr>
-            <a:spLocks noGrp="1" noChangeArrowheads="1"/>
-          </p:cNvSpPr>
-          <p:nvPr>
-            <p:ph type="body" idx="1"/>
-          </p:nvPr>
-        </p:nvSpPr>
-        <p:spPr>
-          <a:xfrm>
-            <a:off x="457200" y="1600200"/>
-            <a:ext cx="8001000" cy="4525963"/>
-          </a:xfrm>
-        </p:spPr>
-        <p:txBody>
-          <a:bodyPr/>
-          <a:lstStyle/>
-          <a:p>
-            <a:pPr eaLnBrk="1" hangingPunct="1">
-              <a:spcBef>
-                <a:spcPct val="50000"/>
-              </a:spcBef>
-            </a:pPr>
-            <a:r>
-              <a:rPr lang="en-US" sz="2400" dirty="0" smtClean="0"/>
-              <a:t>Cole et al, “Latin America in the rearview mirror”:  </a:t>
-            </a:r>
-          </a:p>
-          <a:p>
-            <a:pPr lvl="1" eaLnBrk="1" hangingPunct="1">
-              <a:spcBef>
-                <a:spcPct val="50000"/>
-              </a:spcBef>
-            </a:pPr>
-            <a:r>
-              <a:rPr lang="en-US" sz="2000" dirty="0" smtClean="0"/>
-              <a:t>In 1977, Brazil embarked on a zero-quota policy that meant that only PCs and minicomputers produced by Brazilian-owned firms could be sold in Brazil.  The policy insulated Brazilian computer producers from foreign competition and featured entry barriers to new Brazilian producers through a maze of bureaucratic requirements.  As a result, </a:t>
-            </a:r>
-            <a:r>
-              <a:rPr lang="en-US" sz="2000" b="1" dirty="0" smtClean="0"/>
-              <a:t>computer prices were 70-100 percent above international prices. </a:t>
-            </a:r>
-            <a:r>
-              <a:rPr lang="en-US" sz="2000" dirty="0" smtClean="0"/>
-              <a:t> </a:t>
-            </a:r>
-          </a:p>
-        </p:txBody>
-      </p:sp>
-      <p:sp>
-        <p:nvSpPr>
-          <p:cNvPr id="4" name="Slide Number Placeholder 3"/>
-          <p:cNvSpPr>
-            <a:spLocks noGrp="1"/>
-          </p:cNvSpPr>
-          <p:nvPr>
-            <p:ph type="sldNum" sz="quarter" idx="12"/>
-          </p:nvPr>
-        </p:nvSpPr>
-        <p:spPr/>
-        <p:txBody>
-          <a:bodyPr/>
-          <a:lstStyle/>
-          <a:p>
-            <a:pPr>
-              <a:defRPr/>
-            </a:pPr>
-            <a:fld id="{3806B3E2-D54F-4659-9127-650ECDAEBC50}" type="slidenum">
-              <a:rPr lang="en-US" smtClean="0"/>
-              <a:pPr>
-                <a:defRPr/>
-              </a:pPr>
-              <a:t>106</a:t>
-            </a:fld>
-            <a:endParaRPr lang="en-US"/>
           </a:p>
         </p:txBody>
       </p:sp>
@@ -11500,56 +11609,39 @@
         <p:spPr>
           <a:xfrm>
             <a:off x="457200" y="1600200"/>
-            <a:ext cx="7772400" cy="4525963"/>
+            <a:ext cx="8001000" cy="4525963"/>
           </a:xfrm>
         </p:spPr>
         <p:txBody>
           <a:bodyPr/>
           <a:lstStyle/>
           <a:p>
-            <a:pPr>
+            <a:pPr eaLnBrk="1" hangingPunct="1">
               <a:spcBef>
                 <a:spcPct val="50000"/>
               </a:spcBef>
             </a:pPr>
             <a:r>
               <a:rPr lang="en-US" sz="2400" dirty="0" smtClean="0"/>
-              <a:t>David </a:t>
-            </a:r>
-            <a:r>
-              <a:rPr lang="en-US" sz="2400" dirty="0" err="1" smtClean="0"/>
-              <a:t>Leonhardt</a:t>
-            </a:r>
-            <a:r>
-              <a:rPr lang="en-US" sz="2400" dirty="0" smtClean="0"/>
-              <a:t>, NY Times, Nov 8 09:  </a:t>
-            </a:r>
-          </a:p>
-          <a:p>
-            <a:pPr lvl="1">
+              <a:t>Cole et al, “Latin America in the rearview mirror”:  </a:t>
+            </a:r>
+          </a:p>
+          <a:p>
+            <a:pPr lvl="1" eaLnBrk="1" hangingPunct="1">
               <a:spcBef>
                 <a:spcPct val="50000"/>
               </a:spcBef>
             </a:pPr>
             <a:r>
               <a:rPr lang="en-US" sz="2000" dirty="0" smtClean="0"/>
-              <a:t>When Intermountain standardized lung care for premature babies, it not only cut the number who went on a ventilator by more than 75 percent; it also reduced costs by hundreds of thousands of dollars a year.  Perversely, Intermountain’s revenues were reduced by even more.  Thanks to the fee-for-service system, the hospital had been making money off substandard care.  </a:t>
+              <a:t>In 1977, Brazil embarked on a zero-quota policy that meant that only PCs and minicomputers produced by Brazilian-owned firms could be sold in Brazil.  The policy insulated Brazilian computer producers from foreign competition and featured entry barriers to new Brazilian producers through a maze of bureaucratic requirements.  As a result, </a:t>
             </a:r>
             <a:r>
               <a:rPr lang="en-US" sz="2000" b="1" dirty="0" smtClean="0"/>
-              <a:t>By improving care it lost money.</a:t>
-            </a:r>
-            <a:endParaRPr lang="en-US" sz="2000" dirty="0" smtClean="0"/>
-          </a:p>
-          <a:p>
-            <a:pPr eaLnBrk="1" hangingPunct="1">
-              <a:spcBef>
-                <a:spcPct val="50000"/>
-              </a:spcBef>
-              <a:buNone/>
-            </a:pPr>
-            <a:r>
-              <a:rPr lang="en-US" sz="2400" dirty="0" smtClean="0"/>
+              <a:t>computer prices were 70-100 percent above international prices. </a:t>
+            </a:r>
+            <a:r>
+              <a:rPr lang="en-US" sz="2000" dirty="0" smtClean="0"/>
               <a:t> </a:t>
             </a:r>
           </a:p>
@@ -11665,12 +11757,16 @@
               </a:spcBef>
             </a:pPr>
             <a:r>
+              <a:rPr lang="en-US" sz="2400" dirty="0" smtClean="0"/>
+              <a:t>David </a:t>
+            </a:r>
+            <a:r>
               <a:rPr lang="en-US" sz="2400" dirty="0" err="1" smtClean="0"/>
-              <a:t>Mireya</a:t>
+              <a:t>Leonhardt</a:t>
             </a:r>
             <a:r>
               <a:rPr lang="en-US" sz="2400" dirty="0" smtClean="0"/>
-              <a:t> Navarro, NY Times, Oct 20, 2013:  </a:t>
+              <a:t>, NY Times, Nov 8 09:  </a:t>
             </a:r>
           </a:p>
           <a:p>
@@ -11680,69 +11776,14 @@
               </a:spcBef>
             </a:pPr>
             <a:r>
-              <a:rPr lang="en-US" sz="2000" dirty="0"/>
-              <a:t>After her husband died, Mary Veronica Santiago fell behind on her </a:t>
-            </a:r>
-            <a:r>
               <a:rPr lang="en-US" sz="2000" dirty="0" smtClean="0"/>
-              <a:t>bills and decide to file for bankruptcy.  Mrs</a:t>
-            </a:r>
-            <a:r>
-              <a:rPr lang="en-US" sz="2000" dirty="0"/>
-              <a:t>. Santiago has lived for 50 years in a two-bedroom </a:t>
-            </a:r>
-            <a:r>
-              <a:rPr lang="en-US" sz="2000" dirty="0" smtClean="0"/>
-              <a:t>rent-controlled apartment </a:t>
-            </a:r>
-            <a:r>
-              <a:rPr lang="en-US" sz="2000" dirty="0"/>
-              <a:t>near Tompkins Square Park, in a neighborhood where unregulated apartments rent for thousands more a month than Mrs. Santiago’s rent of $703. </a:t>
-            </a:r>
-            <a:r>
-              <a:rPr lang="en-US" sz="2000" dirty="0" smtClean="0"/>
-              <a:t> </a:t>
-            </a:r>
-            <a:r>
-              <a:rPr lang="en-US" sz="2000" dirty="0"/>
-              <a:t>A</a:t>
-            </a:r>
-            <a:r>
-              <a:rPr lang="en-US" sz="2000" dirty="0" smtClean="0"/>
-              <a:t>s </a:t>
-            </a:r>
-            <a:r>
-              <a:rPr lang="en-US" sz="2000" dirty="0"/>
-              <a:t>her case was nearing conclusion, her landlord </a:t>
-            </a:r>
-            <a:r>
-              <a:rPr lang="en-US" sz="2000" dirty="0" smtClean="0"/>
-              <a:t>offered </a:t>
-            </a:r>
-            <a:r>
-              <a:rPr lang="en-US" sz="2000" dirty="0"/>
-              <a:t>to buy her rent-stabilized lease and </a:t>
-            </a:r>
-            <a:r>
-              <a:rPr lang="en-US" sz="2000" dirty="0" smtClean="0"/>
-              <a:t>pay </a:t>
-            </a:r>
-            <a:r>
-              <a:rPr lang="en-US" sz="2000" dirty="0"/>
-              <a:t>off her debt. </a:t>
-            </a:r>
-            <a:r>
-              <a:rPr lang="en-US" sz="2000" dirty="0" smtClean="0"/>
-              <a:t> </a:t>
-            </a:r>
-          </a:p>
-          <a:p>
-            <a:pPr>
-              <a:spcBef>
-                <a:spcPct val="50000"/>
-              </a:spcBef>
-            </a:pPr>
-            <a:endParaRPr lang="en-US" sz="2400" dirty="0" smtClean="0"/>
+              <a:t>When Intermountain standardized lung care for premature babies, it not only cut the number who went on a ventilator by more than 75 percent; it also reduced costs by hundreds of thousands of dollars a year.  Perversely, Intermountain’s revenues were reduced by even more.  Thanks to the fee-for-service system, the hospital had been making money off substandard care.  </a:t>
+            </a:r>
+            <a:r>
+              <a:rPr lang="en-US" sz="2000" b="1" dirty="0" smtClean="0"/>
+              <a:t>By improving care it lost money.</a:t>
+            </a:r>
+            <a:endParaRPr lang="en-US" sz="2000" dirty="0" smtClean="0"/>
           </a:p>
           <a:p>
             <a:pPr eaLnBrk="1" hangingPunct="1">
@@ -11788,11 +11829,6 @@
         </p:txBody>
       </p:sp>
     </p:spTree>
-    <p:extLst>
-      <p:ext uri="{BB962C8B-B14F-4D97-AF65-F5344CB8AC3E}">
-        <p14:creationId xmlns:p14="http://schemas.microsoft.com/office/powerpoint/2010/main" val="2107821033"/>
-      </p:ext>
-    </p:extLst>
   </p:cSld>
   <p:clrMapOvr>
     <a:masterClrMapping/>
@@ -11860,40 +11896,108 @@
         <p:spPr>
           <a:xfrm>
             <a:off x="457200" y="1600200"/>
-            <a:ext cx="8001000" cy="4525963"/>
+            <a:ext cx="7772400" cy="4525963"/>
           </a:xfrm>
         </p:spPr>
         <p:txBody>
           <a:bodyPr/>
           <a:lstStyle/>
           <a:p>
+            <a:pPr>
+              <a:spcBef>
+                <a:spcPct val="50000"/>
+              </a:spcBef>
+            </a:pPr>
+            <a:r>
+              <a:rPr lang="en-US" sz="2400" dirty="0" err="1" smtClean="0"/>
+              <a:t>Mireya</a:t>
+            </a:r>
+            <a:r>
+              <a:rPr lang="en-US" sz="2400" dirty="0" smtClean="0"/>
+              <a:t> Navarro, NY Times, Oct 20, 2013:  </a:t>
+            </a:r>
+          </a:p>
+          <a:p>
+            <a:pPr lvl="1">
+              <a:spcBef>
+                <a:spcPct val="50000"/>
+              </a:spcBef>
+            </a:pPr>
+            <a:r>
+              <a:rPr lang="en-US" sz="2000" dirty="0"/>
+              <a:t>After her husband died, Mary Veronica Santiago fell behind on her </a:t>
+            </a:r>
+            <a:r>
+              <a:rPr lang="en-US" sz="2000" dirty="0" smtClean="0"/>
+              <a:t>bills and decide to file for bankruptcy.  Mrs</a:t>
+            </a:r>
+            <a:r>
+              <a:rPr lang="en-US" sz="2000" dirty="0"/>
+              <a:t>. Santiago has lived for 50 years in a two-bedroom </a:t>
+            </a:r>
+            <a:r>
+              <a:rPr lang="en-US" sz="2000" dirty="0" smtClean="0"/>
+              <a:t>rent-controlled apartment </a:t>
+            </a:r>
+            <a:r>
+              <a:rPr lang="en-US" sz="2000" dirty="0"/>
+              <a:t>near Tompkins Square Park, in a neighborhood where unregulated apartments rent for thousands more a month than Mrs. Santiago’s rent of $703. </a:t>
+            </a:r>
+            <a:r>
+              <a:rPr lang="en-US" sz="2000" dirty="0" smtClean="0"/>
+              <a:t> </a:t>
+            </a:r>
+            <a:r>
+              <a:rPr lang="en-US" sz="2000" dirty="0"/>
+              <a:t>A</a:t>
+            </a:r>
+            <a:r>
+              <a:rPr lang="en-US" sz="2000" dirty="0" smtClean="0"/>
+              <a:t>s </a:t>
+            </a:r>
+            <a:r>
+              <a:rPr lang="en-US" sz="2000" dirty="0"/>
+              <a:t>her case was nearing conclusion, her landlord </a:t>
+            </a:r>
+            <a:r>
+              <a:rPr lang="en-US" sz="2000" dirty="0" smtClean="0"/>
+              <a:t>offered </a:t>
+            </a:r>
+            <a:r>
+              <a:rPr lang="en-US" sz="2000" dirty="0"/>
+              <a:t>to buy her rent-stabilized lease and </a:t>
+            </a:r>
+            <a:r>
+              <a:rPr lang="en-US" sz="2000" dirty="0" smtClean="0"/>
+              <a:t>pay </a:t>
+            </a:r>
+            <a:r>
+              <a:rPr lang="en-US" sz="2000" dirty="0"/>
+              <a:t>off her debt. </a:t>
+            </a:r>
+            <a:r>
+              <a:rPr lang="en-US" sz="2000" dirty="0" smtClean="0"/>
+              <a:t> </a:t>
+            </a:r>
+          </a:p>
+          <a:p>
+            <a:pPr>
+              <a:spcBef>
+                <a:spcPct val="50000"/>
+              </a:spcBef>
+            </a:pPr>
+            <a:endParaRPr lang="en-US" sz="2400" dirty="0" smtClean="0"/>
+          </a:p>
+          <a:p>
             <a:pPr eaLnBrk="1" hangingPunct="1">
               <a:spcBef>
                 <a:spcPct val="50000"/>
               </a:spcBef>
+              <a:buNone/>
             </a:pPr>
             <a:r>
               <a:rPr lang="en-US" sz="2400" dirty="0" smtClean="0"/>
-              <a:t>“Africa’s Singapore?” </a:t>
-            </a:r>
-            <a:r>
-              <a:rPr lang="en-US" sz="2400" i="1" dirty="0" smtClean="0"/>
-              <a:t>The Economist</a:t>
-            </a:r>
-            <a:r>
-              <a:rPr lang="en-US" sz="2400" dirty="0" smtClean="0"/>
-              <a:t>, Feb 25 2012:</a:t>
-            </a:r>
-          </a:p>
-          <a:p>
-            <a:pPr lvl="1" eaLnBrk="1" hangingPunct="1">
-              <a:spcBef>
-                <a:spcPct val="50000"/>
-              </a:spcBef>
-            </a:pPr>
-            <a:r>
-              <a:rPr lang="en-US" sz="2000" dirty="0" smtClean="0"/>
-              <a:t>Rwanda is best known for the genocide of 1994.  It has been peaceful since then, but lacks nearly all of Singapore’s advantages.  Yet Rwanda has one huge advantage:  the rule of law.  No African country has done more to curb corruption.  Transparency International reckons Rwanda is less graft-ridden than Greece or Italy.  The country is blessedly free of red tape, too.  Property rights are strengthening, as well—the government is giving peasants formal title to their land.   </a:t>
+              <a:t> </a:t>
             </a:r>
           </a:p>
         </p:txBody>
@@ -11928,6 +12032,11 @@
         </p:txBody>
       </p:sp>
     </p:spTree>
+    <p:extLst>
+      <p:ext uri="{BB962C8B-B14F-4D97-AF65-F5344CB8AC3E}">
+        <p14:creationId xmlns:p14="http://schemas.microsoft.com/office/powerpoint/2010/main" val="2107821033"/>
+      </p:ext>
+    </p:extLst>
   </p:cSld>
   <p:clrMapOvr>
     <a:masterClrMapping/>
@@ -12650,49 +12759,41 @@
         </p:nvSpPr>
         <p:spPr>
           <a:xfrm>
-            <a:off x="457200" y="1600201"/>
-            <a:ext cx="7772400" cy="2819400"/>
+            <a:off x="457200" y="1600200"/>
+            <a:ext cx="8001000" cy="4525963"/>
           </a:xfrm>
         </p:spPr>
         <p:txBody>
           <a:bodyPr/>
           <a:lstStyle/>
           <a:p>
-            <a:pPr>
+            <a:pPr eaLnBrk="1" hangingPunct="1">
               <a:spcBef>
                 <a:spcPct val="50000"/>
               </a:spcBef>
             </a:pPr>
             <a:r>
               <a:rPr lang="en-US" sz="2400" dirty="0" smtClean="0"/>
-              <a:t>Joe </a:t>
-            </a:r>
-            <a:r>
-              <a:rPr lang="en-US" sz="2400" dirty="0" err="1" smtClean="0"/>
-              <a:t>Nocera</a:t>
+              <a:t>“Africa’s Singapore?” </a:t>
+            </a:r>
+            <a:r>
+              <a:rPr lang="en-US" sz="2400" i="1" dirty="0" smtClean="0"/>
+              <a:t>The Economist</a:t>
             </a:r>
             <a:r>
               <a:rPr lang="en-US" sz="2400" dirty="0" smtClean="0"/>
-              <a:t>, NY Times, Aug 22 11:  </a:t>
-            </a:r>
-          </a:p>
-          <a:p>
-            <a:pPr lvl="1">
+              <a:t>, Feb 25 2012:</a:t>
+            </a:r>
+          </a:p>
+          <a:p>
+            <a:pPr lvl="1" eaLnBrk="1" hangingPunct="1">
               <a:spcBef>
                 <a:spcPct val="50000"/>
               </a:spcBef>
             </a:pPr>
             <a:r>
               <a:rPr lang="en-US" sz="2000" dirty="0" smtClean="0"/>
-              <a:t>In April, the National Labor Relations Board filed a complaint against Boeing, accusing it of opening its new non-union South Carolina plant to retaliate against the union, which has a history of striking at contract time.  The NLRB’s proposed solution is to move all its </a:t>
-            </a:r>
-            <a:r>
-              <a:rPr lang="en-US" sz="2000" dirty="0" err="1" smtClean="0"/>
-              <a:t>Dreamliner</a:t>
-            </a:r>
-            <a:r>
-              <a:rPr lang="en-US" sz="2000" dirty="0" smtClean="0"/>
-              <a:t> production back to Puget Sound.  </a:t>
+              <a:t>Rwanda is best known for the genocide of 1994.  It has been peaceful since then, but lacks nearly all of Singapore’s advantages.  Yet Rwanda has one huge advantage:  the rule of law.  No African country has done more to curb corruption.  Transparency International reckons Rwanda is less graft-ridden than Greece or Italy.  The country is blessedly free of red tape, too.  Property rights are strengthening, as well—the government is giving peasants formal title to their land.   </a:t>
             </a:r>
           </a:p>
         </p:txBody>
@@ -12793,33 +12894,49 @@
         </p:nvSpPr>
         <p:spPr>
           <a:xfrm>
-            <a:off x="457200" y="1646694"/>
-            <a:ext cx="7772400" cy="4525963"/>
+            <a:off x="457200" y="1600201"/>
+            <a:ext cx="7772400" cy="2819400"/>
           </a:xfrm>
         </p:spPr>
         <p:txBody>
           <a:bodyPr/>
           <a:lstStyle/>
           <a:p>
-            <a:pPr eaLnBrk="1" hangingPunct="1">
+            <a:pPr>
               <a:spcBef>
                 <a:spcPct val="50000"/>
               </a:spcBef>
             </a:pPr>
             <a:r>
               <a:rPr lang="en-US" sz="2400" dirty="0" smtClean="0"/>
-              <a:t>The Economist, Nov 9 2012:</a:t>
-            </a:r>
-          </a:p>
-          <a:p>
-            <a:pPr lvl="1" eaLnBrk="1" hangingPunct="1">
+              <a:t>Joe </a:t>
+            </a:r>
+            <a:r>
+              <a:rPr lang="en-US" sz="2400" dirty="0" err="1" smtClean="0"/>
+              <a:t>Nocera</a:t>
+            </a:r>
+            <a:r>
+              <a:rPr lang="en-US" sz="2400" dirty="0" smtClean="0"/>
+              <a:t>, NY Times, Aug 22 11:  </a:t>
+            </a:r>
+          </a:p>
+          <a:p>
+            <a:pPr lvl="1">
               <a:spcBef>
                 <a:spcPct val="50000"/>
               </a:spcBef>
             </a:pPr>
             <a:r>
               <a:rPr lang="en-US" sz="2000" dirty="0" smtClean="0"/>
-              <a:t>Michael Woodford was sacked as president of Japan’s Olympus after he revealed a $1.7b accounting cover-up.  The company’s board lied about the mystery.  When the truth came out, the board kept their jobs and the boss lost his.  Over the summer, a government advisory committee quietly squelched proposed reforms to corporate governance.   </a:t>
+              <a:t>In April, the National Labor Relations Board filed a complaint against Boeing, accusing it of opening its new non-union South Carolina plant to retaliate against the union, which has a history of striking at contract time.  The NLRB’s proposed solution is to move all its </a:t>
+            </a:r>
+            <a:r>
+              <a:rPr lang="en-US" sz="2000" dirty="0" err="1" smtClean="0"/>
+              <a:t>Dreamliner</a:t>
+            </a:r>
+            <a:r>
+              <a:rPr lang="en-US" sz="2000" dirty="0" smtClean="0"/>
+              <a:t> production back to Puget Sound.  </a:t>
             </a:r>
           </a:p>
         </p:txBody>
@@ -12854,11 +12971,6 @@
         </p:txBody>
       </p:sp>
     </p:spTree>
-    <p:extLst>
-      <p:ext uri="{BB962C8B-B14F-4D97-AF65-F5344CB8AC3E}">
-        <p14:creationId xmlns:p14="http://schemas.microsoft.com/office/powerpoint/2010/main" val="2165326882"/>
-      </p:ext>
-    </p:extLst>
   </p:cSld>
   <p:clrMapOvr>
     <a:masterClrMapping/>
@@ -12892,7 +13004,7 @@
       </p:grpSpPr>
       <p:sp>
         <p:nvSpPr>
-          <p:cNvPr id="64514" name="Rectangle 2"/>
+          <p:cNvPr id="52226" name="Rectangle 2"/>
           <p:cNvSpPr>
             <a:spLocks noGrp="1" noChangeArrowheads="1"/>
           </p:cNvSpPr>
@@ -12908,14 +13020,14 @@
             <a:pPr algn="l" eaLnBrk="1" hangingPunct="1"/>
             <a:r>
               <a:rPr lang="en-US" dirty="0" smtClean="0"/>
-              <a:t>What’s this?</a:t>
+              <a:t>What is this? </a:t>
             </a:r>
           </a:p>
         </p:txBody>
       </p:sp>
       <p:sp>
         <p:nvSpPr>
-          <p:cNvPr id="64515" name="Rectangle 3"/>
+          <p:cNvPr id="52227" name="Rectangle 3"/>
           <p:cNvSpPr>
             <a:spLocks noGrp="1" noChangeArrowheads="1"/>
           </p:cNvSpPr>
@@ -12925,8 +13037,8 @@
         </p:nvSpPr>
         <p:spPr>
           <a:xfrm>
-            <a:off x="457200" y="1653525"/>
-            <a:ext cx="8229600" cy="4114512"/>
+            <a:off x="457200" y="1646694"/>
+            <a:ext cx="7772400" cy="4525963"/>
           </a:xfrm>
         </p:spPr>
         <p:txBody>
@@ -12935,101 +13047,24 @@
           <a:p>
             <a:pPr eaLnBrk="1" hangingPunct="1">
               <a:spcBef>
-                <a:spcPts val="1200"/>
+                <a:spcPct val="50000"/>
               </a:spcBef>
             </a:pPr>
             <a:r>
               <a:rPr lang="en-US" sz="2400" dirty="0" smtClean="0"/>
-              <a:t>“Fiscal footnote,” NYT, Jan 19, 2013:   </a:t>
-            </a:r>
-          </a:p>
-          <a:p>
-            <a:pPr lvl="1">
+              <a:t>The Economist, Nov 9 2012:</a:t>
+            </a:r>
+          </a:p>
+          <a:p>
+            <a:pPr lvl="1" eaLnBrk="1" hangingPunct="1">
               <a:spcBef>
-                <a:spcPts val="1200"/>
+                <a:spcPct val="50000"/>
               </a:spcBef>
             </a:pPr>
             <a:r>
               <a:rPr lang="en-US" sz="2000" dirty="0" smtClean="0"/>
-              <a:t>Amgen </a:t>
-            </a:r>
-            <a:r>
-              <a:rPr lang="en-US" sz="2000" dirty="0"/>
-              <a:t>scored a largely unnoticed </a:t>
-            </a:r>
-            <a:r>
-              <a:rPr lang="en-US" sz="2000" dirty="0" smtClean="0"/>
-              <a:t>coup: </a:t>
-            </a:r>
-            <a:r>
-              <a:rPr lang="en-US" sz="2000" dirty="0"/>
-              <a:t>Lawmakers inserted a paragraph into the “fiscal cliff” bill that </a:t>
-            </a:r>
-            <a:r>
-              <a:rPr lang="en-US" sz="2000" dirty="0" smtClean="0"/>
-              <a:t>strongly </a:t>
-            </a:r>
-            <a:r>
-              <a:rPr lang="en-US" sz="2000" dirty="0"/>
-              <a:t>favored one of its </a:t>
-            </a:r>
-            <a:r>
-              <a:rPr lang="en-US" sz="2000" dirty="0" smtClean="0"/>
-              <a:t>drugs.  The </a:t>
-            </a:r>
-            <a:r>
-              <a:rPr lang="en-US" sz="2000" dirty="0"/>
-              <a:t>language </a:t>
-            </a:r>
-            <a:r>
-              <a:rPr lang="en-US" sz="2000" dirty="0" smtClean="0"/>
-              <a:t>delays </a:t>
-            </a:r>
-            <a:r>
-              <a:rPr lang="en-US" sz="2000" dirty="0"/>
-              <a:t>a set of Medicare price restraints on a class of drugs that includes </a:t>
-            </a:r>
-            <a:r>
-              <a:rPr lang="en-US" sz="2000" dirty="0" smtClean="0"/>
-              <a:t>[Amgen drug] </a:t>
-            </a:r>
-            <a:r>
-              <a:rPr lang="en-US" sz="2000" dirty="0" err="1" smtClean="0"/>
-              <a:t>Sensipar</a:t>
-            </a:r>
-            <a:r>
-              <a:rPr lang="en-US" sz="2000" dirty="0" smtClean="0"/>
-              <a:t>.  It </a:t>
-            </a:r>
-            <a:r>
-              <a:rPr lang="en-US" sz="2000" dirty="0"/>
-              <a:t>is projected to cost Medicare up to $500 </a:t>
-            </a:r>
-            <a:r>
-              <a:rPr lang="en-US" sz="2000" dirty="0" smtClean="0"/>
-              <a:t>million.</a:t>
-            </a:r>
-            <a:endParaRPr lang="en-US" sz="2000" dirty="0"/>
-          </a:p>
-          <a:p>
-            <a:pPr lvl="1">
-              <a:spcBef>
-                <a:spcPts val="1200"/>
-              </a:spcBef>
-            </a:pPr>
-            <a:r>
-              <a:rPr lang="en-US" sz="2000" dirty="0" smtClean="0"/>
-              <a:t>Amgen </a:t>
-            </a:r>
-            <a:r>
-              <a:rPr lang="en-US" sz="2000" dirty="0"/>
-              <a:t>has a small army of 74 lobbyists in the </a:t>
-            </a:r>
-            <a:r>
-              <a:rPr lang="en-US" sz="2000" dirty="0" smtClean="0"/>
-              <a:t>capital.  </a:t>
-            </a:r>
-            <a:endParaRPr lang="en-US" sz="1600" dirty="0" smtClean="0"/>
+              <a:t>Michael Woodford was sacked as president of Japan’s Olympus after he revealed a $1.7b accounting cover-up.  The company’s board lied about the mystery.  When the truth came out, the board kept their jobs and the boss lost his.  Over the summer, a government advisory committee quietly squelched proposed reforms to corporate governance.   </a:t>
+            </a:r>
           </a:p>
         </p:txBody>
       </p:sp>
@@ -13065,7 +13100,7 @@
     </p:spTree>
     <p:extLst>
       <p:ext uri="{BB962C8B-B14F-4D97-AF65-F5344CB8AC3E}">
-        <p14:creationId xmlns:p14="http://schemas.microsoft.com/office/powerpoint/2010/main" val="1979386775"/>
+        <p14:creationId xmlns:p14="http://schemas.microsoft.com/office/powerpoint/2010/main" val="2165326882"/>
       </p:ext>
     </p:extLst>
   </p:cSld>
@@ -13101,7 +13136,7 @@
       </p:grpSpPr>
       <p:sp>
         <p:nvSpPr>
-          <p:cNvPr id="52226" name="Rectangle 2"/>
+          <p:cNvPr id="64514" name="Rectangle 2"/>
           <p:cNvSpPr>
             <a:spLocks noGrp="1" noChangeArrowheads="1"/>
           </p:cNvSpPr>
@@ -13117,14 +13152,14 @@
             <a:pPr algn="l" eaLnBrk="1" hangingPunct="1"/>
             <a:r>
               <a:rPr lang="en-US" dirty="0" smtClean="0"/>
-              <a:t>What is this? </a:t>
+              <a:t>What’s this?</a:t>
             </a:r>
           </a:p>
         </p:txBody>
       </p:sp>
       <p:sp>
         <p:nvSpPr>
-          <p:cNvPr id="52227" name="Rectangle 3"/>
+          <p:cNvPr id="64515" name="Rectangle 3"/>
           <p:cNvSpPr>
             <a:spLocks noGrp="1" noChangeArrowheads="1"/>
           </p:cNvSpPr>
@@ -13134,34 +13169,111 @@
         </p:nvSpPr>
         <p:spPr>
           <a:xfrm>
-            <a:off x="457200" y="1600200"/>
-            <a:ext cx="7772400" cy="4525963"/>
+            <a:off x="457200" y="1653525"/>
+            <a:ext cx="8229600" cy="4114512"/>
           </a:xfrm>
         </p:spPr>
         <p:txBody>
           <a:bodyPr/>
           <a:lstStyle/>
           <a:p>
-            <a:pPr>
+            <a:pPr eaLnBrk="1" hangingPunct="1">
               <a:spcBef>
-                <a:spcPct val="50000"/>
+                <a:spcPts val="1200"/>
               </a:spcBef>
             </a:pPr>
             <a:r>
               <a:rPr lang="en-US" sz="2400" dirty="0" smtClean="0"/>
-              <a:t>What examples come to mind?</a:t>
-            </a:r>
-          </a:p>
-          <a:p>
-            <a:pPr>
+              <a:t>“Fiscal footnote,” NYT, Jan 19, 2013:   </a:t>
+            </a:r>
+          </a:p>
+          <a:p>
+            <a:pPr lvl="1">
               <a:spcBef>
-                <a:spcPct val="50000"/>
+                <a:spcPts val="1200"/>
               </a:spcBef>
             </a:pPr>
             <a:r>
-              <a:rPr lang="en-US" sz="2400" dirty="0" smtClean="0"/>
-              <a:t>Any specifically relevant to your business?    </a:t>
-            </a:r>
+              <a:rPr lang="en-US" sz="2000" dirty="0" smtClean="0"/>
+              <a:t>Amgen </a:t>
+            </a:r>
+            <a:r>
+              <a:rPr lang="en-US" sz="2000" dirty="0"/>
+              <a:t>scored a largely unnoticed </a:t>
+            </a:r>
+            <a:r>
+              <a:rPr lang="en-US" sz="2000" dirty="0" smtClean="0"/>
+              <a:t>coup: </a:t>
+            </a:r>
+            <a:r>
+              <a:rPr lang="en-US" sz="2000" dirty="0"/>
+              <a:t>Lawmakers inserted a paragraph into the “fiscal cliff” bill that </a:t>
+            </a:r>
+            <a:r>
+              <a:rPr lang="en-US" sz="2000" dirty="0" smtClean="0"/>
+              <a:t>strongly </a:t>
+            </a:r>
+            <a:r>
+              <a:rPr lang="en-US" sz="2000" dirty="0"/>
+              <a:t>favored one of its </a:t>
+            </a:r>
+            <a:r>
+              <a:rPr lang="en-US" sz="2000" dirty="0" smtClean="0"/>
+              <a:t>drugs.  The </a:t>
+            </a:r>
+            <a:r>
+              <a:rPr lang="en-US" sz="2000" dirty="0"/>
+              <a:t>language </a:t>
+            </a:r>
+            <a:r>
+              <a:rPr lang="en-US" sz="2000" dirty="0" smtClean="0"/>
+              <a:t>delays </a:t>
+            </a:r>
+            <a:r>
+              <a:rPr lang="en-US" sz="2000" dirty="0"/>
+              <a:t>a set of Medicare price restraints on a class of drugs that includes </a:t>
+            </a:r>
+            <a:r>
+              <a:rPr lang="en-US" sz="2000" dirty="0" smtClean="0"/>
+              <a:t>[Amgen drug] </a:t>
+            </a:r>
+            <a:r>
+              <a:rPr lang="en-US" sz="2000" dirty="0" err="1" smtClean="0"/>
+              <a:t>Sensipar</a:t>
+            </a:r>
+            <a:r>
+              <a:rPr lang="en-US" sz="2000" dirty="0" smtClean="0"/>
+              <a:t>.  It </a:t>
+            </a:r>
+            <a:r>
+              <a:rPr lang="en-US" sz="2000" dirty="0"/>
+              <a:t>is projected to cost Medicare up to $500 </a:t>
+            </a:r>
+            <a:r>
+              <a:rPr lang="en-US" sz="2000" dirty="0" smtClean="0"/>
+              <a:t>million.</a:t>
+            </a:r>
+            <a:endParaRPr lang="en-US" sz="2000" dirty="0"/>
+          </a:p>
+          <a:p>
+            <a:pPr lvl="1">
+              <a:spcBef>
+                <a:spcPts val="1200"/>
+              </a:spcBef>
+            </a:pPr>
+            <a:r>
+              <a:rPr lang="en-US" sz="2000" dirty="0" smtClean="0"/>
+              <a:t>Amgen </a:t>
+            </a:r>
+            <a:r>
+              <a:rPr lang="en-US" sz="2000" dirty="0"/>
+              <a:t>has a small army of 74 lobbyists in the </a:t>
+            </a:r>
+            <a:r>
+              <a:rPr lang="en-US" sz="2000" dirty="0" smtClean="0"/>
+              <a:t>capital.  </a:t>
+            </a:r>
+            <a:endParaRPr lang="en-US" sz="1600" dirty="0" smtClean="0"/>
           </a:p>
         </p:txBody>
       </p:sp>
@@ -13195,6 +13307,11 @@
         </p:txBody>
       </p:sp>
     </p:spTree>
+    <p:extLst>
+      <p:ext uri="{BB962C8B-B14F-4D97-AF65-F5344CB8AC3E}">
+        <p14:creationId xmlns:p14="http://schemas.microsoft.com/office/powerpoint/2010/main" val="1979386775"/>
+      </p:ext>
+    </p:extLst>
   </p:cSld>
   <p:clrMapOvr>
     <a:masterClrMapping/>
@@ -13244,6 +13361,133 @@
             <a:pPr algn="l" eaLnBrk="1" hangingPunct="1"/>
             <a:r>
               <a:rPr lang="en-US" dirty="0" smtClean="0"/>
+              <a:t>What is this? </a:t>
+            </a:r>
+          </a:p>
+        </p:txBody>
+      </p:sp>
+      <p:sp>
+        <p:nvSpPr>
+          <p:cNvPr id="52227" name="Rectangle 3"/>
+          <p:cNvSpPr>
+            <a:spLocks noGrp="1" noChangeArrowheads="1"/>
+          </p:cNvSpPr>
+          <p:nvPr>
+            <p:ph type="body" idx="1"/>
+          </p:nvPr>
+        </p:nvSpPr>
+        <p:spPr>
+          <a:xfrm>
+            <a:off x="457200" y="1600200"/>
+            <a:ext cx="7772400" cy="4525963"/>
+          </a:xfrm>
+        </p:spPr>
+        <p:txBody>
+          <a:bodyPr/>
+          <a:lstStyle/>
+          <a:p>
+            <a:pPr>
+              <a:spcBef>
+                <a:spcPct val="50000"/>
+              </a:spcBef>
+            </a:pPr>
+            <a:r>
+              <a:rPr lang="en-US" sz="2400" dirty="0" smtClean="0"/>
+              <a:t>What examples come to mind?</a:t>
+            </a:r>
+          </a:p>
+          <a:p>
+            <a:pPr>
+              <a:spcBef>
+                <a:spcPct val="50000"/>
+              </a:spcBef>
+            </a:pPr>
+            <a:r>
+              <a:rPr lang="en-US" sz="2400" dirty="0" smtClean="0"/>
+              <a:t>Any specifically relevant to your business?    </a:t>
+            </a:r>
+          </a:p>
+        </p:txBody>
+      </p:sp>
+      <p:sp>
+        <p:nvSpPr>
+          <p:cNvPr id="4" name="Slide Number Placeholder 3"/>
+          <p:cNvSpPr>
+            <a:spLocks noGrp="1"/>
+          </p:cNvSpPr>
+          <p:nvPr>
+            <p:ph type="sldNum" sz="quarter" idx="12"/>
+          </p:nvPr>
+        </p:nvSpPr>
+        <p:spPr/>
+        <p:txBody>
+          <a:bodyPr/>
+          <a:lstStyle/>
+          <a:p>
+            <a:pPr>
+              <a:defRPr/>
+            </a:pPr>
+            <a:fld id="{3806B3E2-D54F-4659-9127-650ECDAEBC50}" type="slidenum">
+              <a:rPr lang="en-US" smtClean="0"/>
+              <a:pPr>
+                <a:defRPr/>
+              </a:pPr>
+              <a:t>114</a:t>
+            </a:fld>
+            <a:endParaRPr lang="en-US"/>
+          </a:p>
+        </p:txBody>
+      </p:sp>
+    </p:spTree>
+  </p:cSld>
+  <p:clrMapOvr>
+    <a:masterClrMapping/>
+  </p:clrMapOvr>
+  <p:timing>
+    <p:tnLst>
+      <p:par>
+        <p:cTn id="1" dur="indefinite" restart="never" nodeType="tmRoot"/>
+      </p:par>
+    </p:tnLst>
+  </p:timing>
+</p:sld>
+</file>
+
+<file path=ppt/slides/slide115.xml><?xml version="1.0" encoding="utf-8"?>
+<p:sld xmlns:a="http://schemas.openxmlformats.org/drawingml/2006/main" xmlns:r="http://schemas.openxmlformats.org/officeDocument/2006/relationships" xmlns:p="http://schemas.openxmlformats.org/presentationml/2006/main">
+  <p:cSld>
+    <p:spTree>
+      <p:nvGrpSpPr>
+        <p:cNvPr id="1" name=""/>
+        <p:cNvGrpSpPr/>
+        <p:nvPr/>
+      </p:nvGrpSpPr>
+      <p:grpSpPr>
+        <a:xfrm>
+          <a:off x="0" y="0"/>
+          <a:ext cx="0" cy="0"/>
+          <a:chOff x="0" y="0"/>
+          <a:chExt cx="0" cy="0"/>
+        </a:xfrm>
+      </p:grpSpPr>
+      <p:sp>
+        <p:nvSpPr>
+          <p:cNvPr id="52226" name="Rectangle 2"/>
+          <p:cNvSpPr>
+            <a:spLocks noGrp="1" noChangeArrowheads="1"/>
+          </p:cNvSpPr>
+          <p:nvPr>
+            <p:ph type="title"/>
+          </p:nvPr>
+        </p:nvSpPr>
+        <p:spPr/>
+        <p:txBody>
+          <a:bodyPr/>
+          <a:lstStyle/>
+          <a:p>
+            <a:pPr algn="l" eaLnBrk="1" hangingPunct="1"/>
+            <a:r>
+              <a:rPr lang="en-US" dirty="0" smtClean="0"/>
               <a:t>Summing up	</a:t>
             </a:r>
           </a:p>
@@ -13376,7 +13620,7 @@
               <a:pPr>
                 <a:defRPr/>
               </a:pPr>
-              <a:t>114</a:t>
+              <a:t>115</a:t>
             </a:fld>
             <a:endParaRPr lang="en-US"/>
           </a:p>
@@ -13397,7 +13641,7 @@
 </p:sld>
 </file>
 
-<file path=ppt/slides/slide115.xml><?xml version="1.0" encoding="utf-8"?>
+<file path=ppt/slides/slide116.xml><?xml version="1.0" encoding="utf-8"?>
 <p:sld xmlns:a="http://schemas.openxmlformats.org/drawingml/2006/main" xmlns:r="http://schemas.openxmlformats.org/officeDocument/2006/relationships" xmlns:p="http://schemas.openxmlformats.org/presentationml/2006/main">
   <p:cSld>
     <p:spTree>
@@ -14011,224 +14255,6 @@
               <a:pPr>
                 <a:defRPr/>
               </a:pPr>
-              <a:t>115</a:t>
-            </a:fld>
-            <a:endParaRPr lang="en-US"/>
-          </a:p>
-        </p:txBody>
-      </p:sp>
-    </p:spTree>
-  </p:cSld>
-  <p:clrMapOvr>
-    <a:masterClrMapping/>
-  </p:clrMapOvr>
-  <p:timing>
-    <p:tnLst>
-      <p:par>
-        <p:cTn id="1" dur="indefinite" restart="never" nodeType="tmRoot"/>
-      </p:par>
-    </p:tnLst>
-  </p:timing>
-</p:sld>
-</file>
-
-<file path=ppt/slides/slide116.xml><?xml version="1.0" encoding="utf-8"?>
-<p:sld xmlns:a="http://schemas.openxmlformats.org/drawingml/2006/main" xmlns:r="http://schemas.openxmlformats.org/officeDocument/2006/relationships" xmlns:p="http://schemas.openxmlformats.org/presentationml/2006/main">
-  <p:cSld>
-    <p:spTree>
-      <p:nvGrpSpPr>
-        <p:cNvPr id="1" name=""/>
-        <p:cNvGrpSpPr/>
-        <p:nvPr/>
-      </p:nvGrpSpPr>
-      <p:grpSpPr>
-        <a:xfrm>
-          <a:off x="0" y="0"/>
-          <a:ext cx="0" cy="0"/>
-          <a:chOff x="0" y="0"/>
-          <a:chExt cx="0" cy="0"/>
-        </a:xfrm>
-      </p:grpSpPr>
-      <p:sp>
-        <p:nvSpPr>
-          <p:cNvPr id="52226" name="Rectangle 2"/>
-          <p:cNvSpPr>
-            <a:spLocks noGrp="1" noChangeArrowheads="1"/>
-          </p:cNvSpPr>
-          <p:nvPr>
-            <p:ph type="title"/>
-          </p:nvPr>
-        </p:nvSpPr>
-        <p:spPr/>
-        <p:txBody>
-          <a:bodyPr/>
-          <a:lstStyle/>
-          <a:p>
-            <a:pPr algn="l" eaLnBrk="1" hangingPunct="1"/>
-            <a:r>
-              <a:rPr lang="en-US" dirty="0" smtClean="0"/>
-              <a:t>What have we learned? </a:t>
-            </a:r>
-          </a:p>
-        </p:txBody>
-      </p:sp>
-      <p:sp>
-        <p:nvSpPr>
-          <p:cNvPr id="52227" name="Rectangle 3"/>
-          <p:cNvSpPr>
-            <a:spLocks noGrp="1" noChangeArrowheads="1"/>
-          </p:cNvSpPr>
-          <p:nvPr>
-            <p:ph type="body" idx="1"/>
-          </p:nvPr>
-        </p:nvSpPr>
-        <p:spPr>
-          <a:xfrm>
-            <a:off x="457200" y="1600200"/>
-            <a:ext cx="7772400" cy="4525963"/>
-          </a:xfrm>
-        </p:spPr>
-        <p:txBody>
-          <a:bodyPr/>
-          <a:lstStyle/>
-          <a:p>
-            <a:pPr>
-              <a:spcBef>
-                <a:spcPct val="50000"/>
-              </a:spcBef>
-            </a:pPr>
-            <a:r>
-              <a:rPr lang="en-US" sz="2400" dirty="0" smtClean="0"/>
-              <a:t>Good institutions support productivity and economic performance</a:t>
-            </a:r>
-          </a:p>
-          <a:p>
-            <a:pPr>
-              <a:spcBef>
-                <a:spcPct val="50000"/>
-              </a:spcBef>
-              <a:spcAft>
-                <a:spcPts val="600"/>
-              </a:spcAft>
-            </a:pPr>
-            <a:r>
-              <a:rPr lang="en-US" sz="2400" dirty="0" smtClean="0"/>
-              <a:t>A short list includes </a:t>
-            </a:r>
-          </a:p>
-          <a:p>
-            <a:pPr lvl="1">
-              <a:lnSpc>
-                <a:spcPct val="90000"/>
-              </a:lnSpc>
-              <a:spcBef>
-                <a:spcPts val="600"/>
-              </a:spcBef>
-            </a:pPr>
-            <a:r>
-              <a:rPr lang="en-US" sz="2000" dirty="0" smtClean="0"/>
-              <a:t>Governance </a:t>
-            </a:r>
-          </a:p>
-          <a:p>
-            <a:pPr lvl="1">
-              <a:lnSpc>
-                <a:spcPct val="90000"/>
-              </a:lnSpc>
-              <a:spcBef>
-                <a:spcPts val="600"/>
-              </a:spcBef>
-            </a:pPr>
-            <a:r>
-              <a:rPr lang="en-US" sz="2000" dirty="0" smtClean="0"/>
-              <a:t>Rule of law </a:t>
-            </a:r>
-          </a:p>
-          <a:p>
-            <a:pPr lvl="1">
-              <a:lnSpc>
-                <a:spcPct val="90000"/>
-              </a:lnSpc>
-              <a:spcBef>
-                <a:spcPts val="600"/>
-              </a:spcBef>
-            </a:pPr>
-            <a:r>
-              <a:rPr lang="en-US" sz="2000" dirty="0" smtClean="0"/>
-              <a:t>Property rights</a:t>
-            </a:r>
-          </a:p>
-          <a:p>
-            <a:pPr lvl="1">
-              <a:lnSpc>
-                <a:spcPct val="90000"/>
-              </a:lnSpc>
-              <a:spcBef>
-                <a:spcPts val="600"/>
-              </a:spcBef>
-            </a:pPr>
-            <a:r>
-              <a:rPr lang="en-US" sz="2000" dirty="0" smtClean="0"/>
-              <a:t>Competitive markets </a:t>
-            </a:r>
-          </a:p>
-          <a:p>
-            <a:pPr>
-              <a:lnSpc>
-                <a:spcPct val="90000"/>
-              </a:lnSpc>
-              <a:spcBef>
-                <a:spcPct val="50000"/>
-              </a:spcBef>
-            </a:pPr>
-            <a:r>
-              <a:rPr lang="en-US" sz="2400" dirty="0" smtClean="0"/>
-              <a:t>We have measures of all of </a:t>
-            </a:r>
-            <a:r>
-              <a:rPr lang="en-US" sz="2400" smtClean="0"/>
-              <a:t>these things </a:t>
-            </a:r>
-          </a:p>
-          <a:p>
-            <a:pPr>
-              <a:lnSpc>
-                <a:spcPct val="90000"/>
-              </a:lnSpc>
-              <a:spcBef>
-                <a:spcPct val="50000"/>
-              </a:spcBef>
-            </a:pPr>
-            <a:r>
-              <a:rPr lang="en-US" sz="2400" dirty="0" smtClean="0"/>
-              <a:t>Macroeconomic policies matter, too [later] </a:t>
-            </a:r>
-          </a:p>
-        </p:txBody>
-      </p:sp>
-      <p:sp>
-        <p:nvSpPr>
-          <p:cNvPr id="4" name="Slide Number Placeholder 3"/>
-          <p:cNvSpPr>
-            <a:spLocks noGrp="1"/>
-          </p:cNvSpPr>
-          <p:nvPr>
-            <p:ph type="sldNum" sz="quarter" idx="12"/>
-          </p:nvPr>
-        </p:nvSpPr>
-        <p:spPr/>
-        <p:txBody>
-          <a:bodyPr/>
-          <a:lstStyle/>
-          <a:p>
-            <a:pPr>
-              <a:defRPr/>
-            </a:pPr>
-            <a:fld id="{3806B3E2-D54F-4659-9127-650ECDAEBC50}" type="slidenum">
-              <a:rPr lang="en-US" smtClean="0"/>
-              <a:pPr>
-                <a:defRPr/>
-              </a:pPr>
               <a:t>116</a:t>
             </a:fld>
             <a:endParaRPr lang="en-US"/>
@@ -14285,7 +14311,7 @@
             <a:pPr algn="l" eaLnBrk="1" hangingPunct="1"/>
             <a:r>
               <a:rPr lang="en-US" dirty="0" smtClean="0"/>
-              <a:t>Problems</a:t>
+              <a:t>What have we learned? </a:t>
             </a:r>
           </a:p>
         </p:txBody>
@@ -14303,7 +14329,7 @@
         <p:spPr>
           <a:xfrm>
             <a:off x="457200" y="1600200"/>
-            <a:ext cx="7848600" cy="4525963"/>
+            <a:ext cx="7772400" cy="4525963"/>
           </a:xfrm>
         </p:spPr>
         <p:txBody>
@@ -14317,40 +14343,109 @@
             </a:pPr>
             <a:r>
               <a:rPr lang="en-US" sz="2400" dirty="0" smtClean="0"/>
-              <a:t>Problem Set A </a:t>
+              <a:t>Good institutions support productivity and economic performance</a:t>
+            </a:r>
+          </a:p>
+          <a:p>
+            <a:pPr>
+              <a:spcBef>
+                <a:spcPct val="50000"/>
+              </a:spcBef>
+              <a:spcAft>
+                <a:spcPts val="600"/>
+              </a:spcAft>
+            </a:pPr>
+            <a:r>
+              <a:rPr lang="en-US" sz="2400" dirty="0" smtClean="0"/>
+              <a:t>A short list includes </a:t>
             </a:r>
           </a:p>
           <a:p>
             <a:pPr lvl="1">
+              <a:lnSpc>
+                <a:spcPct val="90000"/>
+              </a:lnSpc>
+              <a:spcBef>
+                <a:spcPts val="600"/>
+              </a:spcBef>
+            </a:pPr>
+            <a:r>
+              <a:rPr lang="en-US" sz="2000" dirty="0" smtClean="0"/>
+              <a:t>Governance </a:t>
+            </a:r>
+          </a:p>
+          <a:p>
+            <a:pPr lvl="1">
+              <a:lnSpc>
+                <a:spcPct val="90000"/>
+              </a:lnSpc>
+              <a:spcBef>
+                <a:spcPts val="600"/>
+              </a:spcBef>
+            </a:pPr>
+            <a:r>
+              <a:rPr lang="en-US" sz="2000" dirty="0" smtClean="0"/>
+              <a:t>Rule of law </a:t>
+            </a:r>
+          </a:p>
+          <a:p>
+            <a:pPr lvl="1">
+              <a:lnSpc>
+                <a:spcPct val="90000"/>
+              </a:lnSpc>
+              <a:spcBef>
+                <a:spcPts val="600"/>
+              </a:spcBef>
+            </a:pPr>
+            <a:r>
+              <a:rPr lang="en-US" sz="2000" dirty="0" smtClean="0"/>
+              <a:t>Property rights</a:t>
+            </a:r>
+          </a:p>
+          <a:p>
+            <a:pPr lvl="1">
+              <a:lnSpc>
+                <a:spcPct val="90000"/>
+              </a:lnSpc>
+              <a:spcBef>
+                <a:spcPts val="600"/>
+              </a:spcBef>
+            </a:pPr>
+            <a:r>
+              <a:rPr lang="en-US" sz="2000" dirty="0" smtClean="0"/>
+              <a:t>Competitive markets </a:t>
+            </a:r>
+          </a:p>
+          <a:p>
+            <a:pPr>
+              <a:lnSpc>
+                <a:spcPct val="90000"/>
+              </a:lnSpc>
               <a:spcBef>
                 <a:spcPct val="50000"/>
               </a:spcBef>
             </a:pPr>
             <a:r>
-              <a:rPr lang="en-US" sz="2000" dirty="0" smtClean="0"/>
-              <a:t>Will not be collected, but good practice </a:t>
+              <a:rPr lang="en-US" sz="2400" dirty="0" smtClean="0"/>
+              <a:t>We have measures of all of </a:t>
+            </a:r>
+            <a:r>
+              <a:rPr lang="en-US" sz="2400" smtClean="0"/>
+              <a:t>these things </a:t>
             </a:r>
           </a:p>
           <a:p>
             <a:pPr>
+              <a:lnSpc>
+                <a:spcPct val="90000"/>
+              </a:lnSpc>
               <a:spcBef>
                 <a:spcPct val="50000"/>
               </a:spcBef>
             </a:pPr>
             <a:r>
               <a:rPr lang="en-US" sz="2400" dirty="0" smtClean="0"/>
-              <a:t>Problem Set #2 </a:t>
-            </a:r>
-          </a:p>
-          <a:p>
-            <a:pPr lvl="1">
-              <a:spcBef>
-                <a:spcPct val="50000"/>
-              </a:spcBef>
-            </a:pPr>
-            <a:r>
-              <a:rPr lang="en-US" sz="2000" dirty="0" smtClean="0"/>
-              <a:t>Due in two weeks, doable now</a:t>
+              <a:t>Macroeconomic policies matter, too [later] </a:t>
             </a:r>
           </a:p>
         </p:txBody>
@@ -14434,7 +14529,7 @@
             <a:pPr algn="l" eaLnBrk="1" hangingPunct="1"/>
             <a:r>
               <a:rPr lang="en-US" dirty="0" smtClean="0"/>
-              <a:t>For the ride home </a:t>
+              <a:t>Problems</a:t>
             </a:r>
           </a:p>
         </p:txBody>
@@ -14466,23 +14561,7 @@
             </a:pPr>
             <a:r>
               <a:rPr lang="en-US" sz="2400" dirty="0" smtClean="0"/>
-              <a:t>James </a:t>
-            </a:r>
-            <a:r>
-              <a:rPr lang="en-US" sz="2400" dirty="0" err="1" smtClean="0"/>
-              <a:t>Surowiecki</a:t>
-            </a:r>
-            <a:r>
-              <a:rPr lang="en-US" sz="2400" dirty="0" smtClean="0"/>
-              <a:t>, </a:t>
-            </a:r>
-            <a:r>
-              <a:rPr lang="en-US" sz="2400" i="1" dirty="0" smtClean="0"/>
-              <a:t>New Yorker</a:t>
-            </a:r>
-            <a:r>
-              <a:rPr lang="en-US" sz="2400" dirty="0" smtClean="0"/>
-              <a:t>, June 10, 2010</a:t>
+              <a:t>Problem Set A </a:t>
             </a:r>
           </a:p>
           <a:p>
@@ -14493,7 +14572,7 @@
             </a:pPr>
             <a:r>
               <a:rPr lang="en-US" sz="2000" dirty="0" smtClean="0"/>
-              <a:t>Regulation isn’t an obstacle to thriving markets, it’s a vital part of them.  </a:t>
+              <a:t>Will not be collected, but good practice </a:t>
             </a:r>
           </a:p>
           <a:p>
@@ -14504,18 +14583,18 @@
             </a:pPr>
             <a:r>
               <a:rPr lang="en-US" sz="2400" dirty="0" smtClean="0"/>
-              <a:t>Do you agree?  Disagree?  Both?  </a:t>
-            </a:r>
-          </a:p>
-          <a:p>
-            <a:pPr>
+              <a:t>Problem Set #2 </a:t>
+            </a:r>
+          </a:p>
+          <a:p>
+            <a:pPr lvl="1">
               <a:spcBef>
                 <a:spcPct val="50000"/>
               </a:spcBef>
             </a:pPr>
             <a:r>
-              <a:rPr lang="en-US" sz="2400" dirty="0" smtClean="0"/>
-              <a:t>Come to class with examples </a:t>
+              <a:rPr lang="en-US" sz="2000" dirty="0" smtClean="0"/>
+              <a:t>Due in two weeks, doable now</a:t>
             </a:r>
           </a:p>
         </p:txBody>
@@ -14544,6 +14623,171 @@
                 <a:defRPr/>
               </a:pPr>
               <a:t>118</a:t>
+            </a:fld>
+            <a:endParaRPr lang="en-US"/>
+          </a:p>
+        </p:txBody>
+      </p:sp>
+    </p:spTree>
+  </p:cSld>
+  <p:clrMapOvr>
+    <a:masterClrMapping/>
+  </p:clrMapOvr>
+  <p:timing>
+    <p:tnLst>
+      <p:par>
+        <p:cTn id="1" dur="indefinite" restart="never" nodeType="tmRoot"/>
+      </p:par>
+    </p:tnLst>
+  </p:timing>
+</p:sld>
+</file>
+
+<file path=ppt/slides/slide119.xml><?xml version="1.0" encoding="utf-8"?>
+<p:sld xmlns:a="http://schemas.openxmlformats.org/drawingml/2006/main" xmlns:r="http://schemas.openxmlformats.org/officeDocument/2006/relationships" xmlns:p="http://schemas.openxmlformats.org/presentationml/2006/main">
+  <p:cSld>
+    <p:spTree>
+      <p:nvGrpSpPr>
+        <p:cNvPr id="1" name=""/>
+        <p:cNvGrpSpPr/>
+        <p:nvPr/>
+      </p:nvGrpSpPr>
+      <p:grpSpPr>
+        <a:xfrm>
+          <a:off x="0" y="0"/>
+          <a:ext cx="0" cy="0"/>
+          <a:chOff x="0" y="0"/>
+          <a:chExt cx="0" cy="0"/>
+        </a:xfrm>
+      </p:grpSpPr>
+      <p:sp>
+        <p:nvSpPr>
+          <p:cNvPr id="52226" name="Rectangle 2"/>
+          <p:cNvSpPr>
+            <a:spLocks noGrp="1" noChangeArrowheads="1"/>
+          </p:cNvSpPr>
+          <p:nvPr>
+            <p:ph type="title"/>
+          </p:nvPr>
+        </p:nvSpPr>
+        <p:spPr/>
+        <p:txBody>
+          <a:bodyPr/>
+          <a:lstStyle/>
+          <a:p>
+            <a:pPr algn="l" eaLnBrk="1" hangingPunct="1"/>
+            <a:r>
+              <a:rPr lang="en-US" dirty="0" smtClean="0"/>
+              <a:t>For the ride home </a:t>
+            </a:r>
+          </a:p>
+        </p:txBody>
+      </p:sp>
+      <p:sp>
+        <p:nvSpPr>
+          <p:cNvPr id="52227" name="Rectangle 3"/>
+          <p:cNvSpPr>
+            <a:spLocks noGrp="1" noChangeArrowheads="1"/>
+          </p:cNvSpPr>
+          <p:nvPr>
+            <p:ph type="body" idx="1"/>
+          </p:nvPr>
+        </p:nvSpPr>
+        <p:spPr>
+          <a:xfrm>
+            <a:off x="457200" y="1600200"/>
+            <a:ext cx="7848600" cy="4525963"/>
+          </a:xfrm>
+        </p:spPr>
+        <p:txBody>
+          <a:bodyPr/>
+          <a:lstStyle/>
+          <a:p>
+            <a:pPr>
+              <a:spcBef>
+                <a:spcPct val="50000"/>
+              </a:spcBef>
+            </a:pPr>
+            <a:r>
+              <a:rPr lang="en-US" sz="2400" dirty="0" smtClean="0"/>
+              <a:t>James </a:t>
+            </a:r>
+            <a:r>
+              <a:rPr lang="en-US" sz="2400" dirty="0" err="1" smtClean="0"/>
+              <a:t>Surowiecki</a:t>
+            </a:r>
+            <a:r>
+              <a:rPr lang="en-US" sz="2400" dirty="0" smtClean="0"/>
+              <a:t>, </a:t>
+            </a:r>
+            <a:r>
+              <a:rPr lang="en-US" sz="2400" i="1" dirty="0" smtClean="0"/>
+              <a:t>New Yorker</a:t>
+            </a:r>
+            <a:r>
+              <a:rPr lang="en-US" sz="2400" dirty="0" smtClean="0"/>
+              <a:t>, June 10, 2010</a:t>
+            </a:r>
+          </a:p>
+          <a:p>
+            <a:pPr lvl="1">
+              <a:spcBef>
+                <a:spcPct val="50000"/>
+              </a:spcBef>
+            </a:pPr>
+            <a:r>
+              <a:rPr lang="en-US" sz="2000" dirty="0" smtClean="0"/>
+              <a:t>Regulation isn’t an obstacle to thriving markets, it’s a vital part of them.  </a:t>
+            </a:r>
+          </a:p>
+          <a:p>
+            <a:pPr>
+              <a:spcBef>
+                <a:spcPct val="50000"/>
+              </a:spcBef>
+            </a:pPr>
+            <a:r>
+              <a:rPr lang="en-US" sz="2400" dirty="0" smtClean="0"/>
+              <a:t>Do you agree?  Disagree?  Both?  </a:t>
+            </a:r>
+          </a:p>
+          <a:p>
+            <a:pPr>
+              <a:spcBef>
+                <a:spcPct val="50000"/>
+              </a:spcBef>
+            </a:pPr>
+            <a:r>
+              <a:rPr lang="en-US" sz="2400" dirty="0" smtClean="0"/>
+              <a:t>Come to class with examples </a:t>
+            </a:r>
+          </a:p>
+        </p:txBody>
+      </p:sp>
+      <p:sp>
+        <p:nvSpPr>
+          <p:cNvPr id="4" name="Slide Number Placeholder 3"/>
+          <p:cNvSpPr>
+            <a:spLocks noGrp="1"/>
+          </p:cNvSpPr>
+          <p:nvPr>
+            <p:ph type="sldNum" sz="quarter" idx="12"/>
+          </p:nvPr>
+        </p:nvSpPr>
+        <p:spPr/>
+        <p:txBody>
+          <a:bodyPr/>
+          <a:lstStyle/>
+          <a:p>
+            <a:pPr>
+              <a:defRPr/>
+            </a:pPr>
+            <a:fld id="{3806B3E2-D54F-4659-9127-650ECDAEBC50}" type="slidenum">
+              <a:rPr lang="en-US" smtClean="0"/>
+              <a:pPr>
+                <a:defRPr/>
+              </a:pPr>
+              <a:t>119</a:t>
             </a:fld>
             <a:endParaRPr lang="en-US"/>
           </a:p>
@@ -52348,8 +52592,9 @@
             </a:pPr>
             <a:r>
               <a:rPr lang="en-US" sz="2400" dirty="0" smtClean="0"/>
-              <a:t>Argentina  </a:t>
-            </a:r>
+              <a:t>US occupational licensing </a:t>
+            </a:r>
+            <a:endParaRPr lang="en-US" sz="2400" dirty="0" smtClean="0"/>
           </a:p>
           <a:p>
             <a:pPr lvl="1" eaLnBrk="1" hangingPunct="1">
@@ -52359,16 +52604,46 @@
             </a:pPr>
             <a:r>
               <a:rPr lang="en-US" sz="2000" dirty="0" smtClean="0"/>
-              <a:t>Facing inflation over 1000%, the government announced in 1991 that citizens could use dollars and pegged the peso to the dollar.  A decade later, they forcibly converted dollar deposits to pesos (“</a:t>
-            </a:r>
-            <a:r>
-              <a:rPr lang="en-US" sz="2000" dirty="0" err="1" smtClean="0"/>
-              <a:t>pesification</a:t>
-            </a:r>
+              <a:t>Of hair braiders?</a:t>
+            </a:r>
+          </a:p>
+          <a:p>
+            <a:pPr lvl="1" eaLnBrk="1" hangingPunct="1">
+              <a:spcBef>
+                <a:spcPct val="50000"/>
+              </a:spcBef>
+            </a:pPr>
             <a:r>
               <a:rPr lang="en-US" sz="2000" dirty="0" smtClean="0"/>
-              <a:t>”) and devalued 75%.  </a:t>
-            </a:r>
+              <a:t>Of teachers?</a:t>
+            </a:r>
+          </a:p>
+          <a:p>
+            <a:pPr lvl="1" eaLnBrk="1" hangingPunct="1">
+              <a:spcBef>
+                <a:spcPct val="50000"/>
+              </a:spcBef>
+            </a:pPr>
+            <a:r>
+              <a:rPr lang="en-US" sz="2000" dirty="0" smtClean="0"/>
+              <a:t>Of dentists?</a:t>
+            </a:r>
+          </a:p>
+          <a:p>
+            <a:pPr lvl="1" eaLnBrk="1" hangingPunct="1">
+              <a:spcBef>
+                <a:spcPct val="50000"/>
+              </a:spcBef>
+            </a:pPr>
+            <a:r>
+              <a:rPr lang="en-US" sz="2000" smtClean="0"/>
+              <a:t>Of doctors?  </a:t>
+            </a:r>
+            <a:r>
+              <a:rPr lang="en-US" sz="2000" smtClean="0"/>
+              <a:t> </a:t>
+            </a:r>
+            <a:endParaRPr lang="en-US" sz="2000" dirty="0" smtClean="0"/>
           </a:p>
           <a:p>
             <a:pPr eaLnBrk="1" hangingPunct="1">
@@ -52495,7 +52770,7 @@
             </a:pPr>
             <a:r>
               <a:rPr lang="en-US" sz="2400" dirty="0" smtClean="0"/>
-              <a:t>Argentina in 2008 (WSJ, Oct 28 08) </a:t>
+              <a:t>Argentina  </a:t>
             </a:r>
           </a:p>
           <a:p>
@@ -52506,15 +52781,15 @@
             </a:pPr>
             <a:r>
               <a:rPr lang="en-US" sz="2000" dirty="0" smtClean="0"/>
-              <a:t>Argentina’s government pressed forward with its controversial plan to </a:t>
-            </a:r>
-            <a:r>
-              <a:rPr lang="en-US" sz="2000" b="1" dirty="0" smtClean="0"/>
-              <a:t>nationalize private pension plans</a:t>
+              <a:t>Facing inflation over 1000%, the government announced in 1991 that citizens could use dollars and pegged the peso to the dollar.  A decade later, they forcibly converted dollar deposits to pesos (“</a:t>
+            </a:r>
+            <a:r>
+              <a:rPr lang="en-US" sz="2000" dirty="0" err="1" smtClean="0"/>
+              <a:t>pesification</a:t>
             </a:r>
             <a:r>
               <a:rPr lang="en-US" sz="2000" dirty="0" smtClean="0"/>
-              <a:t>.  President Kirchner said her move is designed to protect private pension funds from mismanagement amid the global financial crisis.  </a:t>
+              <a:t>”) and devalued 75%.  </a:t>
             </a:r>
           </a:p>
           <a:p>
@@ -52561,6 +52836,11 @@
         </p:txBody>
       </p:sp>
     </p:spTree>
+    <p:extLst>
+      <p:ext uri="{BB962C8B-B14F-4D97-AF65-F5344CB8AC3E}">
+        <p14:creationId xmlns:p14="http://schemas.microsoft.com/office/powerpoint/2010/main" val="2178209296"/>
+      </p:ext>
+    </p:extLst>
   </p:cSld>
   <p:clrMapOvr>
     <a:masterClrMapping/>
@@ -52625,7 +52905,12 @@
             <p:ph type="body" idx="1"/>
           </p:nvPr>
         </p:nvSpPr>
-        <p:spPr/>
+        <p:spPr>
+          <a:xfrm>
+            <a:off x="457200" y="1600200"/>
+            <a:ext cx="7924800" cy="4525963"/>
+          </a:xfrm>
+        </p:spPr>
         <p:txBody>
           <a:bodyPr/>
           <a:lstStyle/>
@@ -52637,15 +52922,26 @@
             </a:pPr>
             <a:r>
               <a:rPr lang="en-US" sz="2400" dirty="0" smtClean="0"/>
-              <a:t>Hernando de Soto, </a:t>
-            </a:r>
-            <a:r>
-              <a:rPr lang="en-US" sz="2400" i="1" dirty="0" smtClean="0"/>
-              <a:t>The Other Path</a:t>
-            </a:r>
-            <a:r>
-              <a:rPr lang="en-US" sz="2400" dirty="0" smtClean="0"/>
-              <a:t> </a:t>
+              <a:t>Argentina in 2008 (WSJ, Oct 28 08) </a:t>
+            </a:r>
+          </a:p>
+          <a:p>
+            <a:pPr lvl="1" eaLnBrk="1" hangingPunct="1">
+              <a:spcBef>
+                <a:spcPct val="50000"/>
+              </a:spcBef>
+            </a:pPr>
+            <a:r>
+              <a:rPr lang="en-US" sz="2000" dirty="0" smtClean="0"/>
+              <a:t>Argentina’s government pressed forward with its controversial plan to </a:t>
+            </a:r>
+            <a:r>
+              <a:rPr lang="en-US" sz="2000" b="1" dirty="0" smtClean="0"/>
+              <a:t>nationalize private pension plans</a:t>
+            </a:r>
+            <a:r>
+              <a:rPr lang="en-US" sz="2000" dirty="0" smtClean="0"/>
+              <a:t>.  President Kirchner said her move is designed to protect private pension funds from mismanagement amid the global financial crisis.  </a:t>
             </a:r>
           </a:p>
           <a:p>
@@ -52653,66 +52949,11 @@
               <a:spcBef>
                 <a:spcPct val="50000"/>
               </a:spcBef>
+              <a:buNone/>
             </a:pPr>
             <a:r>
               <a:rPr lang="en-US" sz="2400" dirty="0" smtClean="0"/>
-              <a:t>Researchers tried to set up a factory in Lima – legally </a:t>
-            </a:r>
-          </a:p>
-          <a:p>
-            <a:pPr lvl="1" eaLnBrk="1" hangingPunct="1">
-              <a:lnSpc>
-                <a:spcPct val="90000"/>
-              </a:lnSpc>
-              <a:spcBef>
-                <a:spcPct val="50000"/>
-              </a:spcBef>
-            </a:pPr>
-            <a:r>
-              <a:rPr lang="en-US" sz="2000" dirty="0" smtClean="0"/>
-              <a:t>Steps required:  11 </a:t>
-            </a:r>
-          </a:p>
-          <a:p>
-            <a:pPr lvl="1" eaLnBrk="1" hangingPunct="1">
-              <a:lnSpc>
-                <a:spcPct val="90000"/>
-              </a:lnSpc>
-              <a:spcBef>
-                <a:spcPct val="50000"/>
-              </a:spcBef>
-            </a:pPr>
-            <a:r>
-              <a:rPr lang="en-US" sz="2000" dirty="0" smtClean="0"/>
-              <a:t>Time:  289 days </a:t>
-            </a:r>
-          </a:p>
-          <a:p>
-            <a:pPr lvl="1" eaLnBrk="1" hangingPunct="1">
-              <a:lnSpc>
-                <a:spcPct val="90000"/>
-              </a:lnSpc>
-              <a:spcBef>
-                <a:spcPct val="50000"/>
-              </a:spcBef>
-            </a:pPr>
-            <a:r>
-              <a:rPr lang="en-US" sz="2000" dirty="0" smtClean="0"/>
-              <a:t>Bribes requested:  10 (2 paid) </a:t>
-            </a:r>
-          </a:p>
-          <a:p>
-            <a:pPr lvl="1" eaLnBrk="1" hangingPunct="1">
-              <a:lnSpc>
-                <a:spcPct val="90000"/>
-              </a:lnSpc>
-              <a:spcBef>
-                <a:spcPct val="50000"/>
-              </a:spcBef>
-            </a:pPr>
-            <a:r>
-              <a:rPr lang="en-US" sz="2000" dirty="0" smtClean="0"/>
-              <a:t>Cost:  $1,231 (32 times the monthly min wage) </a:t>
+              <a:t> </a:t>
             </a:r>
           </a:p>
         </p:txBody>
@@ -52811,12 +53052,7 @@
             <p:ph type="body" idx="1"/>
           </p:nvPr>
         </p:nvSpPr>
-        <p:spPr>
-          <a:xfrm>
-            <a:off x="457200" y="1600200"/>
-            <a:ext cx="7543800" cy="4525963"/>
-          </a:xfrm>
-        </p:spPr>
+        <p:spPr/>
         <p:txBody>
           <a:bodyPr/>
           <a:lstStyle/>
@@ -52828,7 +53064,26 @@
             </a:pPr>
             <a:r>
               <a:rPr lang="en-US" sz="2400" dirty="0" smtClean="0"/>
-              <a:t>Tesla Motors</a:t>
+              <a:t>Hernando de Soto, </a:t>
+            </a:r>
+            <a:r>
+              <a:rPr lang="en-US" sz="2400" i="1" dirty="0" smtClean="0"/>
+              <a:t>The Other Path</a:t>
+            </a:r>
+            <a:r>
+              <a:rPr lang="en-US" sz="2400" dirty="0" smtClean="0"/>
+              <a:t> </a:t>
+            </a:r>
+          </a:p>
+          <a:p>
+            <a:pPr eaLnBrk="1" hangingPunct="1">
+              <a:spcBef>
+                <a:spcPct val="50000"/>
+              </a:spcBef>
+            </a:pPr>
+            <a:r>
+              <a:rPr lang="en-US" sz="2400" dirty="0" smtClean="0"/>
+              <a:t>Researchers tried to set up a factory in Lima – legally </a:t>
             </a:r>
           </a:p>
           <a:p>
@@ -52841,36 +53096,50 @@
               </a:spcBef>
             </a:pPr>
             <a:r>
-              <a:rPr lang="en-US" sz="2000" dirty="0"/>
-              <a:t>Tesla Motors sells high-end electric cars direct to the consumer. But North Carolina’s car dealers have proposed a law prohibiting sales except through </a:t>
-            </a:r>
-            <a:r>
               <a:rPr lang="en-US" sz="2000" dirty="0" smtClean="0"/>
-              <a:t>car </a:t>
-            </a:r>
-            <a:r>
-              <a:rPr lang="en-US" sz="2000" dirty="0"/>
-              <a:t>dealers. </a:t>
-            </a:r>
+              <a:t>Steps required:  11 </a:t>
+            </a:r>
+          </a:p>
+          <a:p>
+            <a:pPr lvl="1" eaLnBrk="1" hangingPunct="1">
+              <a:lnSpc>
+                <a:spcPct val="90000"/>
+              </a:lnSpc>
+              <a:spcBef>
+                <a:spcPct val="50000"/>
+              </a:spcBef>
+            </a:pPr>
             <a:r>
               <a:rPr lang="en-US" sz="2000" dirty="0" smtClean="0"/>
-              <a:t>Robert </a:t>
-            </a:r>
-            <a:r>
-              <a:rPr lang="en-US" sz="2000" dirty="0"/>
-              <a:t>Glaser, president of the N.C. Automobile Dealers Association, </a:t>
-            </a:r>
+              <a:t>Time:  289 days </a:t>
+            </a:r>
+          </a:p>
+          <a:p>
+            <a:pPr lvl="1" eaLnBrk="1" hangingPunct="1">
+              <a:lnSpc>
+                <a:spcPct val="90000"/>
+              </a:lnSpc>
+              <a:spcBef>
+                <a:spcPct val="50000"/>
+              </a:spcBef>
+            </a:pPr>
             <a:r>
               <a:rPr lang="en-US" sz="2000" dirty="0" smtClean="0"/>
-              <a:t>comments:  “</a:t>
-            </a:r>
-            <a:r>
-              <a:rPr lang="en-US" sz="2000" dirty="0"/>
-              <a:t>The whole point of the system is to protect the consumer</a:t>
-            </a:r>
+              <a:t>Bribes requested:  10 (2 paid) </a:t>
+            </a:r>
+          </a:p>
+          <a:p>
+            <a:pPr lvl="1" eaLnBrk="1" hangingPunct="1">
+              <a:lnSpc>
+                <a:spcPct val="90000"/>
+              </a:lnSpc>
+              <a:spcBef>
+                <a:spcPct val="50000"/>
+              </a:spcBef>
+            </a:pPr>
             <a:r>
               <a:rPr lang="en-US" sz="2000" dirty="0" smtClean="0"/>
-              <a:t>.”</a:t>
+              <a:t>Cost:  $1,231 (32 times the monthly min wage) </a:t>
             </a:r>
           </a:p>
         </p:txBody>
@@ -52905,11 +53174,6 @@
         </p:txBody>
       </p:sp>
     </p:spTree>
-    <p:extLst>
-      <p:ext uri="{BB962C8B-B14F-4D97-AF65-F5344CB8AC3E}">
-        <p14:creationId xmlns:p14="http://schemas.microsoft.com/office/powerpoint/2010/main" val="2337787305"/>
-      </p:ext>
-    </p:extLst>
   </p:cSld>
   <p:clrMapOvr>
     <a:masterClrMapping/>
@@ -52977,7 +53241,7 @@
         <p:spPr>
           <a:xfrm>
             <a:off x="457200" y="1600200"/>
-            <a:ext cx="7772400" cy="4525963"/>
+            <a:ext cx="7543800" cy="4525963"/>
           </a:xfrm>
         </p:spPr>
         <p:txBody>
@@ -52991,43 +53255,50 @@
             </a:pPr>
             <a:r>
               <a:rPr lang="en-US" sz="2400" dirty="0" smtClean="0"/>
-              <a:t>Bill Lewis, McKinsey, </a:t>
-            </a:r>
-            <a:r>
-              <a:rPr lang="en-US" sz="2400" i="1" dirty="0" smtClean="0"/>
-              <a:t>The Power of Productivity</a:t>
-            </a:r>
-            <a:r>
-              <a:rPr lang="en-US" sz="2400" dirty="0" smtClean="0"/>
-              <a:t> </a:t>
+              <a:t>Tesla Motors</a:t>
             </a:r>
           </a:p>
           <a:p>
             <a:pPr lvl="1" eaLnBrk="1" hangingPunct="1">
+              <a:lnSpc>
+                <a:spcPct val="90000"/>
+              </a:lnSpc>
               <a:spcBef>
                 <a:spcPct val="50000"/>
               </a:spcBef>
             </a:pPr>
             <a:r>
+              <a:rPr lang="en-US" sz="2000" dirty="0"/>
+              <a:t>Tesla Motors sells high-end electric cars direct to the consumer. But North Carolina’s car dealers have proposed a law prohibiting sales except through </a:t>
+            </a:r>
+            <a:r>
               <a:rPr lang="en-US" sz="2000" dirty="0" smtClean="0"/>
-              <a:t>The Japan we see the small farmer, the small shopkeeper, and the small milk plant.  But small isn’t beautiful, it’s inefficient and unproductive.  A string of land restrictions,  tax policies, loan subsidies, and regulations prop up the small while stifling the enterprising and efficient.  As a result, </a:t>
-            </a:r>
-            <a:r>
-              <a:rPr lang="en-US" sz="2000" b="1" dirty="0" smtClean="0"/>
-              <a:t>Japan is 40% more productive than the US in autos but 50% less productive in retail</a:t>
+              <a:t>car </a:t>
+            </a:r>
+            <a:r>
+              <a:rPr lang="en-US" sz="2000" dirty="0"/>
+              <a:t>dealers. </a:t>
             </a:r>
             <a:r>
               <a:rPr lang="en-US" sz="2000" dirty="0" smtClean="0"/>
-              <a:t>.  </a:t>
-            </a:r>
-          </a:p>
-          <a:p>
-            <a:pPr lvl="1" eaLnBrk="1" hangingPunct="1">
-              <a:spcBef>
-                <a:spcPct val="50000"/>
-              </a:spcBef>
-            </a:pPr>
-            <a:endParaRPr lang="en-US" sz="2000" dirty="0" smtClean="0"/>
+              <a:t>Robert </a:t>
+            </a:r>
+            <a:r>
+              <a:rPr lang="en-US" sz="2000" dirty="0"/>
+              <a:t>Glaser, president of the N.C. Automobile Dealers Association, </a:t>
+            </a:r>
+            <a:r>
+              <a:rPr lang="en-US" sz="2000" dirty="0" smtClean="0"/>
+              <a:t>comments:  “</a:t>
+            </a:r>
+            <a:r>
+              <a:rPr lang="en-US" sz="2000" dirty="0"/>
+              <a:t>The whole point of the system is to protect the consumer</a:t>
+            </a:r>
+            <a:r>
+              <a:rPr lang="en-US" sz="2000" dirty="0" smtClean="0"/>
+              <a:t>.”</a:t>
+            </a:r>
           </a:p>
         </p:txBody>
       </p:sp>
@@ -53061,6 +53332,11 @@
         </p:txBody>
       </p:sp>
     </p:spTree>
+    <p:extLst>
+      <p:ext uri="{BB962C8B-B14F-4D97-AF65-F5344CB8AC3E}">
+        <p14:creationId xmlns:p14="http://schemas.microsoft.com/office/powerpoint/2010/main" val="2337787305"/>
+      </p:ext>
+    </p:extLst>
   </p:cSld>
   <p:clrMapOvr>
     <a:masterClrMapping/>

--- a/Slides/slides_growth2_f14.pptx
+++ b/Slides/slides_growth2_f14.pptx
@@ -5,10 +5,10 @@
     <p:sldMasterId id="2147483648" r:id="rId1"/>
   </p:sldMasterIdLst>
   <p:notesMasterIdLst>
-    <p:notesMasterId r:id="rId121"/>
+    <p:notesMasterId r:id="rId122"/>
   </p:notesMasterIdLst>
   <p:handoutMasterIdLst>
-    <p:handoutMasterId r:id="rId122"/>
+    <p:handoutMasterId r:id="rId123"/>
   </p:handoutMasterIdLst>
   <p:sldIdLst>
     <p:sldId id="256" r:id="rId2"/>
@@ -78,58 +78,59 @@
     <p:sldId id="449" r:id="rId66"/>
     <p:sldId id="452" r:id="rId67"/>
     <p:sldId id="456" r:id="rId68"/>
-    <p:sldId id="492" r:id="rId69"/>
-    <p:sldId id="450" r:id="rId70"/>
-    <p:sldId id="451" r:id="rId71"/>
-    <p:sldId id="537" r:id="rId72"/>
-    <p:sldId id="458" r:id="rId73"/>
-    <p:sldId id="546" r:id="rId74"/>
-    <p:sldId id="547" r:id="rId75"/>
-    <p:sldId id="548" r:id="rId76"/>
-    <p:sldId id="549" r:id="rId77"/>
-    <p:sldId id="550" r:id="rId78"/>
-    <p:sldId id="551" r:id="rId79"/>
-    <p:sldId id="552" r:id="rId80"/>
-    <p:sldId id="553" r:id="rId81"/>
-    <p:sldId id="554" r:id="rId82"/>
-    <p:sldId id="555" r:id="rId83"/>
-    <p:sldId id="556" r:id="rId84"/>
-    <p:sldId id="538" r:id="rId85"/>
-    <p:sldId id="543" r:id="rId86"/>
-    <p:sldId id="544" r:id="rId87"/>
-    <p:sldId id="468" r:id="rId88"/>
-    <p:sldId id="521" r:id="rId89"/>
-    <p:sldId id="481" r:id="rId90"/>
-    <p:sldId id="503" r:id="rId91"/>
-    <p:sldId id="499" r:id="rId92"/>
-    <p:sldId id="474" r:id="rId93"/>
-    <p:sldId id="563" r:id="rId94"/>
-    <p:sldId id="557" r:id="rId95"/>
-    <p:sldId id="476" r:id="rId96"/>
-    <p:sldId id="564" r:id="rId97"/>
-    <p:sldId id="479" r:id="rId98"/>
-    <p:sldId id="473" r:id="rId99"/>
-    <p:sldId id="558" r:id="rId100"/>
-    <p:sldId id="459" r:id="rId101"/>
-    <p:sldId id="562" r:id="rId102"/>
-    <p:sldId id="531" r:id="rId103"/>
-    <p:sldId id="523" r:id="rId104"/>
-    <p:sldId id="524" r:id="rId105"/>
-    <p:sldId id="484" r:id="rId106"/>
-    <p:sldId id="485" r:id="rId107"/>
-    <p:sldId id="488" r:id="rId108"/>
-    <p:sldId id="478" r:id="rId109"/>
-    <p:sldId id="561" r:id="rId110"/>
-    <p:sldId id="493" r:id="rId111"/>
-    <p:sldId id="483" r:id="rId112"/>
-    <p:sldId id="496" r:id="rId113"/>
-    <p:sldId id="500" r:id="rId114"/>
-    <p:sldId id="489" r:id="rId115"/>
-    <p:sldId id="495" r:id="rId116"/>
-    <p:sldId id="401" r:id="rId117"/>
-    <p:sldId id="480" r:id="rId118"/>
-    <p:sldId id="482" r:id="rId119"/>
-    <p:sldId id="534" r:id="rId120"/>
+    <p:sldId id="565" r:id="rId69"/>
+    <p:sldId id="492" r:id="rId70"/>
+    <p:sldId id="450" r:id="rId71"/>
+    <p:sldId id="451" r:id="rId72"/>
+    <p:sldId id="537" r:id="rId73"/>
+    <p:sldId id="458" r:id="rId74"/>
+    <p:sldId id="546" r:id="rId75"/>
+    <p:sldId id="547" r:id="rId76"/>
+    <p:sldId id="548" r:id="rId77"/>
+    <p:sldId id="549" r:id="rId78"/>
+    <p:sldId id="550" r:id="rId79"/>
+    <p:sldId id="551" r:id="rId80"/>
+    <p:sldId id="552" r:id="rId81"/>
+    <p:sldId id="553" r:id="rId82"/>
+    <p:sldId id="554" r:id="rId83"/>
+    <p:sldId id="555" r:id="rId84"/>
+    <p:sldId id="556" r:id="rId85"/>
+    <p:sldId id="538" r:id="rId86"/>
+    <p:sldId id="543" r:id="rId87"/>
+    <p:sldId id="544" r:id="rId88"/>
+    <p:sldId id="468" r:id="rId89"/>
+    <p:sldId id="521" r:id="rId90"/>
+    <p:sldId id="481" r:id="rId91"/>
+    <p:sldId id="503" r:id="rId92"/>
+    <p:sldId id="499" r:id="rId93"/>
+    <p:sldId id="474" r:id="rId94"/>
+    <p:sldId id="563" r:id="rId95"/>
+    <p:sldId id="557" r:id="rId96"/>
+    <p:sldId id="476" r:id="rId97"/>
+    <p:sldId id="564" r:id="rId98"/>
+    <p:sldId id="479" r:id="rId99"/>
+    <p:sldId id="473" r:id="rId100"/>
+    <p:sldId id="558" r:id="rId101"/>
+    <p:sldId id="459" r:id="rId102"/>
+    <p:sldId id="562" r:id="rId103"/>
+    <p:sldId id="531" r:id="rId104"/>
+    <p:sldId id="523" r:id="rId105"/>
+    <p:sldId id="524" r:id="rId106"/>
+    <p:sldId id="484" r:id="rId107"/>
+    <p:sldId id="485" r:id="rId108"/>
+    <p:sldId id="488" r:id="rId109"/>
+    <p:sldId id="478" r:id="rId110"/>
+    <p:sldId id="561" r:id="rId111"/>
+    <p:sldId id="493" r:id="rId112"/>
+    <p:sldId id="483" r:id="rId113"/>
+    <p:sldId id="496" r:id="rId114"/>
+    <p:sldId id="500" r:id="rId115"/>
+    <p:sldId id="489" r:id="rId116"/>
+    <p:sldId id="495" r:id="rId117"/>
+    <p:sldId id="401" r:id="rId118"/>
+    <p:sldId id="480" r:id="rId119"/>
+    <p:sldId id="482" r:id="rId120"/>
+    <p:sldId id="534" r:id="rId121"/>
   </p:sldIdLst>
   <p:sldSz cx="9144000" cy="6858000" type="screen4x3"/>
   <p:notesSz cx="7099300" cy="10234613"/>
@@ -260,7 +261,7 @@
   </p:defaultTextStyle>
   <p:extLst>
     <p:ext uri="{EFAFB233-063F-42B5-8137-9DF3F51BA10A}">
-      <p15:sldGuideLst xmlns:p15="http://schemas.microsoft.com/office/powerpoint/2012/main" xmlns="">
+      <p15:sldGuideLst xmlns:p15="http://schemas.microsoft.com/office/powerpoint/2012/main">
         <p15:guide id="1" orient="horz" pos="2160">
           <p15:clr>
             <a:srgbClr val="A4A3A4"/>
@@ -403,11 +404,11 @@
           <c:showBubbleSize val="0"/>
         </c:dLbls>
         <c:gapWidth val="150"/>
-        <c:axId val="6529792"/>
-        <c:axId val="6531328"/>
+        <c:axId val="162150000"/>
+        <c:axId val="4665072"/>
       </c:barChart>
       <c:catAx>
-        <c:axId val="6529792"/>
+        <c:axId val="162150000"/>
         <c:scaling>
           <c:orientation val="minMax"/>
         </c:scaling>
@@ -442,7 +443,7 @@
             <a:endParaRPr lang="en-US"/>
           </a:p>
         </c:txPr>
-        <c:crossAx val="6531328"/>
+        <c:crossAx val="4665072"/>
         <c:crosses val="autoZero"/>
         <c:auto val="1"/>
         <c:lblAlgn val="ctr"/>
@@ -452,7 +453,7 @@
         <c:noMultiLvlLbl val="0"/>
       </c:catAx>
       <c:valAx>
-        <c:axId val="6531328"/>
+        <c:axId val="4665072"/>
         <c:scaling>
           <c:orientation val="minMax"/>
           <c:max val="50000"/>
@@ -489,7 +490,7 @@
             <a:endParaRPr lang="en-US"/>
           </a:p>
         </c:txPr>
-        <c:crossAx val="6529792"/>
+        <c:crossAx val="162150000"/>
         <c:crosses val="autoZero"/>
         <c:crossBetween val="between"/>
         <c:majorUnit val="10000"/>
@@ -663,11 +664,11 @@
           <c:showBubbleSize val="0"/>
         </c:dLbls>
         <c:gapWidth val="150"/>
-        <c:axId val="109652992"/>
-        <c:axId val="109679360"/>
+        <c:axId val="4668208"/>
+        <c:axId val="4668600"/>
       </c:barChart>
       <c:catAx>
-        <c:axId val="109652992"/>
+        <c:axId val="4668208"/>
         <c:scaling>
           <c:orientation val="minMax"/>
         </c:scaling>
@@ -702,7 +703,7 @@
             <a:endParaRPr lang="en-US"/>
           </a:p>
         </c:txPr>
-        <c:crossAx val="109679360"/>
+        <c:crossAx val="4668600"/>
         <c:crosses val="autoZero"/>
         <c:auto val="1"/>
         <c:lblAlgn val="ctr"/>
@@ -712,7 +713,7 @@
         <c:noMultiLvlLbl val="0"/>
       </c:catAx>
       <c:valAx>
-        <c:axId val="109679360"/>
+        <c:axId val="4668600"/>
         <c:scaling>
           <c:orientation val="minMax"/>
         </c:scaling>
@@ -787,7 +788,7 @@
             <a:endParaRPr lang="en-US"/>
           </a:p>
         </c:txPr>
-        <c:crossAx val="109652992"/>
+        <c:crossAx val="4668208"/>
         <c:crosses val="autoZero"/>
         <c:crossBetween val="between"/>
       </c:valAx>
@@ -957,11 +958,11 @@
           <c:showBubbleSize val="0"/>
         </c:dLbls>
         <c:gapWidth val="150"/>
-        <c:axId val="126163584"/>
-        <c:axId val="120443264"/>
+        <c:axId val="158511136"/>
+        <c:axId val="161160592"/>
       </c:barChart>
       <c:catAx>
-        <c:axId val="126163584"/>
+        <c:axId val="158511136"/>
         <c:scaling>
           <c:orientation val="minMax"/>
         </c:scaling>
@@ -996,7 +997,7 @@
             <a:endParaRPr lang="en-US"/>
           </a:p>
         </c:txPr>
-        <c:crossAx val="120443264"/>
+        <c:crossAx val="161160592"/>
         <c:crosses val="autoZero"/>
         <c:auto val="1"/>
         <c:lblAlgn val="ctr"/>
@@ -1006,7 +1007,7 @@
         <c:noMultiLvlLbl val="0"/>
       </c:catAx>
       <c:valAx>
-        <c:axId val="120443264"/>
+        <c:axId val="161160592"/>
         <c:scaling>
           <c:orientation val="minMax"/>
         </c:scaling>
@@ -1081,7 +1082,7 @@
             <a:endParaRPr lang="en-US"/>
           </a:p>
         </c:txPr>
-        <c:crossAx val="126163584"/>
+        <c:crossAx val="158511136"/>
         <c:crosses val="autoZero"/>
         <c:crossBetween val="between"/>
       </c:valAx>
@@ -1251,11 +1252,11 @@
           <c:showBubbleSize val="0"/>
         </c:dLbls>
         <c:gapWidth val="150"/>
-        <c:axId val="126025088"/>
-        <c:axId val="126043264"/>
+        <c:axId val="191555600"/>
+        <c:axId val="191555992"/>
       </c:barChart>
       <c:catAx>
-        <c:axId val="126025088"/>
+        <c:axId val="191555600"/>
         <c:scaling>
           <c:orientation val="minMax"/>
         </c:scaling>
@@ -1290,7 +1291,7 @@
             <a:endParaRPr lang="en-US"/>
           </a:p>
         </c:txPr>
-        <c:crossAx val="126043264"/>
+        <c:crossAx val="191555992"/>
         <c:crosses val="autoZero"/>
         <c:auto val="1"/>
         <c:lblAlgn val="ctr"/>
@@ -1300,7 +1301,7 @@
         <c:noMultiLvlLbl val="0"/>
       </c:catAx>
       <c:valAx>
-        <c:axId val="126043264"/>
+        <c:axId val="191555992"/>
         <c:scaling>
           <c:orientation val="minMax"/>
         </c:scaling>
@@ -1375,7 +1376,7 @@
             <a:endParaRPr lang="en-US"/>
           </a:p>
         </c:txPr>
-        <c:crossAx val="126025088"/>
+        <c:crossAx val="191555600"/>
         <c:crosses val="autoZero"/>
         <c:crossBetween val="between"/>
       </c:valAx>
@@ -1545,11 +1546,11 @@
           <c:showBubbleSize val="0"/>
         </c:dLbls>
         <c:gapWidth val="150"/>
-        <c:axId val="126077184"/>
-        <c:axId val="126132224"/>
+        <c:axId val="191556776"/>
+        <c:axId val="191557168"/>
       </c:barChart>
       <c:catAx>
-        <c:axId val="126077184"/>
+        <c:axId val="191556776"/>
         <c:scaling>
           <c:orientation val="minMax"/>
         </c:scaling>
@@ -1584,7 +1585,7 @@
             <a:endParaRPr lang="en-US"/>
           </a:p>
         </c:txPr>
-        <c:crossAx val="126132224"/>
+        <c:crossAx val="191557168"/>
         <c:crosses val="autoZero"/>
         <c:auto val="1"/>
         <c:lblAlgn val="ctr"/>
@@ -1594,7 +1595,7 @@
         <c:noMultiLvlLbl val="0"/>
       </c:catAx>
       <c:valAx>
-        <c:axId val="126132224"/>
+        <c:axId val="191557168"/>
         <c:scaling>
           <c:orientation val="minMax"/>
         </c:scaling>
@@ -1669,7 +1670,7 @@
             <a:endParaRPr lang="en-US"/>
           </a:p>
         </c:txPr>
-        <c:crossAx val="126077184"/>
+        <c:crossAx val="191556776"/>
         <c:crosses val="autoZero"/>
         <c:crossBetween val="between"/>
       </c:valAx>
@@ -1839,11 +1840,11 @@
           <c:showBubbleSize val="0"/>
         </c:dLbls>
         <c:gapWidth val="150"/>
-        <c:axId val="5896064"/>
-        <c:axId val="5897600"/>
+        <c:axId val="191557952"/>
+        <c:axId val="191558344"/>
       </c:barChart>
       <c:catAx>
-        <c:axId val="5896064"/>
+        <c:axId val="191557952"/>
         <c:scaling>
           <c:orientation val="minMax"/>
         </c:scaling>
@@ -1878,7 +1879,7 @@
             <a:endParaRPr lang="en-US"/>
           </a:p>
         </c:txPr>
-        <c:crossAx val="5897600"/>
+        <c:crossAx val="191558344"/>
         <c:crosses val="autoZero"/>
         <c:auto val="1"/>
         <c:lblAlgn val="ctr"/>
@@ -1888,7 +1889,7 @@
         <c:noMultiLvlLbl val="0"/>
       </c:catAx>
       <c:valAx>
-        <c:axId val="5897600"/>
+        <c:axId val="191558344"/>
         <c:scaling>
           <c:orientation val="minMax"/>
         </c:scaling>
@@ -1923,7 +1924,7 @@
             <a:endParaRPr lang="en-US"/>
           </a:p>
         </c:txPr>
-        <c:crossAx val="5896064"/>
+        <c:crossAx val="191557952"/>
         <c:crosses val="autoZero"/>
         <c:crossBetween val="between"/>
       </c:valAx>
@@ -2093,11 +2094,11 @@
           <c:showBubbleSize val="0"/>
         </c:dLbls>
         <c:gapWidth val="150"/>
-        <c:axId val="74999296"/>
-        <c:axId val="75000832"/>
+        <c:axId val="191829248"/>
+        <c:axId val="191829640"/>
       </c:barChart>
       <c:catAx>
-        <c:axId val="74999296"/>
+        <c:axId val="191829248"/>
         <c:scaling>
           <c:orientation val="minMax"/>
         </c:scaling>
@@ -2132,7 +2133,7 @@
             <a:endParaRPr lang="en-US"/>
           </a:p>
         </c:txPr>
-        <c:crossAx val="75000832"/>
+        <c:crossAx val="191829640"/>
         <c:crosses val="autoZero"/>
         <c:auto val="1"/>
         <c:lblAlgn val="ctr"/>
@@ -2142,7 +2143,7 @@
         <c:noMultiLvlLbl val="0"/>
       </c:catAx>
       <c:valAx>
-        <c:axId val="75000832"/>
+        <c:axId val="191829640"/>
         <c:scaling>
           <c:orientation val="minMax"/>
         </c:scaling>
@@ -2216,7 +2217,7 @@
             <a:endParaRPr lang="en-US"/>
           </a:p>
         </c:txPr>
-        <c:crossAx val="74999296"/>
+        <c:crossAx val="191829248"/>
         <c:crosses val="autoZero"/>
         <c:crossBetween val="between"/>
       </c:valAx>
@@ -2386,11 +2387,11 @@
           <c:showBubbleSize val="0"/>
         </c:dLbls>
         <c:gapWidth val="150"/>
-        <c:axId val="6590848"/>
-        <c:axId val="6592384"/>
+        <c:axId val="191830424"/>
+        <c:axId val="191830816"/>
       </c:barChart>
       <c:catAx>
-        <c:axId val="6590848"/>
+        <c:axId val="191830424"/>
         <c:scaling>
           <c:orientation val="minMax"/>
         </c:scaling>
@@ -2425,7 +2426,7 @@
             <a:endParaRPr lang="en-US"/>
           </a:p>
         </c:txPr>
-        <c:crossAx val="6592384"/>
+        <c:crossAx val="191830816"/>
         <c:crosses val="autoZero"/>
         <c:auto val="1"/>
         <c:lblAlgn val="ctr"/>
@@ -2435,7 +2436,7 @@
         <c:noMultiLvlLbl val="0"/>
       </c:catAx>
       <c:valAx>
-        <c:axId val="6592384"/>
+        <c:axId val="191830816"/>
         <c:scaling>
           <c:orientation val="minMax"/>
         </c:scaling>
@@ -2510,7 +2511,7 @@
             <a:endParaRPr lang="en-US"/>
           </a:p>
         </c:txPr>
-        <c:crossAx val="6590848"/>
+        <c:crossAx val="191830424"/>
         <c:crosses val="autoZero"/>
         <c:crossBetween val="between"/>
       </c:valAx>
@@ -2680,11 +2681,11 @@
           <c:showBubbleSize val="0"/>
         </c:dLbls>
         <c:gapWidth val="150"/>
-        <c:axId val="42798464"/>
-        <c:axId val="74937472"/>
+        <c:axId val="191831600"/>
+        <c:axId val="191831992"/>
       </c:barChart>
       <c:catAx>
-        <c:axId val="42798464"/>
+        <c:axId val="191831600"/>
         <c:scaling>
           <c:orientation val="minMax"/>
         </c:scaling>
@@ -2719,7 +2720,7 @@
             <a:endParaRPr lang="en-US"/>
           </a:p>
         </c:txPr>
-        <c:crossAx val="74937472"/>
+        <c:crossAx val="191831992"/>
         <c:crosses val="autoZero"/>
         <c:auto val="1"/>
         <c:lblAlgn val="ctr"/>
@@ -2729,7 +2730,7 @@
         <c:noMultiLvlLbl val="0"/>
       </c:catAx>
       <c:valAx>
-        <c:axId val="74937472"/>
+        <c:axId val="191831992"/>
         <c:scaling>
           <c:orientation val="minMax"/>
         </c:scaling>
@@ -2804,7 +2805,7 @@
             <a:endParaRPr lang="en-US"/>
           </a:p>
         </c:txPr>
-        <c:crossAx val="42798464"/>
+        <c:crossAx val="191831600"/>
         <c:crosses val="autoZero"/>
         <c:crossBetween val="between"/>
       </c:valAx>
@@ -3686,16 +3687,14 @@
         </p:nvSpPr>
         <p:spPr/>
         <p:txBody>
-          <a:bodyPr>
-            <a:normAutofit/>
-          </a:bodyPr>
+          <a:bodyPr/>
           <a:lstStyle/>
           <a:p>
             <a:r>
               <a:rPr lang="en-US" dirty="0" smtClean="0">
                 <a:hlinkClick r:id="rId3"/>
               </a:rPr>
-              <a:t>http://www.nytimes.com/2006/05/16/business/worldbusiness/16cheat.html?sq=russia%20vacuum%20tubes%20amplifier%20guitar&amp;st=cse&amp;scp=1&amp;pagewanted=all</a:t>
+              <a:t>http://www.imf.org/external/pubs/ft/weo/2003/01/pdf/chapter3.pdf</a:t>
             </a:r>
             <a:endParaRPr lang="en-US" dirty="0"/>
           </a:p>
@@ -3724,7 +3723,7 @@
               <a:pPr>
                 <a:defRPr/>
               </a:pPr>
-              <a:t>92</a:t>
+              <a:t>87</a:t>
             </a:fld>
             <a:endParaRPr lang="en-US"/>
           </a:p>
@@ -3733,7 +3732,7 @@
     </p:spTree>
     <p:extLst>
       <p:ext uri="{BB962C8B-B14F-4D97-AF65-F5344CB8AC3E}">
-        <p14:creationId xmlns:p14="http://schemas.microsoft.com/office/powerpoint/2010/main" val="501974159"/>
+        <p14:creationId xmlns:p14="http://schemas.microsoft.com/office/powerpoint/2010/main" val="1341586200"/>
       </p:ext>
     </p:extLst>
   </p:cSld>
@@ -3790,8 +3789,10 @@
           <a:lstStyle/>
           <a:p>
             <a:r>
-              <a:rPr lang="en-US" smtClean="0"/>
-              <a:t>http://www.newrepublic.com/article/118416/what-dhaka-bangladesh-traffic-capital-world-can-teach-us</a:t>
+              <a:rPr lang="en-US" dirty="0" smtClean="0">
+                <a:hlinkClick r:id="rId3"/>
+              </a:rPr>
+              <a:t>http://www.nytimes.com/2006/05/16/business/worldbusiness/16cheat.html?sq=russia%20vacuum%20tubes%20amplifier%20guitar&amp;st=cse&amp;scp=1&amp;pagewanted=all</a:t>
             </a:r>
             <a:endParaRPr lang="en-US" dirty="0"/>
           </a:p>
@@ -3829,7 +3830,7 @@
     </p:spTree>
     <p:extLst>
       <p:ext uri="{BB962C8B-B14F-4D97-AF65-F5344CB8AC3E}">
-        <p14:creationId xmlns:p14="http://schemas.microsoft.com/office/powerpoint/2010/main" val="4091948808"/>
+        <p14:creationId xmlns:p14="http://schemas.microsoft.com/office/powerpoint/2010/main" val="501974159"/>
       </p:ext>
     </p:extLst>
   </p:cSld>
@@ -3886,10 +3887,8 @@
           <a:lstStyle/>
           <a:p>
             <a:r>
-              <a:rPr lang="en-US" smtClean="0">
-                <a:hlinkClick r:id="rId3"/>
-              </a:rPr>
-              <a:t>http://www.nytimes.com/2013/08/09/business/global/russias-stimulus-plan-open-the-gulag-gates.html?pagewanted=all</a:t>
+              <a:rPr lang="en-US" smtClean="0"/>
+              <a:t>http://www.newrepublic.com/article/118416/what-dhaka-bangladesh-traffic-capital-world-can-teach-us</a:t>
             </a:r>
             <a:endParaRPr lang="en-US" dirty="0"/>
           </a:p>
@@ -3927,7 +3926,7 @@
     </p:spTree>
     <p:extLst>
       <p:ext uri="{BB962C8B-B14F-4D97-AF65-F5344CB8AC3E}">
-        <p14:creationId xmlns:p14="http://schemas.microsoft.com/office/powerpoint/2010/main" val="28356519"/>
+        <p14:creationId xmlns:p14="http://schemas.microsoft.com/office/powerpoint/2010/main" val="4091948808"/>
       </p:ext>
     </p:extLst>
   </p:cSld>
@@ -3983,6 +3982,12 @@
           </a:bodyPr>
           <a:lstStyle/>
           <a:p>
+            <a:r>
+              <a:rPr lang="en-US" smtClean="0">
+                <a:hlinkClick r:id="rId3"/>
+              </a:rPr>
+              <a:t>http://www.nytimes.com/2013/08/09/business/global/russias-stimulus-plan-open-the-gulag-gates.html?pagewanted=all</a:t>
+            </a:r>
             <a:endParaRPr lang="en-US" dirty="0"/>
           </a:p>
         </p:txBody>
@@ -4019,7 +4024,7 @@
     </p:spTree>
     <p:extLst>
       <p:ext uri="{BB962C8B-B14F-4D97-AF65-F5344CB8AC3E}">
-        <p14:creationId xmlns:p14="http://schemas.microsoft.com/office/powerpoint/2010/main" val="2270512611"/>
+        <p14:creationId xmlns:p14="http://schemas.microsoft.com/office/powerpoint/2010/main" val="28356519"/>
       </p:ext>
     </p:extLst>
   </p:cSld>
@@ -4203,7 +4208,7 @@
     </p:spTree>
     <p:extLst>
       <p:ext uri="{BB962C8B-B14F-4D97-AF65-F5344CB8AC3E}">
-        <p14:creationId xmlns:p14="http://schemas.microsoft.com/office/powerpoint/2010/main" val="4082291985"/>
+        <p14:creationId xmlns:p14="http://schemas.microsoft.com/office/powerpoint/2010/main" val="2270512611"/>
       </p:ext>
     </p:extLst>
   </p:cSld>
@@ -4286,7 +4291,7 @@
               <a:pPr>
                 <a:defRPr/>
               </a:pPr>
-              <a:t>108</a:t>
+              <a:t>98</a:t>
             </a:fld>
             <a:endParaRPr lang="en-US"/>
           </a:p>
@@ -4295,7 +4300,7 @@
     </p:spTree>
     <p:extLst>
       <p:ext uri="{BB962C8B-B14F-4D97-AF65-F5344CB8AC3E}">
-        <p14:creationId xmlns:p14="http://schemas.microsoft.com/office/powerpoint/2010/main" val="159715101"/>
+        <p14:creationId xmlns:p14="http://schemas.microsoft.com/office/powerpoint/2010/main" val="4082291985"/>
       </p:ext>
     </p:extLst>
   </p:cSld>
@@ -4387,7 +4392,7 @@
     </p:spTree>
     <p:extLst>
       <p:ext uri="{BB962C8B-B14F-4D97-AF65-F5344CB8AC3E}">
-        <p14:creationId xmlns:p14="http://schemas.microsoft.com/office/powerpoint/2010/main" val="1034666255"/>
+        <p14:creationId xmlns:p14="http://schemas.microsoft.com/office/powerpoint/2010/main" val="159715101"/>
       </p:ext>
     </p:extLst>
   </p:cSld>
@@ -4470,7 +4475,7 @@
               <a:pPr>
                 <a:defRPr/>
               </a:pPr>
-              <a:t>111</a:t>
+              <a:t>110</a:t>
             </a:fld>
             <a:endParaRPr lang="en-US"/>
           </a:p>
@@ -4479,7 +4484,7 @@
     </p:spTree>
     <p:extLst>
       <p:ext uri="{BB962C8B-B14F-4D97-AF65-F5344CB8AC3E}">
-        <p14:creationId xmlns:p14="http://schemas.microsoft.com/office/powerpoint/2010/main" val="3066791605"/>
+        <p14:creationId xmlns:p14="http://schemas.microsoft.com/office/powerpoint/2010/main" val="1034666255"/>
       </p:ext>
     </p:extLst>
   </p:cSld>
@@ -4571,7 +4576,7 @@
     </p:spTree>
     <p:extLst>
       <p:ext uri="{BB962C8B-B14F-4D97-AF65-F5344CB8AC3E}">
-        <p14:creationId xmlns:p14="http://schemas.microsoft.com/office/powerpoint/2010/main" val="4159370357"/>
+        <p14:creationId xmlns:p14="http://schemas.microsoft.com/office/powerpoint/2010/main" val="3066791605"/>
       </p:ext>
     </p:extLst>
   </p:cSld>
@@ -4745,7 +4750,7 @@
               <a:pPr>
                 <a:defRPr/>
               </a:pPr>
-              <a:t>114</a:t>
+              <a:t>113</a:t>
             </a:fld>
             <a:endParaRPr lang="en-US"/>
           </a:p>
@@ -4754,7 +4759,7 @@
     </p:spTree>
     <p:extLst>
       <p:ext uri="{BB962C8B-B14F-4D97-AF65-F5344CB8AC3E}">
-        <p14:creationId xmlns:p14="http://schemas.microsoft.com/office/powerpoint/2010/main" val="1952707646"/>
+        <p14:creationId xmlns:p14="http://schemas.microsoft.com/office/powerpoint/2010/main" val="4159370357"/>
       </p:ext>
     </p:extLst>
   </p:cSld>
@@ -4846,7 +4851,7 @@
     </p:spTree>
     <p:extLst>
       <p:ext uri="{BB962C8B-B14F-4D97-AF65-F5344CB8AC3E}">
-        <p14:creationId xmlns:p14="http://schemas.microsoft.com/office/powerpoint/2010/main" val="895363958"/>
+        <p14:creationId xmlns:p14="http://schemas.microsoft.com/office/powerpoint/2010/main" val="1952707646"/>
       </p:ext>
     </p:extLst>
   </p:cSld>
@@ -4929,7 +4934,7 @@
               <a:pPr>
                 <a:defRPr/>
               </a:pPr>
-              <a:t>117</a:t>
+              <a:t>116</a:t>
             </a:fld>
             <a:endParaRPr lang="en-US"/>
           </a:p>
@@ -4938,7 +4943,7 @@
     </p:spTree>
     <p:extLst>
       <p:ext uri="{BB962C8B-B14F-4D97-AF65-F5344CB8AC3E}">
-        <p14:creationId xmlns:p14="http://schemas.microsoft.com/office/powerpoint/2010/main" val="4069309428"/>
+        <p14:creationId xmlns:p14="http://schemas.microsoft.com/office/powerpoint/2010/main" val="895363958"/>
       </p:ext>
     </p:extLst>
   </p:cSld>
@@ -5030,7 +5035,7 @@
     </p:spTree>
     <p:extLst>
       <p:ext uri="{BB962C8B-B14F-4D97-AF65-F5344CB8AC3E}">
-        <p14:creationId xmlns:p14="http://schemas.microsoft.com/office/powerpoint/2010/main" val="239449001"/>
+        <p14:creationId xmlns:p14="http://schemas.microsoft.com/office/powerpoint/2010/main" val="4069309428"/>
       </p:ext>
     </p:extLst>
   </p:cSld>
@@ -5114,6 +5119,98 @@
                 <a:defRPr/>
               </a:pPr>
               <a:t>119</a:t>
+            </a:fld>
+            <a:endParaRPr lang="en-US"/>
+          </a:p>
+        </p:txBody>
+      </p:sp>
+    </p:spTree>
+    <p:extLst>
+      <p:ext uri="{BB962C8B-B14F-4D97-AF65-F5344CB8AC3E}">
+        <p14:creationId xmlns:p14="http://schemas.microsoft.com/office/powerpoint/2010/main" val="239449001"/>
+      </p:ext>
+    </p:extLst>
+  </p:cSld>
+  <p:clrMapOvr>
+    <a:masterClrMapping/>
+  </p:clrMapOvr>
+</p:notes>
+</file>
+
+<file path=ppt/notesSlides/notesSlide25.xml><?xml version="1.0" encoding="utf-8"?>
+<p:notes xmlns:a="http://schemas.openxmlformats.org/drawingml/2006/main" xmlns:r="http://schemas.openxmlformats.org/officeDocument/2006/relationships" xmlns:p="http://schemas.openxmlformats.org/presentationml/2006/main">
+  <p:cSld>
+    <p:spTree>
+      <p:nvGrpSpPr>
+        <p:cNvPr id="1" name=""/>
+        <p:cNvGrpSpPr/>
+        <p:nvPr/>
+      </p:nvGrpSpPr>
+      <p:grpSpPr>
+        <a:xfrm>
+          <a:off x="0" y="0"/>
+          <a:ext cx="0" cy="0"/>
+          <a:chOff x="0" y="0"/>
+          <a:chExt cx="0" cy="0"/>
+        </a:xfrm>
+      </p:grpSpPr>
+      <p:sp>
+        <p:nvSpPr>
+          <p:cNvPr id="2" name="Slide Image Placeholder 1"/>
+          <p:cNvSpPr>
+            <a:spLocks noGrp="1" noRot="1" noChangeAspect="1"/>
+          </p:cNvSpPr>
+          <p:nvPr>
+            <p:ph type="sldImg"/>
+          </p:nvPr>
+        </p:nvSpPr>
+        <p:spPr/>
+      </p:sp>
+      <p:sp>
+        <p:nvSpPr>
+          <p:cNvPr id="3" name="Notes Placeholder 2"/>
+          <p:cNvSpPr>
+            <a:spLocks noGrp="1"/>
+          </p:cNvSpPr>
+          <p:nvPr>
+            <p:ph type="body" idx="1"/>
+          </p:nvPr>
+        </p:nvSpPr>
+        <p:spPr/>
+        <p:txBody>
+          <a:bodyPr>
+            <a:normAutofit/>
+          </a:bodyPr>
+          <a:lstStyle/>
+          <a:p>
+            <a:endParaRPr lang="en-US" dirty="0"/>
+          </a:p>
+        </p:txBody>
+      </p:sp>
+      <p:sp>
+        <p:nvSpPr>
+          <p:cNvPr id="4" name="Slide Number Placeholder 3"/>
+          <p:cNvSpPr>
+            <a:spLocks noGrp="1"/>
+          </p:cNvSpPr>
+          <p:nvPr>
+            <p:ph type="sldNum" sz="quarter" idx="10"/>
+          </p:nvPr>
+        </p:nvSpPr>
+        <p:spPr/>
+        <p:txBody>
+          <a:bodyPr/>
+          <a:lstStyle/>
+          <a:p>
+            <a:pPr>
+              <a:defRPr/>
+            </a:pPr>
+            <a:fld id="{1B8DA0F0-2D7C-4768-BE71-DA5D843E5F33}" type="slidenum">
+              <a:rPr lang="en-US" smtClean="0"/>
+              <a:pPr>
+                <a:defRPr/>
+              </a:pPr>
+              <a:t>120</a:t>
             </a:fld>
             <a:endParaRPr lang="en-US"/>
           </a:p>
@@ -5449,11 +5546,13 @@
         </p:nvSpPr>
         <p:spPr/>
         <p:txBody>
-          <a:bodyPr>
-            <a:normAutofit/>
-          </a:bodyPr>
+          <a:bodyPr/>
           <a:lstStyle/>
           <a:p>
+            <a:r>
+              <a:rPr lang="en-US" dirty="0" smtClean="0"/>
+              <a:t>http://conversableeconomist.blogspot.com/2014/08/the-enigma-of-russias-economy.html</a:t>
+            </a:r>
             <a:endParaRPr lang="en-US" dirty="0"/>
           </a:p>
         </p:txBody>
@@ -5481,7 +5580,7 @@
               <a:pPr>
                 <a:defRPr/>
               </a:pPr>
-              <a:t>71</a:t>
+              <a:t>68</a:t>
             </a:fld>
             <a:endParaRPr lang="en-US"/>
           </a:p>
@@ -5490,7 +5589,7 @@
     </p:spTree>
     <p:extLst>
       <p:ext uri="{BB962C8B-B14F-4D97-AF65-F5344CB8AC3E}">
-        <p14:creationId xmlns:p14="http://schemas.microsoft.com/office/powerpoint/2010/main" val="1462670196"/>
+        <p14:creationId xmlns:p14="http://schemas.microsoft.com/office/powerpoint/2010/main" val="878997721"/>
       </p:ext>
     </p:extLst>
   </p:cSld>
@@ -5541,15 +5640,11 @@
         </p:nvSpPr>
         <p:spPr/>
         <p:txBody>
-          <a:bodyPr/>
+          <a:bodyPr>
+            <a:normAutofit/>
+          </a:bodyPr>
           <a:lstStyle/>
           <a:p>
-            <a:r>
-              <a:rPr lang="en-US" dirty="0" smtClean="0">
-                <a:hlinkClick r:id="rId3"/>
-              </a:rPr>
-              <a:t>http://www.imf.org/external/pubs/ft/weo/2003/01/pdf/chapter3.pdf</a:t>
-            </a:r>
             <a:endParaRPr lang="en-US" dirty="0"/>
           </a:p>
         </p:txBody>
@@ -5577,7 +5672,7 @@
               <a:pPr>
                 <a:defRPr/>
               </a:pPr>
-              <a:t>84</a:t>
+              <a:t>72</a:t>
             </a:fld>
             <a:endParaRPr lang="en-US"/>
           </a:p>
@@ -5586,7 +5681,7 @@
     </p:spTree>
     <p:extLst>
       <p:ext uri="{BB962C8B-B14F-4D97-AF65-F5344CB8AC3E}">
-        <p14:creationId xmlns:p14="http://schemas.microsoft.com/office/powerpoint/2010/main" val="1341586200"/>
+        <p14:creationId xmlns:p14="http://schemas.microsoft.com/office/powerpoint/2010/main" val="1462670196"/>
       </p:ext>
     </p:extLst>
   </p:cSld>
@@ -10530,7 +10625,7 @@
         <p:spPr>
           <a:xfrm>
             <a:off x="457200" y="1600200"/>
-            <a:ext cx="7772400" cy="4525963"/>
+            <a:ext cx="7543800" cy="4525963"/>
           </a:xfrm>
         </p:spPr>
         <p:txBody>
@@ -10544,43 +10639,50 @@
             </a:pPr>
             <a:r>
               <a:rPr lang="en-US" sz="2400" dirty="0" smtClean="0"/>
-              <a:t>Bill Lewis, McKinsey, </a:t>
-            </a:r>
-            <a:r>
-              <a:rPr lang="en-US" sz="2400" i="1" dirty="0" smtClean="0"/>
-              <a:t>The Power of Productivity</a:t>
-            </a:r>
-            <a:r>
-              <a:rPr lang="en-US" sz="2400" dirty="0" smtClean="0"/>
-              <a:t> </a:t>
+              <a:t>Tesla Motors</a:t>
             </a:r>
           </a:p>
           <a:p>
             <a:pPr lvl="1" eaLnBrk="1" hangingPunct="1">
+              <a:lnSpc>
+                <a:spcPct val="90000"/>
+              </a:lnSpc>
               <a:spcBef>
                 <a:spcPct val="50000"/>
               </a:spcBef>
             </a:pPr>
             <a:r>
+              <a:rPr lang="en-US" sz="2000" dirty="0"/>
+              <a:t>Tesla Motors sells high-end electric cars direct to the consumer. But North Carolina’s car dealers have proposed a law prohibiting sales except through </a:t>
+            </a:r>
+            <a:r>
               <a:rPr lang="en-US" sz="2000" dirty="0" smtClean="0"/>
-              <a:t>The Japan we see the small farmer, the small shopkeeper, and the small milk plant.  But small isn’t beautiful, it’s inefficient and unproductive.  A string of land restrictions,  tax policies, loan subsidies, and regulations prop up the small while stifling the enterprising and efficient.  As a result, </a:t>
-            </a:r>
-            <a:r>
-              <a:rPr lang="en-US" sz="2000" b="1" dirty="0" smtClean="0"/>
-              <a:t>Japan is 40% more productive than the US in autos but 50% less productive in retail</a:t>
+              <a:t>car </a:t>
+            </a:r>
+            <a:r>
+              <a:rPr lang="en-US" sz="2000" dirty="0"/>
+              <a:t>dealers. </a:t>
             </a:r>
             <a:r>
               <a:rPr lang="en-US" sz="2000" dirty="0" smtClean="0"/>
-              <a:t>.  </a:t>
-            </a:r>
-          </a:p>
-          <a:p>
-            <a:pPr lvl="1" eaLnBrk="1" hangingPunct="1">
-              <a:spcBef>
-                <a:spcPct val="50000"/>
-              </a:spcBef>
-            </a:pPr>
-            <a:endParaRPr lang="en-US" sz="2000" dirty="0" smtClean="0"/>
+              <a:t>Robert </a:t>
+            </a:r>
+            <a:r>
+              <a:rPr lang="en-US" sz="2000" dirty="0"/>
+              <a:t>Glaser, president of the N.C. Automobile Dealers Association, </a:t>
+            </a:r>
+            <a:r>
+              <a:rPr lang="en-US" sz="2000" dirty="0" smtClean="0"/>
+              <a:t>comments:  “</a:t>
+            </a:r>
+            <a:r>
+              <a:rPr lang="en-US" sz="2000" dirty="0"/>
+              <a:t>The whole point of the system is to protect the consumer</a:t>
+            </a:r>
+            <a:r>
+              <a:rPr lang="en-US" sz="2000" dirty="0" smtClean="0"/>
+              <a:t>.”</a:t>
+            </a:r>
           </a:p>
         </p:txBody>
       </p:sp>
@@ -10614,6 +10716,11 @@
         </p:txBody>
       </p:sp>
     </p:spTree>
+    <p:extLst>
+      <p:ext uri="{BB962C8B-B14F-4D97-AF65-F5344CB8AC3E}">
+        <p14:creationId xmlns:p14="http://schemas.microsoft.com/office/powerpoint/2010/main" val="2337787305"/>
+      </p:ext>
+    </p:extLst>
   </p:cSld>
   <p:clrMapOvr>
     <a:masterClrMapping/>
@@ -10694,14 +10801,17 @@
               </a:spcBef>
             </a:pPr>
             <a:r>
-              <a:rPr lang="en-US" sz="2400" i="1" smtClean="0"/>
-              <a:t>??y</a:t>
-            </a:r>
-            <a:r>
-              <a:rPr lang="en-US" sz="2400" smtClean="0"/>
+              <a:rPr lang="en-US" sz="2400" dirty="0" smtClean="0"/>
+              <a:t>Bill Lewis, McKinsey, </a:t>
+            </a:r>
+            <a:r>
+              <a:rPr lang="en-US" sz="2400" i="1" dirty="0" smtClean="0"/>
+              <a:t>The Power of Productivity</a:t>
+            </a:r>
+            <a:r>
+              <a:rPr lang="en-US" sz="2400" dirty="0" smtClean="0"/>
               <a:t> </a:t>
             </a:r>
-            <a:endParaRPr lang="en-US" sz="2400" dirty="0" smtClean="0"/>
           </a:p>
           <a:p>
             <a:pPr lvl="1" eaLnBrk="1" hangingPunct="1">
@@ -10710,26 +10820,16 @@
               </a:spcBef>
             </a:pPr>
             <a:r>
-              <a:rPr lang="en-US" sz="2000" dirty="0" smtClean="0">
-                <a:hlinkClick r:id="rId2"/>
-              </a:rPr>
-              <a:t>http</a:t>
-            </a:r>
-            <a:r>
-              <a:rPr lang="en-US" sz="2000" dirty="0">
-                <a:hlinkClick r:id="rId2"/>
-              </a:rPr>
-              <a:t>://nyusterneconomics.wordpress.com/2014/06/06/competition-for-internet-access</a:t>
-            </a:r>
-            <a:r>
-              <a:rPr lang="en-US" sz="2000" dirty="0" smtClean="0">
-                <a:hlinkClick r:id="rId2"/>
-              </a:rPr>
-              <a:t>/</a:t>
-            </a:r>
-            <a:r>
               <a:rPr lang="en-US" sz="2000" dirty="0" smtClean="0"/>
-              <a:t> .  </a:t>
+              <a:t>The Japan we see the small farmer, the small shopkeeper, and the small milk plant.  But small isn’t beautiful, it’s inefficient and unproductive.  A string of land restrictions,  tax policies, loan subsidies, and regulations prop up the small while stifling the enterprising and efficient.  As a result, </a:t>
+            </a:r>
+            <a:r>
+              <a:rPr lang="en-US" sz="2000" b="1" dirty="0" smtClean="0"/>
+              <a:t>Japan is 40% more productive than the US in autos but 50% less productive in retail</a:t>
+            </a:r>
+            <a:r>
+              <a:rPr lang="en-US" sz="2000" dirty="0" smtClean="0"/>
+              <a:t>.  </a:t>
             </a:r>
           </a:p>
           <a:p>
@@ -10772,11 +10872,6 @@
         </p:txBody>
       </p:sp>
     </p:spTree>
-    <p:extLst>
-      <p:ext uri="{BB962C8B-B14F-4D97-AF65-F5344CB8AC3E}">
-        <p14:creationId xmlns:p14="http://schemas.microsoft.com/office/powerpoint/2010/main" val="1247547445"/>
-      </p:ext>
-    </p:extLst>
   </p:cSld>
   <p:clrMapOvr>
     <a:masterClrMapping/>
@@ -10810,7 +10905,7 @@
       </p:grpSpPr>
       <p:sp>
         <p:nvSpPr>
-          <p:cNvPr id="7170" name="Rectangle 2"/>
+          <p:cNvPr id="52226" name="Rectangle 2"/>
           <p:cNvSpPr>
             <a:spLocks noGrp="1" noChangeArrowheads="1"/>
           </p:cNvSpPr>
@@ -10826,8 +10921,82 @@
             <a:pPr algn="l" eaLnBrk="1" hangingPunct="1"/>
             <a:r>
               <a:rPr lang="en-US" dirty="0" smtClean="0"/>
-              <a:t>What happened in Japan?</a:t>
-            </a:r>
+              <a:t>What is this? </a:t>
+            </a:r>
+          </a:p>
+        </p:txBody>
+      </p:sp>
+      <p:sp>
+        <p:nvSpPr>
+          <p:cNvPr id="52227" name="Rectangle 3"/>
+          <p:cNvSpPr>
+            <a:spLocks noGrp="1" noChangeArrowheads="1"/>
+          </p:cNvSpPr>
+          <p:nvPr>
+            <p:ph type="body" idx="1"/>
+          </p:nvPr>
+        </p:nvSpPr>
+        <p:spPr>
+          <a:xfrm>
+            <a:off x="457200" y="1600200"/>
+            <a:ext cx="7772400" cy="4525963"/>
+          </a:xfrm>
+        </p:spPr>
+        <p:txBody>
+          <a:bodyPr/>
+          <a:lstStyle/>
+          <a:p>
+            <a:pPr eaLnBrk="1" hangingPunct="1">
+              <a:spcBef>
+                <a:spcPct val="50000"/>
+              </a:spcBef>
+            </a:pPr>
+            <a:r>
+              <a:rPr lang="en-US" sz="2400" i="1" smtClean="0"/>
+              <a:t>??y</a:t>
+            </a:r>
+            <a:r>
+              <a:rPr lang="en-US" sz="2400" smtClean="0"/>
+              <a:t> </a:t>
+            </a:r>
+            <a:endParaRPr lang="en-US" sz="2400" dirty="0" smtClean="0"/>
+          </a:p>
+          <a:p>
+            <a:pPr lvl="1" eaLnBrk="1" hangingPunct="1">
+              <a:spcBef>
+                <a:spcPct val="50000"/>
+              </a:spcBef>
+            </a:pPr>
+            <a:r>
+              <a:rPr lang="en-US" sz="2000" dirty="0" smtClean="0">
+                <a:hlinkClick r:id="rId2"/>
+              </a:rPr>
+              <a:t>http</a:t>
+            </a:r>
+            <a:r>
+              <a:rPr lang="en-US" sz="2000" dirty="0">
+                <a:hlinkClick r:id="rId2"/>
+              </a:rPr>
+              <a:t>://nyusterneconomics.wordpress.com/2014/06/06/competition-for-internet-access</a:t>
+            </a:r>
+            <a:r>
+              <a:rPr lang="en-US" sz="2000" dirty="0" smtClean="0">
+                <a:hlinkClick r:id="rId2"/>
+              </a:rPr>
+              <a:t>/</a:t>
+            </a:r>
+            <a:r>
+              <a:rPr lang="en-US" sz="2000" dirty="0" smtClean="0"/>
+              <a:t> .  </a:t>
+            </a:r>
+          </a:p>
+          <a:p>
+            <a:pPr lvl="1" eaLnBrk="1" hangingPunct="1">
+              <a:spcBef>
+                <a:spcPct val="50000"/>
+              </a:spcBef>
+            </a:pPr>
+            <a:endParaRPr lang="en-US" sz="2000" dirty="0" smtClean="0"/>
           </a:p>
         </p:txBody>
       </p:sp>
@@ -10855,6 +11024,95 @@
                 <a:defRPr/>
               </a:pPr>
               <a:t>102</a:t>
+            </a:fld>
+            <a:endParaRPr lang="en-US"/>
+          </a:p>
+        </p:txBody>
+      </p:sp>
+    </p:spTree>
+    <p:extLst>
+      <p:ext uri="{BB962C8B-B14F-4D97-AF65-F5344CB8AC3E}">
+        <p14:creationId xmlns:p14="http://schemas.microsoft.com/office/powerpoint/2010/main" val="1247547445"/>
+      </p:ext>
+    </p:extLst>
+  </p:cSld>
+  <p:clrMapOvr>
+    <a:masterClrMapping/>
+  </p:clrMapOvr>
+  <p:timing>
+    <p:tnLst>
+      <p:par>
+        <p:cTn id="1" dur="indefinite" restart="never" nodeType="tmRoot"/>
+      </p:par>
+    </p:tnLst>
+  </p:timing>
+</p:sld>
+</file>
+
+<file path=ppt/slides/slide103.xml><?xml version="1.0" encoding="utf-8"?>
+<p:sld xmlns:a="http://schemas.openxmlformats.org/drawingml/2006/main" xmlns:r="http://schemas.openxmlformats.org/officeDocument/2006/relationships" xmlns:p="http://schemas.openxmlformats.org/presentationml/2006/main">
+  <p:cSld>
+    <p:spTree>
+      <p:nvGrpSpPr>
+        <p:cNvPr id="1" name=""/>
+        <p:cNvGrpSpPr/>
+        <p:nvPr/>
+      </p:nvGrpSpPr>
+      <p:grpSpPr>
+        <a:xfrm>
+          <a:off x="0" y="0"/>
+          <a:ext cx="0" cy="0"/>
+          <a:chOff x="0" y="0"/>
+          <a:chExt cx="0" cy="0"/>
+        </a:xfrm>
+      </p:grpSpPr>
+      <p:sp>
+        <p:nvSpPr>
+          <p:cNvPr id="7170" name="Rectangle 2"/>
+          <p:cNvSpPr>
+            <a:spLocks noGrp="1" noChangeArrowheads="1"/>
+          </p:cNvSpPr>
+          <p:nvPr>
+            <p:ph type="title"/>
+          </p:nvPr>
+        </p:nvSpPr>
+        <p:spPr/>
+        <p:txBody>
+          <a:bodyPr/>
+          <a:lstStyle/>
+          <a:p>
+            <a:pPr algn="l" eaLnBrk="1" hangingPunct="1"/>
+            <a:r>
+              <a:rPr lang="en-US" dirty="0" smtClean="0"/>
+              <a:t>What happened in Japan?</a:t>
+            </a:r>
+          </a:p>
+        </p:txBody>
+      </p:sp>
+      <p:sp>
+        <p:nvSpPr>
+          <p:cNvPr id="4" name="Slide Number Placeholder 3"/>
+          <p:cNvSpPr>
+            <a:spLocks noGrp="1"/>
+          </p:cNvSpPr>
+          <p:nvPr>
+            <p:ph type="sldNum" sz="quarter" idx="12"/>
+          </p:nvPr>
+        </p:nvSpPr>
+        <p:spPr/>
+        <p:txBody>
+          <a:bodyPr/>
+          <a:lstStyle/>
+          <a:p>
+            <a:pPr>
+              <a:defRPr/>
+            </a:pPr>
+            <a:fld id="{3806B3E2-D54F-4659-9127-650ECDAEBC50}" type="slidenum">
+              <a:rPr lang="en-US" smtClean="0"/>
+              <a:pPr>
+                <a:defRPr/>
+              </a:pPr>
+              <a:t>103</a:t>
             </a:fld>
             <a:endParaRPr lang="en-US"/>
           </a:p>
@@ -10907,167 +11165,6 @@
 </p:sld>
 </file>
 
-<file path=ppt/slides/slide103.xml><?xml version="1.0" encoding="utf-8"?>
-<p:sld xmlns:a="http://schemas.openxmlformats.org/drawingml/2006/main" xmlns:r="http://schemas.openxmlformats.org/officeDocument/2006/relationships" xmlns:p="http://schemas.openxmlformats.org/presentationml/2006/main">
-  <p:cSld>
-    <p:spTree>
-      <p:nvGrpSpPr>
-        <p:cNvPr id="1" name=""/>
-        <p:cNvGrpSpPr/>
-        <p:nvPr/>
-      </p:nvGrpSpPr>
-      <p:grpSpPr>
-        <a:xfrm>
-          <a:off x="0" y="0"/>
-          <a:ext cx="0" cy="0"/>
-          <a:chOff x="0" y="0"/>
-          <a:chExt cx="0" cy="0"/>
-        </a:xfrm>
-      </p:grpSpPr>
-      <p:sp>
-        <p:nvSpPr>
-          <p:cNvPr id="52226" name="Rectangle 2"/>
-          <p:cNvSpPr>
-            <a:spLocks noGrp="1" noChangeArrowheads="1"/>
-          </p:cNvSpPr>
-          <p:nvPr>
-            <p:ph type="title"/>
-          </p:nvPr>
-        </p:nvSpPr>
-        <p:spPr/>
-        <p:txBody>
-          <a:bodyPr/>
-          <a:lstStyle/>
-          <a:p>
-            <a:pPr algn="l" eaLnBrk="1" hangingPunct="1"/>
-            <a:r>
-              <a:rPr lang="en-US" dirty="0" smtClean="0"/>
-              <a:t>What is this?</a:t>
-            </a:r>
-          </a:p>
-        </p:txBody>
-      </p:sp>
-      <p:sp>
-        <p:nvSpPr>
-          <p:cNvPr id="52227" name="Rectangle 3"/>
-          <p:cNvSpPr>
-            <a:spLocks noGrp="1" noChangeArrowheads="1"/>
-          </p:cNvSpPr>
-          <p:nvPr>
-            <p:ph type="body" idx="1"/>
-          </p:nvPr>
-        </p:nvSpPr>
-        <p:spPr>
-          <a:xfrm>
-            <a:off x="457200" y="1600200"/>
-            <a:ext cx="7772400" cy="4525963"/>
-          </a:xfrm>
-        </p:spPr>
-        <p:txBody>
-          <a:bodyPr/>
-          <a:lstStyle/>
-          <a:p>
-            <a:pPr eaLnBrk="1" hangingPunct="1">
-              <a:spcBef>
-                <a:spcPts val="1200"/>
-              </a:spcBef>
-            </a:pPr>
-            <a:r>
-              <a:rPr lang="en-US" sz="2400" dirty="0" smtClean="0"/>
-              <a:t>World Economic Forum on Mexico</a:t>
-            </a:r>
-          </a:p>
-          <a:p>
-            <a:pPr lvl="1">
-              <a:spcBef>
-                <a:spcPts val="1200"/>
-              </a:spcBef>
-            </a:pPr>
-            <a:r>
-              <a:rPr lang="en-US" sz="2000" dirty="0" smtClean="0"/>
-              <a:t>There is a </a:t>
-            </a:r>
-            <a:r>
-              <a:rPr lang="en-US" sz="2000" b="1" dirty="0" smtClean="0"/>
-              <a:t>lack of competition in </a:t>
-            </a:r>
-            <a:r>
-              <a:rPr lang="en-US" sz="2000" b="1" dirty="0"/>
-              <a:t>some key strategic </a:t>
-            </a:r>
-            <a:r>
-              <a:rPr lang="en-US" sz="2000" b="1" dirty="0" smtClean="0"/>
-              <a:t>sectors</a:t>
-            </a:r>
-            <a:r>
-              <a:rPr lang="en-US" sz="2000" dirty="0" smtClean="0"/>
-              <a:t>, which spills </a:t>
-            </a:r>
-            <a:r>
-              <a:rPr lang="en-US" sz="2000" dirty="0"/>
-              <a:t>over into most sectors of the economy. </a:t>
-            </a:r>
-            <a:r>
-              <a:rPr lang="en-US" sz="2000" dirty="0" smtClean="0"/>
-              <a:t>  </a:t>
-            </a:r>
-            <a:r>
-              <a:rPr lang="en-US" sz="2000" dirty="0"/>
-              <a:t> </a:t>
-            </a:r>
-            <a:endParaRPr lang="en-US" sz="2000" dirty="0" smtClean="0"/>
-          </a:p>
-        </p:txBody>
-      </p:sp>
-      <p:sp>
-        <p:nvSpPr>
-          <p:cNvPr id="4" name="Slide Number Placeholder 3"/>
-          <p:cNvSpPr>
-            <a:spLocks noGrp="1"/>
-          </p:cNvSpPr>
-          <p:nvPr>
-            <p:ph type="sldNum" sz="quarter" idx="12"/>
-          </p:nvPr>
-        </p:nvSpPr>
-        <p:spPr/>
-        <p:txBody>
-          <a:bodyPr/>
-          <a:lstStyle/>
-          <a:p>
-            <a:pPr>
-              <a:defRPr/>
-            </a:pPr>
-            <a:fld id="{3806B3E2-D54F-4659-9127-650ECDAEBC50}" type="slidenum">
-              <a:rPr lang="en-US" smtClean="0"/>
-              <a:pPr>
-                <a:defRPr/>
-              </a:pPr>
-              <a:t>103</a:t>
-            </a:fld>
-            <a:endParaRPr lang="en-US"/>
-          </a:p>
-        </p:txBody>
-      </p:sp>
-    </p:spTree>
-    <p:extLst>
-      <p:ext uri="{BB962C8B-B14F-4D97-AF65-F5344CB8AC3E}">
-        <p14:creationId xmlns:p14="http://schemas.microsoft.com/office/powerpoint/2010/main" val="3446157485"/>
-      </p:ext>
-    </p:extLst>
-  </p:cSld>
-  <p:clrMapOvr>
-    <a:masterClrMapping/>
-  </p:clrMapOvr>
-  <p:timing>
-    <p:tnLst>
-      <p:par>
-        <p:cTn id="1" dur="indefinite" restart="never" nodeType="tmRoot"/>
-      </p:par>
-    </p:tnLst>
-  </p:timing>
-</p:sld>
-</file>
-
 <file path=ppt/slides/slide104.xml><?xml version="1.0" encoding="utf-8"?>
 <p:sld xmlns:a="http://schemas.openxmlformats.org/drawingml/2006/main" xmlns:r="http://schemas.openxmlformats.org/officeDocument/2006/relationships" xmlns:p="http://schemas.openxmlformats.org/presentationml/2006/main">
   <p:cSld>
@@ -11121,7 +11218,7 @@
         <p:spPr>
           <a:xfrm>
             <a:off x="457200" y="1600200"/>
-            <a:ext cx="7924800" cy="4525963"/>
+            <a:ext cx="7772400" cy="4525963"/>
           </a:xfrm>
         </p:spPr>
         <p:txBody>
@@ -11135,7 +11232,7 @@
             </a:pPr>
             <a:r>
               <a:rPr lang="en-US" sz="2400" dirty="0" smtClean="0"/>
-              <a:t>“Oil reform in Mexico,” FT, Feb 26, 2013 </a:t>
+              <a:t>World Economic Forum on Mexico</a:t>
             </a:r>
           </a:p>
           <a:p>
@@ -11146,16 +11243,37 @@
             </a:pPr>
             <a:r>
               <a:rPr lang="en-US" sz="2000" dirty="0" smtClean="0"/>
-              <a:t>Legislators are expected to pass President Ernesto Pena Nieto’s landmark energy reform, which would allow foreign investment in the state oil company </a:t>
-            </a:r>
-            <a:r>
-              <a:rPr lang="en-US" sz="2000" dirty="0" err="1" smtClean="0"/>
-              <a:t>Pemex</a:t>
+              <a:t>There is a </a:t>
+            </a:r>
+            <a:r>
+              <a:rPr lang="en-US" sz="2000" b="1" dirty="0" smtClean="0"/>
+              <a:t>lack of competition in </a:t>
+            </a:r>
+            <a:r>
+              <a:rPr lang="en-US" sz="2000" b="1" dirty="0"/>
+              <a:t>some key strategic </a:t>
+            </a:r>
+            <a:r>
+              <a:rPr lang="en-US" sz="2000" b="1" dirty="0" smtClean="0"/>
+              <a:t>sectors</a:t>
             </a:r>
             <a:r>
               <a:rPr lang="en-US" sz="2000" dirty="0" smtClean="0"/>
-              <a:t>.  Analysts expect this to lead to foreign investment in the tens of billions of USD.  </a:t>
-            </a:r>
+              <a:t>, which spills </a:t>
+            </a:r>
+            <a:r>
+              <a:rPr lang="en-US" sz="2000" dirty="0"/>
+              <a:t>over into most sectors of the economy. </a:t>
+            </a:r>
+            <a:r>
+              <a:rPr lang="en-US" sz="2000" dirty="0" smtClean="0"/>
+              <a:t>  </a:t>
+            </a:r>
+            <a:r>
+              <a:rPr lang="en-US" sz="2000" dirty="0"/>
+              <a:t> </a:t>
+            </a:r>
+            <a:endParaRPr lang="en-US" sz="2000" dirty="0" smtClean="0"/>
           </a:p>
         </p:txBody>
       </p:sp>
@@ -11243,6 +11361,146 @@
             <a:pPr algn="l" eaLnBrk="1" hangingPunct="1"/>
             <a:r>
               <a:rPr lang="en-US" dirty="0" smtClean="0"/>
+              <a:t>What is this?</a:t>
+            </a:r>
+          </a:p>
+        </p:txBody>
+      </p:sp>
+      <p:sp>
+        <p:nvSpPr>
+          <p:cNvPr id="52227" name="Rectangle 3"/>
+          <p:cNvSpPr>
+            <a:spLocks noGrp="1" noChangeArrowheads="1"/>
+          </p:cNvSpPr>
+          <p:nvPr>
+            <p:ph type="body" idx="1"/>
+          </p:nvPr>
+        </p:nvSpPr>
+        <p:spPr>
+          <a:xfrm>
+            <a:off x="457200" y="1600200"/>
+            <a:ext cx="7924800" cy="4525963"/>
+          </a:xfrm>
+        </p:spPr>
+        <p:txBody>
+          <a:bodyPr/>
+          <a:lstStyle/>
+          <a:p>
+            <a:pPr eaLnBrk="1" hangingPunct="1">
+              <a:spcBef>
+                <a:spcPts val="1200"/>
+              </a:spcBef>
+            </a:pPr>
+            <a:r>
+              <a:rPr lang="en-US" sz="2400" dirty="0" smtClean="0"/>
+              <a:t>“Oil reform in Mexico,” FT, Feb 26, 2013 </a:t>
+            </a:r>
+          </a:p>
+          <a:p>
+            <a:pPr lvl="1">
+              <a:spcBef>
+                <a:spcPts val="1200"/>
+              </a:spcBef>
+            </a:pPr>
+            <a:r>
+              <a:rPr lang="en-US" sz="2000" dirty="0" smtClean="0"/>
+              <a:t>Legislators are expected to pass President Ernesto Pena Nieto’s landmark energy reform, which would allow foreign investment in the state oil company </a:t>
+            </a:r>
+            <a:r>
+              <a:rPr lang="en-US" sz="2000" dirty="0" err="1" smtClean="0"/>
+              <a:t>Pemex</a:t>
+            </a:r>
+            <a:r>
+              <a:rPr lang="en-US" sz="2000" dirty="0" smtClean="0"/>
+              <a:t>.  Analysts expect this to lead to foreign investment in the tens of billions of USD.  </a:t>
+            </a:r>
+          </a:p>
+        </p:txBody>
+      </p:sp>
+      <p:sp>
+        <p:nvSpPr>
+          <p:cNvPr id="4" name="Slide Number Placeholder 3"/>
+          <p:cNvSpPr>
+            <a:spLocks noGrp="1"/>
+          </p:cNvSpPr>
+          <p:nvPr>
+            <p:ph type="sldNum" sz="quarter" idx="12"/>
+          </p:nvPr>
+        </p:nvSpPr>
+        <p:spPr/>
+        <p:txBody>
+          <a:bodyPr/>
+          <a:lstStyle/>
+          <a:p>
+            <a:pPr>
+              <a:defRPr/>
+            </a:pPr>
+            <a:fld id="{3806B3E2-D54F-4659-9127-650ECDAEBC50}" type="slidenum">
+              <a:rPr lang="en-US" smtClean="0"/>
+              <a:pPr>
+                <a:defRPr/>
+              </a:pPr>
+              <a:t>105</a:t>
+            </a:fld>
+            <a:endParaRPr lang="en-US"/>
+          </a:p>
+        </p:txBody>
+      </p:sp>
+    </p:spTree>
+    <p:extLst>
+      <p:ext uri="{BB962C8B-B14F-4D97-AF65-F5344CB8AC3E}">
+        <p14:creationId xmlns:p14="http://schemas.microsoft.com/office/powerpoint/2010/main" val="3446157485"/>
+      </p:ext>
+    </p:extLst>
+  </p:cSld>
+  <p:clrMapOvr>
+    <a:masterClrMapping/>
+  </p:clrMapOvr>
+  <p:timing>
+    <p:tnLst>
+      <p:par>
+        <p:cTn id="1" dur="indefinite" restart="never" nodeType="tmRoot"/>
+      </p:par>
+    </p:tnLst>
+  </p:timing>
+</p:sld>
+</file>
+
+<file path=ppt/slides/slide106.xml><?xml version="1.0" encoding="utf-8"?>
+<p:sld xmlns:a="http://schemas.openxmlformats.org/drawingml/2006/main" xmlns:r="http://schemas.openxmlformats.org/officeDocument/2006/relationships" xmlns:p="http://schemas.openxmlformats.org/presentationml/2006/main">
+  <p:cSld>
+    <p:spTree>
+      <p:nvGrpSpPr>
+        <p:cNvPr id="1" name=""/>
+        <p:cNvGrpSpPr/>
+        <p:nvPr/>
+      </p:nvGrpSpPr>
+      <p:grpSpPr>
+        <a:xfrm>
+          <a:off x="0" y="0"/>
+          <a:ext cx="0" cy="0"/>
+          <a:chOff x="0" y="0"/>
+          <a:chExt cx="0" cy="0"/>
+        </a:xfrm>
+      </p:grpSpPr>
+      <p:sp>
+        <p:nvSpPr>
+          <p:cNvPr id="52226" name="Rectangle 2"/>
+          <p:cNvSpPr>
+            <a:spLocks noGrp="1" noChangeArrowheads="1"/>
+          </p:cNvSpPr>
+          <p:nvPr>
+            <p:ph type="title"/>
+          </p:nvPr>
+        </p:nvSpPr>
+        <p:spPr/>
+        <p:txBody>
+          <a:bodyPr/>
+          <a:lstStyle/>
+          <a:p>
+            <a:pPr algn="l" eaLnBrk="1" hangingPunct="1"/>
+            <a:r>
+              <a:rPr lang="en-US" dirty="0" smtClean="0"/>
               <a:t>What is this? </a:t>
             </a:r>
           </a:p>
@@ -11303,7 +11561,7 @@
               <a:pPr>
                 <a:defRPr/>
               </a:pPr>
-              <a:t>105</a:t>
+              <a:t>106</a:t>
             </a:fld>
             <a:endParaRPr lang="en-US"/>
           </a:p>
@@ -11382,7 +11640,7 @@
 </p:sld>
 </file>
 
-<file path=ppt/slides/slide106.xml><?xml version="1.0" encoding="utf-8"?>
+<file path=ppt/slides/slide107.xml><?xml version="1.0" encoding="utf-8"?>
 <p:sld xmlns:a="http://schemas.openxmlformats.org/drawingml/2006/main" xmlns:r="http://schemas.openxmlformats.org/officeDocument/2006/relationships" xmlns:p="http://schemas.openxmlformats.org/presentationml/2006/main">
   <p:cSld>
     <p:spTree>
@@ -11477,7 +11735,7 @@
               <a:pPr>
                 <a:defRPr/>
               </a:pPr>
-              <a:t>106</a:t>
+              <a:t>107</a:t>
             </a:fld>
             <a:endParaRPr lang="en-US"/>
           </a:p>
@@ -11538,141 +11796,6 @@
             <a:endParaRPr lang="en-US" sz="1200" dirty="0">
               <a:latin typeface="+mn-lt"/>
             </a:endParaRPr>
-          </a:p>
-        </p:txBody>
-      </p:sp>
-    </p:spTree>
-  </p:cSld>
-  <p:clrMapOvr>
-    <a:masterClrMapping/>
-  </p:clrMapOvr>
-  <p:timing>
-    <p:tnLst>
-      <p:par>
-        <p:cTn id="1" dur="indefinite" restart="never" nodeType="tmRoot"/>
-      </p:par>
-    </p:tnLst>
-  </p:timing>
-</p:sld>
-</file>
-
-<file path=ppt/slides/slide107.xml><?xml version="1.0" encoding="utf-8"?>
-<p:sld xmlns:a="http://schemas.openxmlformats.org/drawingml/2006/main" xmlns:r="http://schemas.openxmlformats.org/officeDocument/2006/relationships" xmlns:p="http://schemas.openxmlformats.org/presentationml/2006/main">
-  <p:cSld>
-    <p:spTree>
-      <p:nvGrpSpPr>
-        <p:cNvPr id="1" name=""/>
-        <p:cNvGrpSpPr/>
-        <p:nvPr/>
-      </p:nvGrpSpPr>
-      <p:grpSpPr>
-        <a:xfrm>
-          <a:off x="0" y="0"/>
-          <a:ext cx="0" cy="0"/>
-          <a:chOff x="0" y="0"/>
-          <a:chExt cx="0" cy="0"/>
-        </a:xfrm>
-      </p:grpSpPr>
-      <p:sp>
-        <p:nvSpPr>
-          <p:cNvPr id="52226" name="Rectangle 2"/>
-          <p:cNvSpPr>
-            <a:spLocks noGrp="1" noChangeArrowheads="1"/>
-          </p:cNvSpPr>
-          <p:nvPr>
-            <p:ph type="title"/>
-          </p:nvPr>
-        </p:nvSpPr>
-        <p:spPr/>
-        <p:txBody>
-          <a:bodyPr/>
-          <a:lstStyle/>
-          <a:p>
-            <a:pPr algn="l" eaLnBrk="1" hangingPunct="1"/>
-            <a:r>
-              <a:rPr lang="en-US" dirty="0" smtClean="0"/>
-              <a:t>What is this? </a:t>
-            </a:r>
-          </a:p>
-        </p:txBody>
-      </p:sp>
-      <p:sp>
-        <p:nvSpPr>
-          <p:cNvPr id="52227" name="Rectangle 3"/>
-          <p:cNvSpPr>
-            <a:spLocks noGrp="1" noChangeArrowheads="1"/>
-          </p:cNvSpPr>
-          <p:nvPr>
-            <p:ph type="body" idx="1"/>
-          </p:nvPr>
-        </p:nvSpPr>
-        <p:spPr>
-          <a:xfrm>
-            <a:off x="457200" y="1600200"/>
-            <a:ext cx="8001000" cy="4525963"/>
-          </a:xfrm>
-        </p:spPr>
-        <p:txBody>
-          <a:bodyPr/>
-          <a:lstStyle/>
-          <a:p>
-            <a:pPr eaLnBrk="1" hangingPunct="1">
-              <a:spcBef>
-                <a:spcPct val="50000"/>
-              </a:spcBef>
-            </a:pPr>
-            <a:r>
-              <a:rPr lang="en-US" sz="2400" dirty="0" smtClean="0"/>
-              <a:t>Cole et al, “Latin America in the rearview mirror”:  </a:t>
-            </a:r>
-          </a:p>
-          <a:p>
-            <a:pPr lvl="1" eaLnBrk="1" hangingPunct="1">
-              <a:spcBef>
-                <a:spcPct val="50000"/>
-              </a:spcBef>
-            </a:pPr>
-            <a:r>
-              <a:rPr lang="en-US" sz="2000" dirty="0" smtClean="0"/>
-              <a:t>In 1977, Brazil embarked on a zero-quota policy that meant that only PCs and minicomputers produced by Brazilian-owned firms could be sold in Brazil.  The policy insulated Brazilian computer producers from foreign competition and featured entry barriers to new Brazilian producers through a maze of bureaucratic requirements.  As a result, </a:t>
-            </a:r>
-            <a:r>
-              <a:rPr lang="en-US" sz="2000" b="1" dirty="0" smtClean="0"/>
-              <a:t>computer prices were 70-100 percent above international prices. </a:t>
-            </a:r>
-            <a:r>
-              <a:rPr lang="en-US" sz="2000" dirty="0" smtClean="0"/>
-              <a:t> </a:t>
-            </a:r>
-          </a:p>
-        </p:txBody>
-      </p:sp>
-      <p:sp>
-        <p:nvSpPr>
-          <p:cNvPr id="4" name="Slide Number Placeholder 3"/>
-          <p:cNvSpPr>
-            <a:spLocks noGrp="1"/>
-          </p:cNvSpPr>
-          <p:nvPr>
-            <p:ph type="sldNum" sz="quarter" idx="12"/>
-          </p:nvPr>
-        </p:nvSpPr>
-        <p:spPr/>
-        <p:txBody>
-          <a:bodyPr/>
-          <a:lstStyle/>
-          <a:p>
-            <a:pPr>
-              <a:defRPr/>
-            </a:pPr>
-            <a:fld id="{3806B3E2-D54F-4659-9127-650ECDAEBC50}" type="slidenum">
-              <a:rPr lang="en-US" smtClean="0"/>
-              <a:pPr>
-                <a:defRPr/>
-              </a:pPr>
-              <a:t>107</a:t>
-            </a:fld>
-            <a:endParaRPr lang="en-US"/>
           </a:p>
         </p:txBody>
       </p:sp>
@@ -11744,56 +11867,39 @@
         <p:spPr>
           <a:xfrm>
             <a:off x="457200" y="1600200"/>
-            <a:ext cx="7772400" cy="4525963"/>
+            <a:ext cx="8001000" cy="4525963"/>
           </a:xfrm>
         </p:spPr>
         <p:txBody>
           <a:bodyPr/>
           <a:lstStyle/>
           <a:p>
-            <a:pPr>
+            <a:pPr eaLnBrk="1" hangingPunct="1">
               <a:spcBef>
                 <a:spcPct val="50000"/>
               </a:spcBef>
             </a:pPr>
             <a:r>
               <a:rPr lang="en-US" sz="2400" dirty="0" smtClean="0"/>
-              <a:t>David </a:t>
-            </a:r>
-            <a:r>
-              <a:rPr lang="en-US" sz="2400" dirty="0" err="1" smtClean="0"/>
-              <a:t>Leonhardt</a:t>
-            </a:r>
-            <a:r>
-              <a:rPr lang="en-US" sz="2400" dirty="0" smtClean="0"/>
-              <a:t>, NY Times, Nov 8 09:  </a:t>
-            </a:r>
-          </a:p>
-          <a:p>
-            <a:pPr lvl="1">
+              <a:t>Cole et al, “Latin America in the rearview mirror”:  </a:t>
+            </a:r>
+          </a:p>
+          <a:p>
+            <a:pPr lvl="1" eaLnBrk="1" hangingPunct="1">
               <a:spcBef>
                 <a:spcPct val="50000"/>
               </a:spcBef>
             </a:pPr>
             <a:r>
               <a:rPr lang="en-US" sz="2000" dirty="0" smtClean="0"/>
-              <a:t>When Intermountain standardized lung care for premature babies, it not only cut the number who went on a ventilator by more than 75 percent; it also reduced costs by hundreds of thousands of dollars a year.  Perversely, Intermountain’s revenues were reduced by even more.  Thanks to the fee-for-service system, the hospital had been making money off substandard care.  </a:t>
+              <a:t>In 1977, Brazil embarked on a zero-quota policy that meant that only PCs and minicomputers produced by Brazilian-owned firms could be sold in Brazil.  The policy insulated Brazilian computer producers from foreign competition and featured entry barriers to new Brazilian producers through a maze of bureaucratic requirements.  As a result, </a:t>
             </a:r>
             <a:r>
               <a:rPr lang="en-US" sz="2000" b="1" dirty="0" smtClean="0"/>
-              <a:t>By improving care it lost money.</a:t>
-            </a:r>
-            <a:endParaRPr lang="en-US" sz="2000" dirty="0" smtClean="0"/>
-          </a:p>
-          <a:p>
-            <a:pPr eaLnBrk="1" hangingPunct="1">
-              <a:spcBef>
-                <a:spcPct val="50000"/>
-              </a:spcBef>
-              <a:buNone/>
-            </a:pPr>
-            <a:r>
-              <a:rPr lang="en-US" sz="2400" dirty="0" smtClean="0"/>
+              <a:t>computer prices were 70-100 percent above international prices. </a:t>
+            </a:r>
+            <a:r>
+              <a:rPr lang="en-US" sz="2000" dirty="0" smtClean="0"/>
               <a:t> </a:t>
             </a:r>
           </a:p>
@@ -11909,12 +12015,16 @@
               </a:spcBef>
             </a:pPr>
             <a:r>
+              <a:rPr lang="en-US" sz="2400" dirty="0" smtClean="0"/>
+              <a:t>David </a:t>
+            </a:r>
+            <a:r>
               <a:rPr lang="en-US" sz="2400" dirty="0" err="1" smtClean="0"/>
-              <a:t>Mireya</a:t>
+              <a:t>Leonhardt</a:t>
             </a:r>
             <a:r>
               <a:rPr lang="en-US" sz="2400" dirty="0" smtClean="0"/>
-              <a:t> Navarro, NY Times, Oct 20, 2013:  </a:t>
+              <a:t>, NY Times, Nov 8 09:  </a:t>
             </a:r>
           </a:p>
           <a:p>
@@ -11924,69 +12034,14 @@
               </a:spcBef>
             </a:pPr>
             <a:r>
-              <a:rPr lang="en-US" sz="2000" dirty="0"/>
-              <a:t>After her husband died, Mary Veronica Santiago fell behind on her </a:t>
-            </a:r>
-            <a:r>
               <a:rPr lang="en-US" sz="2000" dirty="0" smtClean="0"/>
-              <a:t>bills and decide to file for bankruptcy.  Mrs</a:t>
-            </a:r>
-            <a:r>
-              <a:rPr lang="en-US" sz="2000" dirty="0"/>
-              <a:t>. Santiago has lived for 50 years in a two-bedroom </a:t>
-            </a:r>
-            <a:r>
-              <a:rPr lang="en-US" sz="2000" dirty="0" smtClean="0"/>
-              <a:t>rent-controlled apartment </a:t>
-            </a:r>
-            <a:r>
-              <a:rPr lang="en-US" sz="2000" dirty="0"/>
-              <a:t>near Tompkins Square Park, in a neighborhood where unregulated apartments rent for thousands more a month than Mrs. Santiago’s rent of $703. </a:t>
-            </a:r>
-            <a:r>
-              <a:rPr lang="en-US" sz="2000" dirty="0" smtClean="0"/>
-              <a:t> </a:t>
-            </a:r>
-            <a:r>
-              <a:rPr lang="en-US" sz="2000" dirty="0"/>
-              <a:t>A</a:t>
-            </a:r>
-            <a:r>
-              <a:rPr lang="en-US" sz="2000" dirty="0" smtClean="0"/>
-              <a:t>s </a:t>
-            </a:r>
-            <a:r>
-              <a:rPr lang="en-US" sz="2000" dirty="0"/>
-              <a:t>her case was nearing conclusion, her landlord </a:t>
-            </a:r>
-            <a:r>
-              <a:rPr lang="en-US" sz="2000" dirty="0" smtClean="0"/>
-              <a:t>offered </a:t>
-            </a:r>
-            <a:r>
-              <a:rPr lang="en-US" sz="2000" dirty="0"/>
-              <a:t>to buy her rent-stabilized lease and </a:t>
-            </a:r>
-            <a:r>
-              <a:rPr lang="en-US" sz="2000" dirty="0" smtClean="0"/>
-              <a:t>pay </a:t>
-            </a:r>
-            <a:r>
-              <a:rPr lang="en-US" sz="2000" dirty="0"/>
-              <a:t>off her debt. </a:t>
-            </a:r>
-            <a:r>
-              <a:rPr lang="en-US" sz="2000" dirty="0" smtClean="0"/>
-              <a:t> </a:t>
-            </a:r>
-          </a:p>
-          <a:p>
-            <a:pPr>
-              <a:spcBef>
-                <a:spcPct val="50000"/>
-              </a:spcBef>
-            </a:pPr>
-            <a:endParaRPr lang="en-US" sz="2400" dirty="0" smtClean="0"/>
+              <a:t>When Intermountain standardized lung care for premature babies, it not only cut the number who went on a ventilator by more than 75 percent; it also reduced costs by hundreds of thousands of dollars a year.  Perversely, Intermountain’s revenues were reduced by even more.  Thanks to the fee-for-service system, the hospital had been making money off substandard care.  </a:t>
+            </a:r>
+            <a:r>
+              <a:rPr lang="en-US" sz="2000" b="1" dirty="0" smtClean="0"/>
+              <a:t>By improving care it lost money.</a:t>
+            </a:r>
+            <a:endParaRPr lang="en-US" sz="2000" dirty="0" smtClean="0"/>
           </a:p>
           <a:p>
             <a:pPr eaLnBrk="1" hangingPunct="1">
@@ -12032,11 +12087,6 @@
         </p:txBody>
       </p:sp>
     </p:spTree>
-    <p:extLst>
-      <p:ext uri="{BB962C8B-B14F-4D97-AF65-F5344CB8AC3E}">
-        <p14:creationId xmlns:p14="http://schemas.microsoft.com/office/powerpoint/2010/main" val="2107821033"/>
-      </p:ext>
-    </p:extLst>
   </p:cSld>
   <p:clrMapOvr>
     <a:masterClrMapping/>
@@ -12760,40 +12810,108 @@
         <p:spPr>
           <a:xfrm>
             <a:off x="457200" y="1600200"/>
-            <a:ext cx="8001000" cy="4525963"/>
+            <a:ext cx="7772400" cy="4525963"/>
           </a:xfrm>
         </p:spPr>
         <p:txBody>
           <a:bodyPr/>
           <a:lstStyle/>
           <a:p>
+            <a:pPr>
+              <a:spcBef>
+                <a:spcPct val="50000"/>
+              </a:spcBef>
+            </a:pPr>
+            <a:r>
+              <a:rPr lang="en-US" sz="2400" dirty="0" err="1" smtClean="0"/>
+              <a:t>Mireya</a:t>
+            </a:r>
+            <a:r>
+              <a:rPr lang="en-US" sz="2400" dirty="0" smtClean="0"/>
+              <a:t> Navarro, NY Times, Oct 20, 2013:  </a:t>
+            </a:r>
+          </a:p>
+          <a:p>
+            <a:pPr lvl="1">
+              <a:spcBef>
+                <a:spcPct val="50000"/>
+              </a:spcBef>
+            </a:pPr>
+            <a:r>
+              <a:rPr lang="en-US" sz="2000" dirty="0"/>
+              <a:t>After her husband died, Mary Veronica Santiago fell behind on her </a:t>
+            </a:r>
+            <a:r>
+              <a:rPr lang="en-US" sz="2000" dirty="0" smtClean="0"/>
+              <a:t>bills and decide to file for bankruptcy.  Mrs</a:t>
+            </a:r>
+            <a:r>
+              <a:rPr lang="en-US" sz="2000" dirty="0"/>
+              <a:t>. Santiago has lived for 50 years in a two-bedroom </a:t>
+            </a:r>
+            <a:r>
+              <a:rPr lang="en-US" sz="2000" dirty="0" smtClean="0"/>
+              <a:t>rent-controlled apartment </a:t>
+            </a:r>
+            <a:r>
+              <a:rPr lang="en-US" sz="2000" dirty="0"/>
+              <a:t>near Tompkins Square Park, in a neighborhood where unregulated apartments rent for thousands more a month than Mrs. Santiago’s rent of $703. </a:t>
+            </a:r>
+            <a:r>
+              <a:rPr lang="en-US" sz="2000" dirty="0" smtClean="0"/>
+              <a:t> </a:t>
+            </a:r>
+            <a:r>
+              <a:rPr lang="en-US" sz="2000" dirty="0"/>
+              <a:t>A</a:t>
+            </a:r>
+            <a:r>
+              <a:rPr lang="en-US" sz="2000" dirty="0" smtClean="0"/>
+              <a:t>s </a:t>
+            </a:r>
+            <a:r>
+              <a:rPr lang="en-US" sz="2000" dirty="0"/>
+              <a:t>her case was nearing conclusion, her landlord </a:t>
+            </a:r>
+            <a:r>
+              <a:rPr lang="en-US" sz="2000" dirty="0" smtClean="0"/>
+              <a:t>offered </a:t>
+            </a:r>
+            <a:r>
+              <a:rPr lang="en-US" sz="2000" dirty="0"/>
+              <a:t>to buy her rent-stabilized lease and </a:t>
+            </a:r>
+            <a:r>
+              <a:rPr lang="en-US" sz="2000" dirty="0" smtClean="0"/>
+              <a:t>pay </a:t>
+            </a:r>
+            <a:r>
+              <a:rPr lang="en-US" sz="2000" dirty="0"/>
+              <a:t>off her debt. </a:t>
+            </a:r>
+            <a:r>
+              <a:rPr lang="en-US" sz="2000" dirty="0" smtClean="0"/>
+              <a:t> </a:t>
+            </a:r>
+          </a:p>
+          <a:p>
+            <a:pPr>
+              <a:spcBef>
+                <a:spcPct val="50000"/>
+              </a:spcBef>
+            </a:pPr>
+            <a:endParaRPr lang="en-US" sz="2400" dirty="0" smtClean="0"/>
+          </a:p>
+          <a:p>
             <a:pPr eaLnBrk="1" hangingPunct="1">
               <a:spcBef>
                 <a:spcPct val="50000"/>
               </a:spcBef>
+              <a:buNone/>
             </a:pPr>
             <a:r>
               <a:rPr lang="en-US" sz="2400" dirty="0" smtClean="0"/>
-              <a:t>“Africa’s Singapore?” </a:t>
-            </a:r>
-            <a:r>
-              <a:rPr lang="en-US" sz="2400" i="1" dirty="0" smtClean="0"/>
-              <a:t>The Economist</a:t>
-            </a:r>
-            <a:r>
-              <a:rPr lang="en-US" sz="2400" dirty="0" smtClean="0"/>
-              <a:t>, Feb 25 2012:</a:t>
-            </a:r>
-          </a:p>
-          <a:p>
-            <a:pPr lvl="1" eaLnBrk="1" hangingPunct="1">
-              <a:spcBef>
-                <a:spcPct val="50000"/>
-              </a:spcBef>
-            </a:pPr>
-            <a:r>
-              <a:rPr lang="en-US" sz="2000" dirty="0" smtClean="0"/>
-              <a:t>Rwanda is best known for the genocide of 1994.  It has been peaceful since then, but lacks nearly all of Singapore’s advantages.  Yet Rwanda has one huge advantage:  the rule of law.  No African country has done more to curb corruption.  Transparency International reckons Rwanda is less graft-ridden than Greece or Italy.  The country is blessedly free of red tape, too.  Property rights are strengthening, as well—the government is giving peasants formal title to their land.   </a:t>
+              <a:t> </a:t>
             </a:r>
           </a:p>
         </p:txBody>
@@ -12828,6 +12946,11 @@
         </p:txBody>
       </p:sp>
     </p:spTree>
+    <p:extLst>
+      <p:ext uri="{BB962C8B-B14F-4D97-AF65-F5344CB8AC3E}">
+        <p14:creationId xmlns:p14="http://schemas.microsoft.com/office/powerpoint/2010/main" val="2107821033"/>
+      </p:ext>
+    </p:extLst>
   </p:cSld>
   <p:clrMapOvr>
     <a:masterClrMapping/>
@@ -12894,49 +13017,41 @@
         </p:nvSpPr>
         <p:spPr>
           <a:xfrm>
-            <a:off x="457200" y="1600201"/>
-            <a:ext cx="7772400" cy="2819400"/>
+            <a:off x="457200" y="1600200"/>
+            <a:ext cx="8001000" cy="4525963"/>
           </a:xfrm>
         </p:spPr>
         <p:txBody>
           <a:bodyPr/>
           <a:lstStyle/>
           <a:p>
-            <a:pPr>
+            <a:pPr eaLnBrk="1" hangingPunct="1">
               <a:spcBef>
                 <a:spcPct val="50000"/>
               </a:spcBef>
             </a:pPr>
             <a:r>
               <a:rPr lang="en-US" sz="2400" dirty="0" smtClean="0"/>
-              <a:t>Joe </a:t>
-            </a:r>
-            <a:r>
-              <a:rPr lang="en-US" sz="2400" dirty="0" err="1" smtClean="0"/>
-              <a:t>Nocera</a:t>
+              <a:t>“Africa’s Singapore?” </a:t>
+            </a:r>
+            <a:r>
+              <a:rPr lang="en-US" sz="2400" i="1" dirty="0" smtClean="0"/>
+              <a:t>The Economist</a:t>
             </a:r>
             <a:r>
               <a:rPr lang="en-US" sz="2400" dirty="0" smtClean="0"/>
-              <a:t>, NY Times, Aug 22 11:  </a:t>
-            </a:r>
-          </a:p>
-          <a:p>
-            <a:pPr lvl="1">
+              <a:t>, Feb 25 2012:</a:t>
+            </a:r>
+          </a:p>
+          <a:p>
+            <a:pPr lvl="1" eaLnBrk="1" hangingPunct="1">
               <a:spcBef>
                 <a:spcPct val="50000"/>
               </a:spcBef>
             </a:pPr>
             <a:r>
               <a:rPr lang="en-US" sz="2000" dirty="0" smtClean="0"/>
-              <a:t>In April, the National Labor Relations Board filed a complaint against Boeing, accusing it of opening its new non-union South Carolina plant to retaliate against the union, which has a history of striking at contract time.  The NLRB’s proposed solution is to move all its </a:t>
-            </a:r>
-            <a:r>
-              <a:rPr lang="en-US" sz="2000" dirty="0" err="1" smtClean="0"/>
-              <a:t>Dreamliner</a:t>
-            </a:r>
-            <a:r>
-              <a:rPr lang="en-US" sz="2000" dirty="0" smtClean="0"/>
-              <a:t> production back to Puget Sound.  </a:t>
+              <a:t>Rwanda is best known for the genocide of 1994.  It has been peaceful since then, but lacks nearly all of Singapore’s advantages.  Yet Rwanda has one huge advantage:  the rule of law.  No African country has done more to curb corruption.  Transparency International reckons Rwanda is less graft-ridden than Greece or Italy.  The country is blessedly free of red tape, too.  Property rights are strengthening, as well—the government is giving peasants formal title to their land.   </a:t>
             </a:r>
           </a:p>
         </p:txBody>
@@ -13037,33 +13152,49 @@
         </p:nvSpPr>
         <p:spPr>
           <a:xfrm>
-            <a:off x="457200" y="1646694"/>
-            <a:ext cx="7772400" cy="4525963"/>
+            <a:off x="457200" y="1600201"/>
+            <a:ext cx="7772400" cy="2819400"/>
           </a:xfrm>
         </p:spPr>
         <p:txBody>
           <a:bodyPr/>
           <a:lstStyle/>
           <a:p>
-            <a:pPr eaLnBrk="1" hangingPunct="1">
+            <a:pPr>
               <a:spcBef>
                 <a:spcPct val="50000"/>
               </a:spcBef>
             </a:pPr>
             <a:r>
               <a:rPr lang="en-US" sz="2400" dirty="0" smtClean="0"/>
-              <a:t>The Economist, Nov 9 2012:</a:t>
-            </a:r>
-          </a:p>
-          <a:p>
-            <a:pPr lvl="1" eaLnBrk="1" hangingPunct="1">
+              <a:t>Joe </a:t>
+            </a:r>
+            <a:r>
+              <a:rPr lang="en-US" sz="2400" dirty="0" err="1" smtClean="0"/>
+              <a:t>Nocera</a:t>
+            </a:r>
+            <a:r>
+              <a:rPr lang="en-US" sz="2400" dirty="0" smtClean="0"/>
+              <a:t>, NY Times, Aug 22 11:  </a:t>
+            </a:r>
+          </a:p>
+          <a:p>
+            <a:pPr lvl="1">
               <a:spcBef>
                 <a:spcPct val="50000"/>
               </a:spcBef>
             </a:pPr>
             <a:r>
               <a:rPr lang="en-US" sz="2000" dirty="0" smtClean="0"/>
-              <a:t>Michael Woodford was sacked as president of Japan’s Olympus after he revealed a $1.7b accounting cover-up.  The company’s board lied about the mystery.  When the truth came out, the board kept their jobs and the boss lost his.  Over the summer, a government advisory committee quietly squelched proposed reforms to corporate governance.   </a:t>
+              <a:t>In April, the National Labor Relations Board filed a complaint against Boeing, accusing it of opening its new non-union South Carolina plant to retaliate against the union, which has a history of striking at contract time.  The NLRB’s proposed solution is to move all its </a:t>
+            </a:r>
+            <a:r>
+              <a:rPr lang="en-US" sz="2000" dirty="0" err="1" smtClean="0"/>
+              <a:t>Dreamliner</a:t>
+            </a:r>
+            <a:r>
+              <a:rPr lang="en-US" sz="2000" dirty="0" smtClean="0"/>
+              <a:t> production back to Puget Sound.  </a:t>
             </a:r>
           </a:p>
         </p:txBody>
@@ -13098,11 +13229,6 @@
         </p:txBody>
       </p:sp>
     </p:spTree>
-    <p:extLst>
-      <p:ext uri="{BB962C8B-B14F-4D97-AF65-F5344CB8AC3E}">
-        <p14:creationId xmlns:p14="http://schemas.microsoft.com/office/powerpoint/2010/main" val="2165326882"/>
-      </p:ext>
-    </p:extLst>
   </p:cSld>
   <p:clrMapOvr>
     <a:masterClrMapping/>
@@ -13136,7 +13262,7 @@
       </p:grpSpPr>
       <p:sp>
         <p:nvSpPr>
-          <p:cNvPr id="64514" name="Rectangle 2"/>
+          <p:cNvPr id="52226" name="Rectangle 2"/>
           <p:cNvSpPr>
             <a:spLocks noGrp="1" noChangeArrowheads="1"/>
           </p:cNvSpPr>
@@ -13152,14 +13278,14 @@
             <a:pPr algn="l" eaLnBrk="1" hangingPunct="1"/>
             <a:r>
               <a:rPr lang="en-US" dirty="0" smtClean="0"/>
-              <a:t>What’s this?</a:t>
+              <a:t>What is this? </a:t>
             </a:r>
           </a:p>
         </p:txBody>
       </p:sp>
       <p:sp>
         <p:nvSpPr>
-          <p:cNvPr id="64515" name="Rectangle 3"/>
+          <p:cNvPr id="52227" name="Rectangle 3"/>
           <p:cNvSpPr>
             <a:spLocks noGrp="1" noChangeArrowheads="1"/>
           </p:cNvSpPr>
@@ -13169,8 +13295,8 @@
         </p:nvSpPr>
         <p:spPr>
           <a:xfrm>
-            <a:off x="457200" y="1653525"/>
-            <a:ext cx="8229600" cy="4114512"/>
+            <a:off x="457200" y="1646694"/>
+            <a:ext cx="7772400" cy="4525963"/>
           </a:xfrm>
         </p:spPr>
         <p:txBody>
@@ -13179,101 +13305,24 @@
           <a:p>
             <a:pPr eaLnBrk="1" hangingPunct="1">
               <a:spcBef>
-                <a:spcPts val="1200"/>
+                <a:spcPct val="50000"/>
               </a:spcBef>
             </a:pPr>
             <a:r>
               <a:rPr lang="en-US" sz="2400" dirty="0" smtClean="0"/>
-              <a:t>“Fiscal footnote,” NYT, Jan 19, 2013:   </a:t>
-            </a:r>
-          </a:p>
-          <a:p>
-            <a:pPr lvl="1">
+              <a:t>The Economist, Nov 9 2012:</a:t>
+            </a:r>
+          </a:p>
+          <a:p>
+            <a:pPr lvl="1" eaLnBrk="1" hangingPunct="1">
               <a:spcBef>
-                <a:spcPts val="1200"/>
+                <a:spcPct val="50000"/>
               </a:spcBef>
             </a:pPr>
             <a:r>
               <a:rPr lang="en-US" sz="2000" dirty="0" smtClean="0"/>
-              <a:t>Amgen </a:t>
-            </a:r>
-            <a:r>
-              <a:rPr lang="en-US" sz="2000" dirty="0"/>
-              <a:t>scored a largely unnoticed </a:t>
-            </a:r>
-            <a:r>
-              <a:rPr lang="en-US" sz="2000" dirty="0" smtClean="0"/>
-              <a:t>coup: </a:t>
-            </a:r>
-            <a:r>
-              <a:rPr lang="en-US" sz="2000" dirty="0"/>
-              <a:t>Lawmakers inserted a paragraph into the “fiscal cliff” bill that </a:t>
-            </a:r>
-            <a:r>
-              <a:rPr lang="en-US" sz="2000" dirty="0" smtClean="0"/>
-              <a:t>strongly </a:t>
-            </a:r>
-            <a:r>
-              <a:rPr lang="en-US" sz="2000" dirty="0"/>
-              <a:t>favored one of its </a:t>
-            </a:r>
-            <a:r>
-              <a:rPr lang="en-US" sz="2000" dirty="0" smtClean="0"/>
-              <a:t>drugs.  The </a:t>
-            </a:r>
-            <a:r>
-              <a:rPr lang="en-US" sz="2000" dirty="0"/>
-              <a:t>language </a:t>
-            </a:r>
-            <a:r>
-              <a:rPr lang="en-US" sz="2000" dirty="0" smtClean="0"/>
-              <a:t>delays </a:t>
-            </a:r>
-            <a:r>
-              <a:rPr lang="en-US" sz="2000" dirty="0"/>
-              <a:t>a set of Medicare price restraints on a class of drugs that includes </a:t>
-            </a:r>
-            <a:r>
-              <a:rPr lang="en-US" sz="2000" dirty="0" smtClean="0"/>
-              <a:t>[Amgen drug] </a:t>
-            </a:r>
-            <a:r>
-              <a:rPr lang="en-US" sz="2000" dirty="0" err="1" smtClean="0"/>
-              <a:t>Sensipar</a:t>
-            </a:r>
-            <a:r>
-              <a:rPr lang="en-US" sz="2000" dirty="0" smtClean="0"/>
-              <a:t>.  It </a:t>
-            </a:r>
-            <a:r>
-              <a:rPr lang="en-US" sz="2000" dirty="0"/>
-              <a:t>is projected to cost Medicare up to $500 </a:t>
-            </a:r>
-            <a:r>
-              <a:rPr lang="en-US" sz="2000" dirty="0" smtClean="0"/>
-              <a:t>million.</a:t>
-            </a:r>
-            <a:endParaRPr lang="en-US" sz="2000" dirty="0"/>
-          </a:p>
-          <a:p>
-            <a:pPr lvl="1">
-              <a:spcBef>
-                <a:spcPts val="1200"/>
-              </a:spcBef>
-            </a:pPr>
-            <a:r>
-              <a:rPr lang="en-US" sz="2000" dirty="0" smtClean="0"/>
-              <a:t>Amgen </a:t>
-            </a:r>
-            <a:r>
-              <a:rPr lang="en-US" sz="2000" dirty="0"/>
-              <a:t>has a small army of 74 lobbyists in the </a:t>
-            </a:r>
-            <a:r>
-              <a:rPr lang="en-US" sz="2000" dirty="0" smtClean="0"/>
-              <a:t>capital.  </a:t>
-            </a:r>
-            <a:endParaRPr lang="en-US" sz="1600" dirty="0" smtClean="0"/>
+              <a:t>Michael Woodford was sacked as president of Japan’s Olympus after he revealed a $1.7b accounting cover-up.  The company’s board lied about the mystery.  When the truth came out, the board kept their jobs and the boss lost his.  Over the summer, a government advisory committee quietly squelched proposed reforms to corporate governance.   </a:t>
+            </a:r>
           </a:p>
         </p:txBody>
       </p:sp>
@@ -13309,7 +13358,7 @@
     </p:spTree>
     <p:extLst>
       <p:ext uri="{BB962C8B-B14F-4D97-AF65-F5344CB8AC3E}">
-        <p14:creationId xmlns:p14="http://schemas.microsoft.com/office/powerpoint/2010/main" val="1979386775"/>
+        <p14:creationId xmlns:p14="http://schemas.microsoft.com/office/powerpoint/2010/main" val="2165326882"/>
       </p:ext>
     </p:extLst>
   </p:cSld>
@@ -13345,7 +13394,7 @@
       </p:grpSpPr>
       <p:sp>
         <p:nvSpPr>
-          <p:cNvPr id="52226" name="Rectangle 2"/>
+          <p:cNvPr id="64514" name="Rectangle 2"/>
           <p:cNvSpPr>
             <a:spLocks noGrp="1" noChangeArrowheads="1"/>
           </p:cNvSpPr>
@@ -13361,14 +13410,14 @@
             <a:pPr algn="l" eaLnBrk="1" hangingPunct="1"/>
             <a:r>
               <a:rPr lang="en-US" dirty="0" smtClean="0"/>
-              <a:t>What is this? </a:t>
+              <a:t>What’s this?</a:t>
             </a:r>
           </a:p>
         </p:txBody>
       </p:sp>
       <p:sp>
         <p:nvSpPr>
-          <p:cNvPr id="52227" name="Rectangle 3"/>
+          <p:cNvPr id="64515" name="Rectangle 3"/>
           <p:cNvSpPr>
             <a:spLocks noGrp="1" noChangeArrowheads="1"/>
           </p:cNvSpPr>
@@ -13378,34 +13427,111 @@
         </p:nvSpPr>
         <p:spPr>
           <a:xfrm>
-            <a:off x="457200" y="1600200"/>
-            <a:ext cx="7772400" cy="4525963"/>
+            <a:off x="457200" y="1653525"/>
+            <a:ext cx="8229600" cy="4114512"/>
           </a:xfrm>
         </p:spPr>
         <p:txBody>
           <a:bodyPr/>
           <a:lstStyle/>
           <a:p>
-            <a:pPr>
+            <a:pPr eaLnBrk="1" hangingPunct="1">
               <a:spcBef>
-                <a:spcPct val="50000"/>
+                <a:spcPts val="1200"/>
               </a:spcBef>
             </a:pPr>
             <a:r>
               <a:rPr lang="en-US" sz="2400" dirty="0" smtClean="0"/>
-              <a:t>What examples come to mind?</a:t>
-            </a:r>
-          </a:p>
-          <a:p>
-            <a:pPr>
+              <a:t>“Fiscal footnote,” NYT, Jan 19, 2013:   </a:t>
+            </a:r>
+          </a:p>
+          <a:p>
+            <a:pPr lvl="1">
               <a:spcBef>
-                <a:spcPct val="50000"/>
+                <a:spcPts val="1200"/>
               </a:spcBef>
             </a:pPr>
             <a:r>
-              <a:rPr lang="en-US" sz="2400" dirty="0" smtClean="0"/>
-              <a:t>Any specifically relevant to your business?    </a:t>
-            </a:r>
+              <a:rPr lang="en-US" sz="2000" dirty="0" smtClean="0"/>
+              <a:t>Amgen </a:t>
+            </a:r>
+            <a:r>
+              <a:rPr lang="en-US" sz="2000" dirty="0"/>
+              <a:t>scored a largely unnoticed </a:t>
+            </a:r>
+            <a:r>
+              <a:rPr lang="en-US" sz="2000" dirty="0" smtClean="0"/>
+              <a:t>coup: </a:t>
+            </a:r>
+            <a:r>
+              <a:rPr lang="en-US" sz="2000" dirty="0"/>
+              <a:t>Lawmakers inserted a paragraph into the “fiscal cliff” bill that </a:t>
+            </a:r>
+            <a:r>
+              <a:rPr lang="en-US" sz="2000" dirty="0" smtClean="0"/>
+              <a:t>strongly </a:t>
+            </a:r>
+            <a:r>
+              <a:rPr lang="en-US" sz="2000" dirty="0"/>
+              <a:t>favored one of its </a:t>
+            </a:r>
+            <a:r>
+              <a:rPr lang="en-US" sz="2000" dirty="0" smtClean="0"/>
+              <a:t>drugs.  The </a:t>
+            </a:r>
+            <a:r>
+              <a:rPr lang="en-US" sz="2000" dirty="0"/>
+              <a:t>language </a:t>
+            </a:r>
+            <a:r>
+              <a:rPr lang="en-US" sz="2000" dirty="0" smtClean="0"/>
+              <a:t>delays </a:t>
+            </a:r>
+            <a:r>
+              <a:rPr lang="en-US" sz="2000" dirty="0"/>
+              <a:t>a set of Medicare price restraints on a class of drugs that includes </a:t>
+            </a:r>
+            <a:r>
+              <a:rPr lang="en-US" sz="2000" dirty="0" smtClean="0"/>
+              <a:t>[Amgen drug] </a:t>
+            </a:r>
+            <a:r>
+              <a:rPr lang="en-US" sz="2000" dirty="0" err="1" smtClean="0"/>
+              <a:t>Sensipar</a:t>
+            </a:r>
+            <a:r>
+              <a:rPr lang="en-US" sz="2000" dirty="0" smtClean="0"/>
+              <a:t>.  It </a:t>
+            </a:r>
+            <a:r>
+              <a:rPr lang="en-US" sz="2000" dirty="0"/>
+              <a:t>is projected to cost Medicare up to $500 </a:t>
+            </a:r>
+            <a:r>
+              <a:rPr lang="en-US" sz="2000" dirty="0" smtClean="0"/>
+              <a:t>million.</a:t>
+            </a:r>
+            <a:endParaRPr lang="en-US" sz="2000" dirty="0"/>
+          </a:p>
+          <a:p>
+            <a:pPr lvl="1">
+              <a:spcBef>
+                <a:spcPts val="1200"/>
+              </a:spcBef>
+            </a:pPr>
+            <a:r>
+              <a:rPr lang="en-US" sz="2000" dirty="0" smtClean="0"/>
+              <a:t>Amgen </a:t>
+            </a:r>
+            <a:r>
+              <a:rPr lang="en-US" sz="2000" dirty="0"/>
+              <a:t>has a small army of 74 lobbyists in the </a:t>
+            </a:r>
+            <a:r>
+              <a:rPr lang="en-US" sz="2000" dirty="0" smtClean="0"/>
+              <a:t>capital.  </a:t>
+            </a:r>
+            <a:endParaRPr lang="en-US" sz="1600" dirty="0" smtClean="0"/>
           </a:p>
         </p:txBody>
       </p:sp>
@@ -13439,6 +13565,11 @@
         </p:txBody>
       </p:sp>
     </p:spTree>
+    <p:extLst>
+      <p:ext uri="{BB962C8B-B14F-4D97-AF65-F5344CB8AC3E}">
+        <p14:creationId xmlns:p14="http://schemas.microsoft.com/office/powerpoint/2010/main" val="1979386775"/>
+      </p:ext>
+    </p:extLst>
   </p:cSld>
   <p:clrMapOvr>
     <a:masterClrMapping/>
@@ -13488,6 +13619,133 @@
             <a:pPr algn="l" eaLnBrk="1" hangingPunct="1"/>
             <a:r>
               <a:rPr lang="en-US" dirty="0" smtClean="0"/>
+              <a:t>What is this? </a:t>
+            </a:r>
+          </a:p>
+        </p:txBody>
+      </p:sp>
+      <p:sp>
+        <p:nvSpPr>
+          <p:cNvPr id="52227" name="Rectangle 3"/>
+          <p:cNvSpPr>
+            <a:spLocks noGrp="1" noChangeArrowheads="1"/>
+          </p:cNvSpPr>
+          <p:nvPr>
+            <p:ph type="body" idx="1"/>
+          </p:nvPr>
+        </p:nvSpPr>
+        <p:spPr>
+          <a:xfrm>
+            <a:off x="457200" y="1600200"/>
+            <a:ext cx="7772400" cy="4525963"/>
+          </a:xfrm>
+        </p:spPr>
+        <p:txBody>
+          <a:bodyPr/>
+          <a:lstStyle/>
+          <a:p>
+            <a:pPr>
+              <a:spcBef>
+                <a:spcPct val="50000"/>
+              </a:spcBef>
+            </a:pPr>
+            <a:r>
+              <a:rPr lang="en-US" sz="2400" dirty="0" smtClean="0"/>
+              <a:t>What examples come to mind?</a:t>
+            </a:r>
+          </a:p>
+          <a:p>
+            <a:pPr>
+              <a:spcBef>
+                <a:spcPct val="50000"/>
+              </a:spcBef>
+            </a:pPr>
+            <a:r>
+              <a:rPr lang="en-US" sz="2400" dirty="0" smtClean="0"/>
+              <a:t>Any specifically relevant to your business?    </a:t>
+            </a:r>
+          </a:p>
+        </p:txBody>
+      </p:sp>
+      <p:sp>
+        <p:nvSpPr>
+          <p:cNvPr id="4" name="Slide Number Placeholder 3"/>
+          <p:cNvSpPr>
+            <a:spLocks noGrp="1"/>
+          </p:cNvSpPr>
+          <p:nvPr>
+            <p:ph type="sldNum" sz="quarter" idx="12"/>
+          </p:nvPr>
+        </p:nvSpPr>
+        <p:spPr/>
+        <p:txBody>
+          <a:bodyPr/>
+          <a:lstStyle/>
+          <a:p>
+            <a:pPr>
+              <a:defRPr/>
+            </a:pPr>
+            <a:fld id="{3806B3E2-D54F-4659-9127-650ECDAEBC50}" type="slidenum">
+              <a:rPr lang="en-US" smtClean="0"/>
+              <a:pPr>
+                <a:defRPr/>
+              </a:pPr>
+              <a:t>115</a:t>
+            </a:fld>
+            <a:endParaRPr lang="en-US"/>
+          </a:p>
+        </p:txBody>
+      </p:sp>
+    </p:spTree>
+  </p:cSld>
+  <p:clrMapOvr>
+    <a:masterClrMapping/>
+  </p:clrMapOvr>
+  <p:timing>
+    <p:tnLst>
+      <p:par>
+        <p:cTn id="1" dur="indefinite" restart="never" nodeType="tmRoot"/>
+      </p:par>
+    </p:tnLst>
+  </p:timing>
+</p:sld>
+</file>
+
+<file path=ppt/slides/slide116.xml><?xml version="1.0" encoding="utf-8"?>
+<p:sld xmlns:a="http://schemas.openxmlformats.org/drawingml/2006/main" xmlns:r="http://schemas.openxmlformats.org/officeDocument/2006/relationships" xmlns:p="http://schemas.openxmlformats.org/presentationml/2006/main">
+  <p:cSld>
+    <p:spTree>
+      <p:nvGrpSpPr>
+        <p:cNvPr id="1" name=""/>
+        <p:cNvGrpSpPr/>
+        <p:nvPr/>
+      </p:nvGrpSpPr>
+      <p:grpSpPr>
+        <a:xfrm>
+          <a:off x="0" y="0"/>
+          <a:ext cx="0" cy="0"/>
+          <a:chOff x="0" y="0"/>
+          <a:chExt cx="0" cy="0"/>
+        </a:xfrm>
+      </p:grpSpPr>
+      <p:sp>
+        <p:nvSpPr>
+          <p:cNvPr id="52226" name="Rectangle 2"/>
+          <p:cNvSpPr>
+            <a:spLocks noGrp="1" noChangeArrowheads="1"/>
+          </p:cNvSpPr>
+          <p:nvPr>
+            <p:ph type="title"/>
+          </p:nvPr>
+        </p:nvSpPr>
+        <p:spPr/>
+        <p:txBody>
+          <a:bodyPr/>
+          <a:lstStyle/>
+          <a:p>
+            <a:pPr algn="l" eaLnBrk="1" hangingPunct="1"/>
+            <a:r>
+              <a:rPr lang="en-US" dirty="0" smtClean="0"/>
               <a:t>Summing up	</a:t>
             </a:r>
           </a:p>
@@ -13620,7 +13878,7 @@
               <a:pPr>
                 <a:defRPr/>
               </a:pPr>
-              <a:t>115</a:t>
+              <a:t>116</a:t>
             </a:fld>
             <a:endParaRPr lang="en-US"/>
           </a:p>
@@ -13641,7 +13899,7 @@
 </p:sld>
 </file>
 
-<file path=ppt/slides/slide116.xml><?xml version="1.0" encoding="utf-8"?>
+<file path=ppt/slides/slide117.xml><?xml version="1.0" encoding="utf-8"?>
 <p:sld xmlns:a="http://schemas.openxmlformats.org/drawingml/2006/main" xmlns:r="http://schemas.openxmlformats.org/officeDocument/2006/relationships" xmlns:p="http://schemas.openxmlformats.org/presentationml/2006/main">
   <p:cSld>
     <p:spTree>
@@ -14255,224 +14513,6 @@
               <a:pPr>
                 <a:defRPr/>
               </a:pPr>
-              <a:t>116</a:t>
-            </a:fld>
-            <a:endParaRPr lang="en-US"/>
-          </a:p>
-        </p:txBody>
-      </p:sp>
-    </p:spTree>
-  </p:cSld>
-  <p:clrMapOvr>
-    <a:masterClrMapping/>
-  </p:clrMapOvr>
-  <p:timing>
-    <p:tnLst>
-      <p:par>
-        <p:cTn id="1" dur="indefinite" restart="never" nodeType="tmRoot"/>
-      </p:par>
-    </p:tnLst>
-  </p:timing>
-</p:sld>
-</file>
-
-<file path=ppt/slides/slide117.xml><?xml version="1.0" encoding="utf-8"?>
-<p:sld xmlns:a="http://schemas.openxmlformats.org/drawingml/2006/main" xmlns:r="http://schemas.openxmlformats.org/officeDocument/2006/relationships" xmlns:p="http://schemas.openxmlformats.org/presentationml/2006/main">
-  <p:cSld>
-    <p:spTree>
-      <p:nvGrpSpPr>
-        <p:cNvPr id="1" name=""/>
-        <p:cNvGrpSpPr/>
-        <p:nvPr/>
-      </p:nvGrpSpPr>
-      <p:grpSpPr>
-        <a:xfrm>
-          <a:off x="0" y="0"/>
-          <a:ext cx="0" cy="0"/>
-          <a:chOff x="0" y="0"/>
-          <a:chExt cx="0" cy="0"/>
-        </a:xfrm>
-      </p:grpSpPr>
-      <p:sp>
-        <p:nvSpPr>
-          <p:cNvPr id="52226" name="Rectangle 2"/>
-          <p:cNvSpPr>
-            <a:spLocks noGrp="1" noChangeArrowheads="1"/>
-          </p:cNvSpPr>
-          <p:nvPr>
-            <p:ph type="title"/>
-          </p:nvPr>
-        </p:nvSpPr>
-        <p:spPr/>
-        <p:txBody>
-          <a:bodyPr/>
-          <a:lstStyle/>
-          <a:p>
-            <a:pPr algn="l" eaLnBrk="1" hangingPunct="1"/>
-            <a:r>
-              <a:rPr lang="en-US" dirty="0" smtClean="0"/>
-              <a:t>What have we learned? </a:t>
-            </a:r>
-          </a:p>
-        </p:txBody>
-      </p:sp>
-      <p:sp>
-        <p:nvSpPr>
-          <p:cNvPr id="52227" name="Rectangle 3"/>
-          <p:cNvSpPr>
-            <a:spLocks noGrp="1" noChangeArrowheads="1"/>
-          </p:cNvSpPr>
-          <p:nvPr>
-            <p:ph type="body" idx="1"/>
-          </p:nvPr>
-        </p:nvSpPr>
-        <p:spPr>
-          <a:xfrm>
-            <a:off x="457200" y="1600200"/>
-            <a:ext cx="7772400" cy="4525963"/>
-          </a:xfrm>
-        </p:spPr>
-        <p:txBody>
-          <a:bodyPr/>
-          <a:lstStyle/>
-          <a:p>
-            <a:pPr>
-              <a:spcBef>
-                <a:spcPct val="50000"/>
-              </a:spcBef>
-            </a:pPr>
-            <a:r>
-              <a:rPr lang="en-US" sz="2400" dirty="0" smtClean="0"/>
-              <a:t>Good institutions support productivity and economic performance</a:t>
-            </a:r>
-          </a:p>
-          <a:p>
-            <a:pPr>
-              <a:spcBef>
-                <a:spcPct val="50000"/>
-              </a:spcBef>
-              <a:spcAft>
-                <a:spcPts val="600"/>
-              </a:spcAft>
-            </a:pPr>
-            <a:r>
-              <a:rPr lang="en-US" sz="2400" dirty="0" smtClean="0"/>
-              <a:t>A short list includes </a:t>
-            </a:r>
-          </a:p>
-          <a:p>
-            <a:pPr lvl="1">
-              <a:lnSpc>
-                <a:spcPct val="90000"/>
-              </a:lnSpc>
-              <a:spcBef>
-                <a:spcPts val="600"/>
-              </a:spcBef>
-            </a:pPr>
-            <a:r>
-              <a:rPr lang="en-US" sz="2000" dirty="0" smtClean="0"/>
-              <a:t>Governance </a:t>
-            </a:r>
-          </a:p>
-          <a:p>
-            <a:pPr lvl="1">
-              <a:lnSpc>
-                <a:spcPct val="90000"/>
-              </a:lnSpc>
-              <a:spcBef>
-                <a:spcPts val="600"/>
-              </a:spcBef>
-            </a:pPr>
-            <a:r>
-              <a:rPr lang="en-US" sz="2000" dirty="0" smtClean="0"/>
-              <a:t>Rule of law </a:t>
-            </a:r>
-          </a:p>
-          <a:p>
-            <a:pPr lvl="1">
-              <a:lnSpc>
-                <a:spcPct val="90000"/>
-              </a:lnSpc>
-              <a:spcBef>
-                <a:spcPts val="600"/>
-              </a:spcBef>
-            </a:pPr>
-            <a:r>
-              <a:rPr lang="en-US" sz="2000" dirty="0" smtClean="0"/>
-              <a:t>Property rights</a:t>
-            </a:r>
-          </a:p>
-          <a:p>
-            <a:pPr lvl="1">
-              <a:lnSpc>
-                <a:spcPct val="90000"/>
-              </a:lnSpc>
-              <a:spcBef>
-                <a:spcPts val="600"/>
-              </a:spcBef>
-            </a:pPr>
-            <a:r>
-              <a:rPr lang="en-US" sz="2000" dirty="0" smtClean="0"/>
-              <a:t>Competitive markets </a:t>
-            </a:r>
-          </a:p>
-          <a:p>
-            <a:pPr>
-              <a:lnSpc>
-                <a:spcPct val="90000"/>
-              </a:lnSpc>
-              <a:spcBef>
-                <a:spcPct val="50000"/>
-              </a:spcBef>
-            </a:pPr>
-            <a:r>
-              <a:rPr lang="en-US" sz="2400" dirty="0" smtClean="0"/>
-              <a:t>We have measures of all of </a:t>
-            </a:r>
-            <a:r>
-              <a:rPr lang="en-US" sz="2400" smtClean="0"/>
-              <a:t>these things </a:t>
-            </a:r>
-          </a:p>
-          <a:p>
-            <a:pPr>
-              <a:lnSpc>
-                <a:spcPct val="90000"/>
-              </a:lnSpc>
-              <a:spcBef>
-                <a:spcPct val="50000"/>
-              </a:spcBef>
-            </a:pPr>
-            <a:r>
-              <a:rPr lang="en-US" sz="2400" dirty="0" smtClean="0"/>
-              <a:t>Macroeconomic policies matter, too [later] </a:t>
-            </a:r>
-          </a:p>
-        </p:txBody>
-      </p:sp>
-      <p:sp>
-        <p:nvSpPr>
-          <p:cNvPr id="4" name="Slide Number Placeholder 3"/>
-          <p:cNvSpPr>
-            <a:spLocks noGrp="1"/>
-          </p:cNvSpPr>
-          <p:nvPr>
-            <p:ph type="sldNum" sz="quarter" idx="12"/>
-          </p:nvPr>
-        </p:nvSpPr>
-        <p:spPr/>
-        <p:txBody>
-          <a:bodyPr/>
-          <a:lstStyle/>
-          <a:p>
-            <a:pPr>
-              <a:defRPr/>
-            </a:pPr>
-            <a:fld id="{3806B3E2-D54F-4659-9127-650ECDAEBC50}" type="slidenum">
-              <a:rPr lang="en-US" smtClean="0"/>
-              <a:pPr>
-                <a:defRPr/>
-              </a:pPr>
               <a:t>117</a:t>
             </a:fld>
             <a:endParaRPr lang="en-US"/>
@@ -14529,7 +14569,7 @@
             <a:pPr algn="l" eaLnBrk="1" hangingPunct="1"/>
             <a:r>
               <a:rPr lang="en-US" dirty="0" smtClean="0"/>
-              <a:t>Problems</a:t>
+              <a:t>What have we learned? </a:t>
             </a:r>
           </a:p>
         </p:txBody>
@@ -14547,7 +14587,7 @@
         <p:spPr>
           <a:xfrm>
             <a:off x="457200" y="1600200"/>
-            <a:ext cx="7848600" cy="4525963"/>
+            <a:ext cx="7772400" cy="4525963"/>
           </a:xfrm>
         </p:spPr>
         <p:txBody>
@@ -14561,40 +14601,109 @@
             </a:pPr>
             <a:r>
               <a:rPr lang="en-US" sz="2400" dirty="0" smtClean="0"/>
-              <a:t>Problem Set A </a:t>
+              <a:t>Good institutions support productivity and economic performance</a:t>
+            </a:r>
+          </a:p>
+          <a:p>
+            <a:pPr>
+              <a:spcBef>
+                <a:spcPct val="50000"/>
+              </a:spcBef>
+              <a:spcAft>
+                <a:spcPts val="600"/>
+              </a:spcAft>
+            </a:pPr>
+            <a:r>
+              <a:rPr lang="en-US" sz="2400" dirty="0" smtClean="0"/>
+              <a:t>A short list includes </a:t>
             </a:r>
           </a:p>
           <a:p>
             <a:pPr lvl="1">
+              <a:lnSpc>
+                <a:spcPct val="90000"/>
+              </a:lnSpc>
+              <a:spcBef>
+                <a:spcPts val="600"/>
+              </a:spcBef>
+            </a:pPr>
+            <a:r>
+              <a:rPr lang="en-US" sz="2000" dirty="0" smtClean="0"/>
+              <a:t>Governance </a:t>
+            </a:r>
+          </a:p>
+          <a:p>
+            <a:pPr lvl="1">
+              <a:lnSpc>
+                <a:spcPct val="90000"/>
+              </a:lnSpc>
+              <a:spcBef>
+                <a:spcPts val="600"/>
+              </a:spcBef>
+            </a:pPr>
+            <a:r>
+              <a:rPr lang="en-US" sz="2000" dirty="0" smtClean="0"/>
+              <a:t>Rule of law </a:t>
+            </a:r>
+          </a:p>
+          <a:p>
+            <a:pPr lvl="1">
+              <a:lnSpc>
+                <a:spcPct val="90000"/>
+              </a:lnSpc>
+              <a:spcBef>
+                <a:spcPts val="600"/>
+              </a:spcBef>
+            </a:pPr>
+            <a:r>
+              <a:rPr lang="en-US" sz="2000" dirty="0" smtClean="0"/>
+              <a:t>Property rights</a:t>
+            </a:r>
+          </a:p>
+          <a:p>
+            <a:pPr lvl="1">
+              <a:lnSpc>
+                <a:spcPct val="90000"/>
+              </a:lnSpc>
+              <a:spcBef>
+                <a:spcPts val="600"/>
+              </a:spcBef>
+            </a:pPr>
+            <a:r>
+              <a:rPr lang="en-US" sz="2000" dirty="0" smtClean="0"/>
+              <a:t>Competitive markets </a:t>
+            </a:r>
+          </a:p>
+          <a:p>
+            <a:pPr>
+              <a:lnSpc>
+                <a:spcPct val="90000"/>
+              </a:lnSpc>
               <a:spcBef>
                 <a:spcPct val="50000"/>
               </a:spcBef>
             </a:pPr>
             <a:r>
-              <a:rPr lang="en-US" sz="2000" dirty="0" smtClean="0"/>
-              <a:t>Will not be collected, but good practice </a:t>
+              <a:rPr lang="en-US" sz="2400" dirty="0" smtClean="0"/>
+              <a:t>We have measures of all of </a:t>
+            </a:r>
+            <a:r>
+              <a:rPr lang="en-US" sz="2400" smtClean="0"/>
+              <a:t>these things </a:t>
             </a:r>
           </a:p>
           <a:p>
             <a:pPr>
+              <a:lnSpc>
+                <a:spcPct val="90000"/>
+              </a:lnSpc>
               <a:spcBef>
                 <a:spcPct val="50000"/>
               </a:spcBef>
             </a:pPr>
             <a:r>
               <a:rPr lang="en-US" sz="2400" dirty="0" smtClean="0"/>
-              <a:t>Problem Set #2 </a:t>
-            </a:r>
-          </a:p>
-          <a:p>
-            <a:pPr lvl="1">
-              <a:spcBef>
-                <a:spcPct val="50000"/>
-              </a:spcBef>
-            </a:pPr>
-            <a:r>
-              <a:rPr lang="en-US" sz="2000" dirty="0" smtClean="0"/>
-              <a:t>Due in two weeks, doable now</a:t>
+              <a:t>Macroeconomic policies matter, too [later] </a:t>
             </a:r>
           </a:p>
         </p:txBody>
@@ -14678,7 +14787,7 @@
             <a:pPr algn="l" eaLnBrk="1" hangingPunct="1"/>
             <a:r>
               <a:rPr lang="en-US" dirty="0" smtClean="0"/>
-              <a:t>For the ride home </a:t>
+              <a:t>Problems</a:t>
             </a:r>
           </a:p>
         </p:txBody>
@@ -14710,23 +14819,7 @@
             </a:pPr>
             <a:r>
               <a:rPr lang="en-US" sz="2400" dirty="0" smtClean="0"/>
-              <a:t>James </a:t>
-            </a:r>
-            <a:r>
-              <a:rPr lang="en-US" sz="2400" dirty="0" err="1" smtClean="0"/>
-              <a:t>Surowiecki</a:t>
-            </a:r>
-            <a:r>
-              <a:rPr lang="en-US" sz="2400" dirty="0" smtClean="0"/>
-              <a:t>, </a:t>
-            </a:r>
-            <a:r>
-              <a:rPr lang="en-US" sz="2400" i="1" dirty="0" smtClean="0"/>
-              <a:t>New Yorker</a:t>
-            </a:r>
-            <a:r>
-              <a:rPr lang="en-US" sz="2400" dirty="0" smtClean="0"/>
-              <a:t>, June 10, 2010</a:t>
+              <a:t>Problem Set A </a:t>
             </a:r>
           </a:p>
           <a:p>
@@ -14737,7 +14830,7 @@
             </a:pPr>
             <a:r>
               <a:rPr lang="en-US" sz="2000" dirty="0" smtClean="0"/>
-              <a:t>Regulation isn’t an obstacle to thriving markets, it’s a vital part of them.  </a:t>
+              <a:t>Will not be collected, but good practice </a:t>
             </a:r>
           </a:p>
           <a:p>
@@ -14748,18 +14841,18 @@
             </a:pPr>
             <a:r>
               <a:rPr lang="en-US" sz="2400" dirty="0" smtClean="0"/>
-              <a:t>Do you agree?  Disagree?  Both?  </a:t>
-            </a:r>
-          </a:p>
-          <a:p>
-            <a:pPr>
+              <a:t>Problem Set #2 </a:t>
+            </a:r>
+          </a:p>
+          <a:p>
+            <a:pPr lvl="1">
               <a:spcBef>
                 <a:spcPct val="50000"/>
               </a:spcBef>
             </a:pPr>
             <a:r>
-              <a:rPr lang="en-US" sz="2400" dirty="0" smtClean="0"/>
-              <a:t>Come to class with examples </a:t>
+              <a:rPr lang="en-US" sz="2000" dirty="0" smtClean="0"/>
+              <a:t>Due in two weeks, doable now</a:t>
             </a:r>
           </a:p>
         </p:txBody>
@@ -15177,6 +15270,171 @@
                 <a:defRPr/>
               </a:pPr>
               <a:t>12</a:t>
+            </a:fld>
+            <a:endParaRPr lang="en-US"/>
+          </a:p>
+        </p:txBody>
+      </p:sp>
+    </p:spTree>
+  </p:cSld>
+  <p:clrMapOvr>
+    <a:masterClrMapping/>
+  </p:clrMapOvr>
+  <p:timing>
+    <p:tnLst>
+      <p:par>
+        <p:cTn id="1" dur="indefinite" restart="never" nodeType="tmRoot"/>
+      </p:par>
+    </p:tnLst>
+  </p:timing>
+</p:sld>
+</file>
+
+<file path=ppt/slides/slide120.xml><?xml version="1.0" encoding="utf-8"?>
+<p:sld xmlns:a="http://schemas.openxmlformats.org/drawingml/2006/main" xmlns:r="http://schemas.openxmlformats.org/officeDocument/2006/relationships" xmlns:p="http://schemas.openxmlformats.org/presentationml/2006/main">
+  <p:cSld>
+    <p:spTree>
+      <p:nvGrpSpPr>
+        <p:cNvPr id="1" name=""/>
+        <p:cNvGrpSpPr/>
+        <p:nvPr/>
+      </p:nvGrpSpPr>
+      <p:grpSpPr>
+        <a:xfrm>
+          <a:off x="0" y="0"/>
+          <a:ext cx="0" cy="0"/>
+          <a:chOff x="0" y="0"/>
+          <a:chExt cx="0" cy="0"/>
+        </a:xfrm>
+      </p:grpSpPr>
+      <p:sp>
+        <p:nvSpPr>
+          <p:cNvPr id="52226" name="Rectangle 2"/>
+          <p:cNvSpPr>
+            <a:spLocks noGrp="1" noChangeArrowheads="1"/>
+          </p:cNvSpPr>
+          <p:nvPr>
+            <p:ph type="title"/>
+          </p:nvPr>
+        </p:nvSpPr>
+        <p:spPr/>
+        <p:txBody>
+          <a:bodyPr/>
+          <a:lstStyle/>
+          <a:p>
+            <a:pPr algn="l" eaLnBrk="1" hangingPunct="1"/>
+            <a:r>
+              <a:rPr lang="en-US" dirty="0" smtClean="0"/>
+              <a:t>For the ride home </a:t>
+            </a:r>
+          </a:p>
+        </p:txBody>
+      </p:sp>
+      <p:sp>
+        <p:nvSpPr>
+          <p:cNvPr id="52227" name="Rectangle 3"/>
+          <p:cNvSpPr>
+            <a:spLocks noGrp="1" noChangeArrowheads="1"/>
+          </p:cNvSpPr>
+          <p:nvPr>
+            <p:ph type="body" idx="1"/>
+          </p:nvPr>
+        </p:nvSpPr>
+        <p:spPr>
+          <a:xfrm>
+            <a:off x="457200" y="1600200"/>
+            <a:ext cx="7848600" cy="4525963"/>
+          </a:xfrm>
+        </p:spPr>
+        <p:txBody>
+          <a:bodyPr/>
+          <a:lstStyle/>
+          <a:p>
+            <a:pPr>
+              <a:spcBef>
+                <a:spcPct val="50000"/>
+              </a:spcBef>
+            </a:pPr>
+            <a:r>
+              <a:rPr lang="en-US" sz="2400" dirty="0" smtClean="0"/>
+              <a:t>James </a:t>
+            </a:r>
+            <a:r>
+              <a:rPr lang="en-US" sz="2400" dirty="0" err="1" smtClean="0"/>
+              <a:t>Surowiecki</a:t>
+            </a:r>
+            <a:r>
+              <a:rPr lang="en-US" sz="2400" dirty="0" smtClean="0"/>
+              <a:t>, </a:t>
+            </a:r>
+            <a:r>
+              <a:rPr lang="en-US" sz="2400" i="1" dirty="0" smtClean="0"/>
+              <a:t>New Yorker</a:t>
+            </a:r>
+            <a:r>
+              <a:rPr lang="en-US" sz="2400" dirty="0" smtClean="0"/>
+              <a:t>, June 10, 2010</a:t>
+            </a:r>
+          </a:p>
+          <a:p>
+            <a:pPr lvl="1">
+              <a:spcBef>
+                <a:spcPct val="50000"/>
+              </a:spcBef>
+            </a:pPr>
+            <a:r>
+              <a:rPr lang="en-US" sz="2000" dirty="0" smtClean="0"/>
+              <a:t>Regulation isn’t an obstacle to thriving markets, it’s a vital part of them.  </a:t>
+            </a:r>
+          </a:p>
+          <a:p>
+            <a:pPr>
+              <a:spcBef>
+                <a:spcPct val="50000"/>
+              </a:spcBef>
+            </a:pPr>
+            <a:r>
+              <a:rPr lang="en-US" sz="2400" dirty="0" smtClean="0"/>
+              <a:t>Do you agree?  Disagree?  Both?  </a:t>
+            </a:r>
+          </a:p>
+          <a:p>
+            <a:pPr>
+              <a:spcBef>
+                <a:spcPct val="50000"/>
+              </a:spcBef>
+            </a:pPr>
+            <a:r>
+              <a:rPr lang="en-US" sz="2400" dirty="0" smtClean="0"/>
+              <a:t>Come to class with examples </a:t>
+            </a:r>
+          </a:p>
+        </p:txBody>
+      </p:sp>
+      <p:sp>
+        <p:nvSpPr>
+          <p:cNvPr id="4" name="Slide Number Placeholder 3"/>
+          <p:cNvSpPr>
+            <a:spLocks noGrp="1"/>
+          </p:cNvSpPr>
+          <p:nvPr>
+            <p:ph type="sldNum" sz="quarter" idx="12"/>
+          </p:nvPr>
+        </p:nvSpPr>
+        <p:spPr/>
+        <p:txBody>
+          <a:bodyPr/>
+          <a:lstStyle/>
+          <a:p>
+            <a:pPr>
+              <a:defRPr/>
+            </a:pPr>
+            <a:fld id="{3806B3E2-D54F-4659-9127-650ECDAEBC50}" type="slidenum">
+              <a:rPr lang="en-US" smtClean="0"/>
+              <a:pPr>
+                <a:defRPr/>
+              </a:pPr>
+              <a:t>120</a:t>
             </a:fld>
             <a:endParaRPr lang="en-US"/>
           </a:p>
@@ -48161,7 +48419,11 @@
             </a:pPr>
             <a:r>
               <a:rPr lang="en-US" sz="2400" dirty="0" smtClean="0"/>
-              <a:t>Old Czech joke (circa 1968): </a:t>
+              <a:t>Another old </a:t>
+            </a:r>
+            <a:r>
+              <a:rPr lang="en-US" sz="2400" dirty="0" smtClean="0"/>
+              <a:t>Soviet joke:  </a:t>
             </a:r>
           </a:p>
           <a:p>
@@ -48172,8 +48434,17 @@
             </a:pPr>
             <a:r>
               <a:rPr lang="en-US" sz="2000" dirty="0" smtClean="0"/>
-              <a:t>The difference between capitalism and socialism?  Under capitalism, Man oppresses Man.  Under socialism it’s exactly the opposite.  </a:t>
-            </a:r>
+              <a:t>O</a:t>
+            </a:r>
+            <a:r>
+              <a:rPr lang="en-US" sz="2000" dirty="0" smtClean="0"/>
+              <a:t>ne </a:t>
+            </a:r>
+            <a:r>
+              <a:rPr lang="en-US" sz="2000" dirty="0"/>
+              <a:t>can’t help but be reminded of the old Soviet joke about the collective farm director and his chickens. The chickens are dying at an alarming rate, so much so that Moscow sends in its top expert. “I have an idea,” the expert says. “Switch out the rectangular troughs for triangular ones.” He promises to come back in two weeks to monitor the progress. “So?” he asks on his return. “It didn’t work,” the director replies. “The chickens kept dying.” “I have a better idea,” the expert says. “Paint the coops green.” Two weeks pass, and he’s back. “The chickens kept dying,” the director says. Again, a new idea. Again he returns to hear that the chickens keep dying. One day, the expert comes back, and the director announces, “All the chickens are dead.” “What a shame,” the expert says. “I had so many more great ideas.”</a:t>
+            </a:r>
+            <a:endParaRPr lang="en-US" sz="2000" dirty="0" smtClean="0"/>
           </a:p>
         </p:txBody>
       </p:sp>
@@ -48207,6 +48478,11 @@
         </p:txBody>
       </p:sp>
     </p:spTree>
+    <p:extLst>
+      <p:ext uri="{BB962C8B-B14F-4D97-AF65-F5344CB8AC3E}">
+        <p14:creationId xmlns:p14="http://schemas.microsoft.com/office/powerpoint/2010/main" val="1793140060"/>
+      </p:ext>
+    </p:extLst>
   </p:cSld>
   <p:clrMapOvr>
     <a:masterClrMapping/>
@@ -48271,41 +48547,38 @@
             <p:ph type="body" idx="1"/>
           </p:nvPr>
         </p:nvSpPr>
-        <p:spPr/>
+        <p:spPr>
+          <a:xfrm>
+            <a:off x="457200" y="1600200"/>
+            <a:ext cx="7772400" cy="4525963"/>
+          </a:xfrm>
+        </p:spPr>
         <p:txBody>
           <a:bodyPr/>
           <a:lstStyle/>
           <a:p>
-            <a:pPr eaLnBrk="1" hangingPunct="1">
+            <a:pPr>
+              <a:lnSpc>
+                <a:spcPct val="90000"/>
+              </a:lnSpc>
               <a:spcBef>
                 <a:spcPct val="50000"/>
               </a:spcBef>
             </a:pPr>
             <a:r>
               <a:rPr lang="en-US" sz="2400" dirty="0" smtClean="0"/>
-              <a:t>Rule of law </a:t>
-            </a:r>
-          </a:p>
-          <a:p>
-            <a:pPr lvl="1" eaLnBrk="1" hangingPunct="1">
+              <a:t>Old Czech joke (circa 1968): </a:t>
+            </a:r>
+          </a:p>
+          <a:p>
+            <a:pPr lvl="1">
               <a:spcBef>
                 <a:spcPct val="50000"/>
               </a:spcBef>
             </a:pPr>
             <a:r>
               <a:rPr lang="en-US" sz="2000" dirty="0" smtClean="0"/>
-              <a:t>Legal system must enforce the law </a:t>
-            </a:r>
-          </a:p>
-          <a:p>
-            <a:pPr lvl="1" eaLnBrk="1" hangingPunct="1">
-              <a:spcBef>
-                <a:spcPct val="50000"/>
-              </a:spcBef>
-            </a:pPr>
-            <a:r>
-              <a:rPr lang="en-US" sz="2000" dirty="0" smtClean="0"/>
-              <a:t>Honest police and judiciary </a:t>
+              <a:t>The difference between capitalism and socialism?  Under capitalism, Man oppresses Man.  Under socialism it’s exactly the opposite.  </a:t>
             </a:r>
           </a:p>
         </p:txBody>
@@ -48471,7 +48744,7 @@
             </a:pPr>
             <a:r>
               <a:rPr lang="en-US" sz="2400" dirty="0" smtClean="0"/>
-              <a:t>Property rights </a:t>
+              <a:t>Rule of law </a:t>
             </a:r>
           </a:p>
           <a:p>
@@ -48482,7 +48755,7 @@
             </a:pPr>
             <a:r>
               <a:rPr lang="en-US" sz="2000" dirty="0" smtClean="0"/>
-              <a:t>Should be clearly defined </a:t>
+              <a:t>Legal system must enforce the law </a:t>
             </a:r>
           </a:p>
           <a:p>
@@ -48493,7 +48766,7 @@
             </a:pPr>
             <a:r>
               <a:rPr lang="en-US" sz="2000" dirty="0" smtClean="0"/>
-              <a:t>And enforced </a:t>
+              <a:t>Honest police and judiciary </a:t>
             </a:r>
           </a:p>
         </p:txBody>
@@ -48592,46 +48865,41 @@
             <p:ph type="body" idx="1"/>
           </p:nvPr>
         </p:nvSpPr>
-        <p:spPr>
-          <a:xfrm>
-            <a:off x="457200" y="1600200"/>
-            <a:ext cx="7772400" cy="4525963"/>
-          </a:xfrm>
-        </p:spPr>
+        <p:spPr/>
         <p:txBody>
           <a:bodyPr/>
           <a:lstStyle/>
           <a:p>
-            <a:pPr>
+            <a:pPr eaLnBrk="1" hangingPunct="1">
               <a:spcBef>
                 <a:spcPct val="50000"/>
               </a:spcBef>
             </a:pPr>
             <a:r>
               <a:rPr lang="en-US" sz="2400" dirty="0" smtClean="0"/>
-              <a:t>Kenneth Arrow, “Gifts and exchange”</a:t>
-            </a:r>
-          </a:p>
-          <a:p>
-            <a:pPr lvl="1">
+              <a:t>Property rights </a:t>
+            </a:r>
+          </a:p>
+          <a:p>
+            <a:pPr lvl="1" eaLnBrk="1" hangingPunct="1">
               <a:spcBef>
                 <a:spcPct val="50000"/>
               </a:spcBef>
             </a:pPr>
             <a:r>
               <a:rPr lang="en-US" sz="2000" dirty="0" smtClean="0"/>
-              <a:t>[A market] system must involve the concept of property.  [But] property systems are not self-enforcing, they depend upon a constellation of legal procedures.  The judges and police may indeed be paid, but the system itself would disappear if on each occasion they were to sell their services and decisions. Thus the definition of property rights depends precisely on the lack of universality of private property.  </a:t>
-            </a:r>
-          </a:p>
-          <a:p>
-            <a:pPr>
+              <a:t>Should be clearly defined </a:t>
+            </a:r>
+          </a:p>
+          <a:p>
+            <a:pPr lvl="1" eaLnBrk="1" hangingPunct="1">
               <a:spcBef>
                 <a:spcPct val="50000"/>
               </a:spcBef>
             </a:pPr>
             <a:r>
-              <a:rPr lang="en-US" sz="2400" dirty="0" smtClean="0"/>
-              <a:t>My take:  without rule of law, property rights are meaningless </a:t>
+              <a:rPr lang="en-US" sz="2000" dirty="0" smtClean="0"/>
+              <a:t>And enforced </a:t>
             </a:r>
           </a:p>
         </p:txBody>
@@ -48643,18 +48911,10 @@
             <a:spLocks noGrp="1"/>
           </p:cNvSpPr>
           <p:nvPr>
-            <p:ph type="sldNum" sz="quarter" idx="4294967295"/>
+            <p:ph type="sldNum" sz="quarter" idx="12"/>
           </p:nvPr>
         </p:nvSpPr>
-        <p:spPr>
-          <a:xfrm>
-            <a:off x="6553200" y="6245225"/>
-            <a:ext cx="2133600" cy="476250"/>
-          </a:xfrm>
-          <a:prstGeom prst="rect">
-            <a:avLst/>
-          </a:prstGeom>
-        </p:spPr>
+        <p:spPr/>
         <p:txBody>
           <a:bodyPr/>
           <a:lstStyle/>
@@ -48738,61 +48998,47 @@
             <p:ph type="body" idx="1"/>
           </p:nvPr>
         </p:nvSpPr>
-        <p:spPr/>
+        <p:spPr>
+          <a:xfrm>
+            <a:off x="457200" y="1600200"/>
+            <a:ext cx="7772400" cy="4525963"/>
+          </a:xfrm>
+        </p:spPr>
         <p:txBody>
           <a:bodyPr/>
           <a:lstStyle/>
           <a:p>
-            <a:pPr eaLnBrk="1" hangingPunct="1">
+            <a:pPr>
               <a:spcBef>
                 <a:spcPct val="50000"/>
               </a:spcBef>
             </a:pPr>
             <a:r>
               <a:rPr lang="en-US" sz="2400" dirty="0" smtClean="0"/>
-              <a:t>Open, honest, competitive markets</a:t>
-            </a:r>
-          </a:p>
-          <a:p>
-            <a:pPr lvl="1" eaLnBrk="1" hangingPunct="1">
+              <a:t>Kenneth Arrow, “Gifts and exchange”</a:t>
+            </a:r>
+          </a:p>
+          <a:p>
+            <a:pPr lvl="1">
               <a:spcBef>
                 <a:spcPct val="50000"/>
               </a:spcBef>
             </a:pPr>
             <a:r>
               <a:rPr lang="en-US" sz="2000" dirty="0" smtClean="0"/>
-              <a:t>Not “free” markets </a:t>
-            </a:r>
-          </a:p>
-          <a:p>
-            <a:pPr lvl="1" eaLnBrk="1" hangingPunct="1">
+              <a:t>[A market] system must involve the concept of property.  [But] property systems are not self-enforcing, they depend upon a constellation of legal procedures.  The judges and police may indeed be paid, but the system itself would disappear if on each occasion they were to sell their services and decisions. Thus the definition of property rights depends precisely on the lack of universality of private property.  </a:t>
+            </a:r>
+          </a:p>
+          <a:p>
+            <a:pPr>
               <a:spcBef>
                 <a:spcPct val="50000"/>
               </a:spcBef>
             </a:pPr>
             <a:r>
-              <a:rPr lang="en-US" sz="2000" dirty="0" smtClean="0"/>
-              <a:t>Competitive, not monopolies </a:t>
-            </a:r>
-          </a:p>
-          <a:p>
-            <a:pPr lvl="1" eaLnBrk="1" hangingPunct="1">
-              <a:spcBef>
-                <a:spcPct val="50000"/>
-              </a:spcBef>
-            </a:pPr>
-            <a:r>
-              <a:rPr lang="en-US" sz="2000" dirty="0" smtClean="0"/>
-              <a:t>Free entry </a:t>
-            </a:r>
-          </a:p>
-          <a:p>
-            <a:pPr lvl="1" eaLnBrk="1" hangingPunct="1">
-              <a:spcBef>
-                <a:spcPct val="50000"/>
-              </a:spcBef>
-            </a:pPr>
-            <a:endParaRPr lang="en-US" sz="2000" dirty="0" smtClean="0"/>
+              <a:rPr lang="en-US" sz="2400" dirty="0" smtClean="0"/>
+              <a:t>My take:  without rule of law, property rights are meaningless </a:t>
+            </a:r>
           </a:p>
         </p:txBody>
       </p:sp>
@@ -48803,10 +49049,18 @@
             <a:spLocks noGrp="1"/>
           </p:cNvSpPr>
           <p:nvPr>
-            <p:ph type="sldNum" sz="quarter" idx="12"/>
+            <p:ph type="sldNum" sz="quarter" idx="4294967295"/>
           </p:nvPr>
         </p:nvSpPr>
-        <p:spPr/>
+        <p:spPr>
+          <a:xfrm>
+            <a:off x="6553200" y="6245225"/>
+            <a:ext cx="2133600" cy="476250"/>
+          </a:xfrm>
+          <a:prstGeom prst="rect">
+            <a:avLst/>
+          </a:prstGeom>
+        </p:spPr>
         <p:txBody>
           <a:bodyPr/>
           <a:lstStyle/>
@@ -48859,12 +49113,12 @@
       </p:grpSpPr>
       <p:sp>
         <p:nvSpPr>
-          <p:cNvPr id="21506" name="Rectangle 4"/>
+          <p:cNvPr id="52226" name="Rectangle 2"/>
           <p:cNvSpPr>
             <a:spLocks noGrp="1" noChangeArrowheads="1"/>
           </p:cNvSpPr>
           <p:nvPr>
-            <p:ph type="ctrTitle"/>
+            <p:ph type="title"/>
           </p:nvPr>
         </p:nvSpPr>
         <p:spPr/>
@@ -48872,20 +49126,112 @@
           <a:bodyPr/>
           <a:lstStyle/>
           <a:p>
-            <a:pPr eaLnBrk="1" hangingPunct="1"/>
+            <a:pPr algn="l" eaLnBrk="1" hangingPunct="1"/>
             <a:r>
               <a:rPr lang="en-US" dirty="0" smtClean="0"/>
-              <a:t>Measuring institutional quality</a:t>
-            </a:r>
+              <a:t>Institutions</a:t>
+            </a:r>
+          </a:p>
+        </p:txBody>
+      </p:sp>
+      <p:sp>
+        <p:nvSpPr>
+          <p:cNvPr id="52227" name="Rectangle 3"/>
+          <p:cNvSpPr>
+            <a:spLocks noGrp="1" noChangeArrowheads="1"/>
+          </p:cNvSpPr>
+          <p:nvPr>
+            <p:ph type="body" idx="1"/>
+          </p:nvPr>
+        </p:nvSpPr>
+        <p:spPr/>
+        <p:txBody>
+          <a:bodyPr/>
+          <a:lstStyle/>
+          <a:p>
+            <a:pPr eaLnBrk="1" hangingPunct="1">
+              <a:spcBef>
+                <a:spcPct val="50000"/>
+              </a:spcBef>
+            </a:pPr>
+            <a:r>
+              <a:rPr lang="en-US" sz="2400" dirty="0" smtClean="0"/>
+              <a:t>Open, honest, competitive markets</a:t>
+            </a:r>
+          </a:p>
+          <a:p>
+            <a:pPr lvl="1" eaLnBrk="1" hangingPunct="1">
+              <a:spcBef>
+                <a:spcPct val="50000"/>
+              </a:spcBef>
+            </a:pPr>
+            <a:r>
+              <a:rPr lang="en-US" sz="2000" dirty="0" smtClean="0"/>
+              <a:t>Not “free” markets </a:t>
+            </a:r>
+          </a:p>
+          <a:p>
+            <a:pPr lvl="1" eaLnBrk="1" hangingPunct="1">
+              <a:spcBef>
+                <a:spcPct val="50000"/>
+              </a:spcBef>
+            </a:pPr>
+            <a:r>
+              <a:rPr lang="en-US" sz="2000" dirty="0" smtClean="0"/>
+              <a:t>Competitive, not monopolies </a:t>
+            </a:r>
+          </a:p>
+          <a:p>
+            <a:pPr lvl="1" eaLnBrk="1" hangingPunct="1">
+              <a:spcBef>
+                <a:spcPct val="50000"/>
+              </a:spcBef>
+            </a:pPr>
+            <a:r>
+              <a:rPr lang="en-US" sz="2000" dirty="0" smtClean="0"/>
+              <a:t>Free entry </a:t>
+            </a:r>
+          </a:p>
+          <a:p>
+            <a:pPr lvl="1" eaLnBrk="1" hangingPunct="1">
+              <a:spcBef>
+                <a:spcPct val="50000"/>
+              </a:spcBef>
+            </a:pPr>
+            <a:endParaRPr lang="en-US" sz="2000" dirty="0" smtClean="0"/>
+          </a:p>
+        </p:txBody>
+      </p:sp>
+      <p:sp>
+        <p:nvSpPr>
+          <p:cNvPr id="4" name="Slide Number Placeholder 3"/>
+          <p:cNvSpPr>
+            <a:spLocks noGrp="1"/>
+          </p:cNvSpPr>
+          <p:nvPr>
+            <p:ph type="sldNum" sz="quarter" idx="12"/>
+          </p:nvPr>
+        </p:nvSpPr>
+        <p:spPr/>
+        <p:txBody>
+          <a:bodyPr/>
+          <a:lstStyle/>
+          <a:p>
+            <a:pPr>
+              <a:defRPr/>
+            </a:pPr>
+            <a:fld id="{3806B3E2-D54F-4659-9127-650ECDAEBC50}" type="slidenum">
+              <a:rPr lang="en-US" smtClean="0"/>
+              <a:pPr>
+                <a:defRPr/>
+              </a:pPr>
+              <a:t>73</a:t>
+            </a:fld>
+            <a:endParaRPr lang="en-US"/>
           </a:p>
         </p:txBody>
       </p:sp>
     </p:spTree>
-    <p:extLst>
-      <p:ext uri="{BB962C8B-B14F-4D97-AF65-F5344CB8AC3E}">
-        <p14:creationId xmlns:p14="http://schemas.microsoft.com/office/powerpoint/2010/main" val="2264648516"/>
-      </p:ext>
-    </p:extLst>
   </p:cSld>
   <p:clrMapOvr>
     <a:masterClrMapping/>
@@ -48919,12 +49265,12 @@
       </p:grpSpPr>
       <p:sp>
         <p:nvSpPr>
-          <p:cNvPr id="64514" name="Rectangle 2"/>
+          <p:cNvPr id="21506" name="Rectangle 4"/>
           <p:cNvSpPr>
             <a:spLocks noGrp="1" noChangeArrowheads="1"/>
           </p:cNvSpPr>
           <p:nvPr>
-            <p:ph type="title"/>
+            <p:ph type="ctrTitle"/>
           </p:nvPr>
         </p:nvSpPr>
         <p:spPr/>
@@ -48932,139 +49278,18 @@
           <a:bodyPr/>
           <a:lstStyle/>
           <a:p>
-            <a:pPr algn="l" eaLnBrk="1" hangingPunct="1"/>
+            <a:pPr eaLnBrk="1" hangingPunct="1"/>
             <a:r>
               <a:rPr lang="en-US" dirty="0" smtClean="0"/>
               <a:t>Measuring institutional quality</a:t>
             </a:r>
-          </a:p>
-        </p:txBody>
-      </p:sp>
-      <p:sp>
-        <p:nvSpPr>
-          <p:cNvPr id="64515" name="Rectangle 3"/>
-          <p:cNvSpPr>
-            <a:spLocks noGrp="1" noChangeArrowheads="1"/>
-          </p:cNvSpPr>
-          <p:nvPr>
-            <p:ph type="body" idx="1"/>
-          </p:nvPr>
-        </p:nvSpPr>
-        <p:spPr>
-          <a:xfrm>
-            <a:off x="457200" y="1653525"/>
-            <a:ext cx="8229600" cy="4114512"/>
-          </a:xfrm>
-        </p:spPr>
-        <p:txBody>
-          <a:bodyPr/>
-          <a:lstStyle/>
-          <a:p>
-            <a:pPr eaLnBrk="1" hangingPunct="1">
-              <a:spcBef>
-                <a:spcPts val="1200"/>
-              </a:spcBef>
-              <a:spcAft>
-                <a:spcPts val="600"/>
-              </a:spcAft>
-            </a:pPr>
-            <a:r>
-              <a:rPr lang="en-US" sz="2400" dirty="0" smtClean="0"/>
-              <a:t>Bill Gates</a:t>
-            </a:r>
-          </a:p>
-          <a:p>
-            <a:pPr lvl="1" eaLnBrk="1" hangingPunct="1">
-              <a:spcBef>
-                <a:spcPts val="1200"/>
-              </a:spcBef>
-              <a:spcAft>
-                <a:spcPts val="600"/>
-              </a:spcAft>
-            </a:pPr>
-            <a:r>
-              <a:rPr lang="en-US" sz="2000" dirty="0"/>
-              <a:t>I have been struck by how important measurement is to improving the human condition. You can achieve incredible progress if you set a clear goal and find a measure that will drive progress toward that goal. </a:t>
-            </a:r>
-            <a:endParaRPr lang="en-US" sz="2000" dirty="0" smtClean="0"/>
-          </a:p>
-          <a:p>
-            <a:pPr eaLnBrk="1" hangingPunct="1">
-              <a:spcBef>
-                <a:spcPts val="1200"/>
-              </a:spcBef>
-              <a:spcAft>
-                <a:spcPts val="600"/>
-              </a:spcAft>
-            </a:pPr>
-            <a:r>
-              <a:rPr lang="en-US" sz="2400" dirty="0" smtClean="0"/>
-              <a:t>Lots of measures now available </a:t>
-            </a:r>
-          </a:p>
-          <a:p>
-            <a:pPr lvl="1" eaLnBrk="1" hangingPunct="1">
-              <a:spcBef>
-                <a:spcPts val="600"/>
-              </a:spcBef>
-              <a:spcAft>
-                <a:spcPts val="0"/>
-              </a:spcAft>
-            </a:pPr>
-            <a:r>
-              <a:rPr lang="en-US" sz="2000" dirty="0" smtClean="0"/>
-              <a:t>Attempts to quantify institutional features of the economic and business environment </a:t>
-            </a:r>
-          </a:p>
-          <a:p>
-            <a:pPr lvl="1" eaLnBrk="1" hangingPunct="1">
-              <a:spcBef>
-                <a:spcPts val="600"/>
-              </a:spcBef>
-              <a:spcAft>
-                <a:spcPts val="0"/>
-              </a:spcAft>
-            </a:pPr>
-            <a:r>
-              <a:rPr lang="en-US" sz="2000" dirty="0" smtClean="0"/>
-              <a:t>See links on resource page </a:t>
-            </a:r>
-          </a:p>
-        </p:txBody>
-      </p:sp>
-      <p:sp>
-        <p:nvSpPr>
-          <p:cNvPr id="4" name="Slide Number Placeholder 3"/>
-          <p:cNvSpPr>
-            <a:spLocks noGrp="1"/>
-          </p:cNvSpPr>
-          <p:nvPr>
-            <p:ph type="sldNum" sz="quarter" idx="12"/>
-          </p:nvPr>
-        </p:nvSpPr>
-        <p:spPr/>
-        <p:txBody>
-          <a:bodyPr/>
-          <a:lstStyle/>
-          <a:p>
-            <a:pPr>
-              <a:defRPr/>
-            </a:pPr>
-            <a:fld id="{3806B3E2-D54F-4659-9127-650ECDAEBC50}" type="slidenum">
-              <a:rPr lang="en-US" smtClean="0"/>
-              <a:pPr>
-                <a:defRPr/>
-              </a:pPr>
-              <a:t>74</a:t>
-            </a:fld>
-            <a:endParaRPr lang="en-US"/>
           </a:p>
         </p:txBody>
       </p:sp>
     </p:spTree>
     <p:extLst>
       <p:ext uri="{BB962C8B-B14F-4D97-AF65-F5344CB8AC3E}">
-        <p14:creationId xmlns:p14="http://schemas.microsoft.com/office/powerpoint/2010/main" val="1293585478"/>
+        <p14:creationId xmlns:p14="http://schemas.microsoft.com/office/powerpoint/2010/main" val="2264648516"/>
       </p:ext>
     </p:extLst>
   </p:cSld>
@@ -49100,7 +49325,7 @@
       </p:grpSpPr>
       <p:sp>
         <p:nvSpPr>
-          <p:cNvPr id="7170" name="Rectangle 2"/>
+          <p:cNvPr id="64514" name="Rectangle 2"/>
           <p:cNvSpPr>
             <a:spLocks noGrp="1" noChangeArrowheads="1"/>
           </p:cNvSpPr>
@@ -49116,14 +49341,14 @@
             <a:pPr algn="l" eaLnBrk="1" hangingPunct="1"/>
             <a:r>
               <a:rPr lang="en-US" dirty="0" smtClean="0"/>
-              <a:t>Measures of institutional quality </a:t>
+              <a:t>Measuring institutional quality</a:t>
             </a:r>
           </a:p>
         </p:txBody>
       </p:sp>
       <p:sp>
         <p:nvSpPr>
-          <p:cNvPr id="7171" name="Rectangle 3"/>
+          <p:cNvPr id="64515" name="Rectangle 3"/>
           <p:cNvSpPr>
             <a:spLocks noGrp="1" noChangeArrowheads="1"/>
           </p:cNvSpPr>
@@ -49131,130 +49356,84 @@
             <p:ph type="body" idx="1"/>
           </p:nvPr>
         </p:nvSpPr>
-        <p:spPr/>
+        <p:spPr>
+          <a:xfrm>
+            <a:off x="457200" y="1653525"/>
+            <a:ext cx="8229600" cy="4114512"/>
+          </a:xfrm>
+        </p:spPr>
         <p:txBody>
           <a:bodyPr/>
           <a:lstStyle/>
           <a:p>
             <a:pPr eaLnBrk="1" hangingPunct="1">
               <a:spcBef>
-                <a:spcPct val="50000"/>
+                <a:spcPts val="1200"/>
               </a:spcBef>
+              <a:spcAft>
+                <a:spcPts val="600"/>
+              </a:spcAft>
             </a:pPr>
             <a:r>
               <a:rPr lang="en-US" sz="2400" dirty="0" smtClean="0"/>
-              <a:t>Good sources </a:t>
+              <a:t>Bill Gates</a:t>
             </a:r>
           </a:p>
           <a:p>
             <a:pPr lvl="1" eaLnBrk="1" hangingPunct="1">
-              <a:lnSpc>
-                <a:spcPct val="90000"/>
-              </a:lnSpc>
               <a:spcBef>
-                <a:spcPct val="50000"/>
+                <a:spcPts val="1200"/>
               </a:spcBef>
+              <a:spcAft>
+                <a:spcPts val="600"/>
+              </a:spcAft>
             </a:pPr>
             <a:r>
-              <a:rPr lang="en-US" sz="2000" dirty="0" smtClean="0"/>
-              <a:t>World Bank, </a:t>
-            </a:r>
-            <a:r>
-              <a:rPr lang="en-US" sz="2000" i="1" dirty="0" smtClean="0"/>
-              <a:t>World Governance Indicators</a:t>
-            </a:r>
-            <a:r>
-              <a:rPr lang="en-US" sz="2000" dirty="0" smtClean="0"/>
-              <a:t> </a:t>
-            </a:r>
-          </a:p>
-          <a:p>
-            <a:pPr lvl="1" eaLnBrk="1" hangingPunct="1">
-              <a:lnSpc>
-                <a:spcPct val="90000"/>
-              </a:lnSpc>
-              <a:spcBef>
-                <a:spcPct val="50000"/>
-              </a:spcBef>
-            </a:pPr>
-            <a:r>
-              <a:rPr lang="en-US" sz="2000" dirty="0" smtClean="0"/>
-              <a:t>World Bank, </a:t>
-            </a:r>
-            <a:r>
-              <a:rPr lang="en-US" sz="2000" i="1" dirty="0" smtClean="0"/>
-              <a:t>Doing Business </a:t>
-            </a:r>
-          </a:p>
-          <a:p>
-            <a:pPr lvl="1" eaLnBrk="1" hangingPunct="1">
-              <a:lnSpc>
-                <a:spcPct val="90000"/>
-              </a:lnSpc>
-              <a:spcBef>
-                <a:spcPct val="50000"/>
-              </a:spcBef>
-            </a:pPr>
-            <a:r>
-              <a:rPr lang="en-US" sz="2000" dirty="0" smtClean="0"/>
-              <a:t>Transparency International, corruption indexes </a:t>
-            </a:r>
+              <a:rPr lang="en-US" sz="2000" dirty="0"/>
+              <a:t>I have been struck by how important measurement is to improving the human condition. You can achieve incredible progress if you set a clear goal and find a measure that will drive progress toward that goal. </a:t>
+            </a:r>
+            <a:endParaRPr lang="en-US" sz="2000" dirty="0" smtClean="0"/>
           </a:p>
           <a:p>
             <a:pPr eaLnBrk="1" hangingPunct="1">
               <a:spcBef>
-                <a:spcPct val="50000"/>
+                <a:spcPts val="1200"/>
               </a:spcBef>
+              <a:spcAft>
+                <a:spcPts val="600"/>
+              </a:spcAft>
             </a:pPr>
             <a:r>
               <a:rPr lang="en-US" sz="2400" dirty="0" smtClean="0"/>
-              <a:t>Useful aggregators</a:t>
+              <a:t>Lots of measures now available </a:t>
             </a:r>
           </a:p>
           <a:p>
             <a:pPr lvl="1" eaLnBrk="1" hangingPunct="1">
-              <a:lnSpc>
-                <a:spcPct val="90000"/>
-              </a:lnSpc>
               <a:spcBef>
-                <a:spcPct val="50000"/>
+                <a:spcPts val="600"/>
               </a:spcBef>
+              <a:spcAft>
+                <a:spcPts val="0"/>
+              </a:spcAft>
             </a:pPr>
             <a:r>
               <a:rPr lang="en-US" sz="2000" dirty="0" smtClean="0"/>
-              <a:t>Economist Intelligence Unit, various reports </a:t>
+              <a:t>Attempts to quantify institutional features of the economic and business environment </a:t>
             </a:r>
           </a:p>
           <a:p>
             <a:pPr lvl="1" eaLnBrk="1" hangingPunct="1">
-              <a:lnSpc>
-                <a:spcPct val="90000"/>
-              </a:lnSpc>
               <a:spcBef>
-                <a:spcPct val="50000"/>
+                <a:spcPts val="600"/>
               </a:spcBef>
+              <a:spcAft>
+                <a:spcPts val="0"/>
+              </a:spcAft>
             </a:pPr>
             <a:r>
               <a:rPr lang="en-US" sz="2000" dirty="0" smtClean="0"/>
-              <a:t>World Economic Forum, </a:t>
-            </a:r>
-            <a:r>
-              <a:rPr lang="en-US" sz="2000" i="1" dirty="0" smtClean="0"/>
-              <a:t>Global Competitiveness Report</a:t>
-            </a:r>
-          </a:p>
-          <a:p>
-            <a:pPr eaLnBrk="1" hangingPunct="1">
-              <a:lnSpc>
-                <a:spcPct val="90000"/>
-              </a:lnSpc>
-              <a:spcBef>
-                <a:spcPct val="50000"/>
-              </a:spcBef>
-            </a:pPr>
-            <a:r>
-              <a:rPr lang="en-US" sz="2400" dirty="0" smtClean="0"/>
-              <a:t>Links to these and more on the “resources” page  </a:t>
+              <a:t>See links on resource page </a:t>
             </a:r>
           </a:p>
         </p:txBody>
@@ -49291,7 +49470,7 @@
     </p:spTree>
     <p:extLst>
       <p:ext uri="{BB962C8B-B14F-4D97-AF65-F5344CB8AC3E}">
-        <p14:creationId xmlns:p14="http://schemas.microsoft.com/office/powerpoint/2010/main" val="1233325825"/>
+        <p14:creationId xmlns:p14="http://schemas.microsoft.com/office/powerpoint/2010/main" val="1293585478"/>
       </p:ext>
     </p:extLst>
   </p:cSld>
@@ -49327,7 +49506,7 @@
       </p:grpSpPr>
       <p:sp>
         <p:nvSpPr>
-          <p:cNvPr id="63490" name="Rectangle 4"/>
+          <p:cNvPr id="7170" name="Rectangle 2"/>
           <p:cNvSpPr>
             <a:spLocks noGrp="1" noChangeArrowheads="1"/>
           </p:cNvSpPr>
@@ -49343,68 +49522,152 @@
             <a:pPr algn="l" eaLnBrk="1" hangingPunct="1"/>
             <a:r>
               <a:rPr lang="en-US" dirty="0" smtClean="0"/>
-              <a:t>Government effectiveness</a:t>
-            </a:r>
-          </a:p>
-        </p:txBody>
-      </p:sp>
-      <p:graphicFrame>
-        <p:nvGraphicFramePr>
-          <p:cNvPr id="6" name="Object 2"/>
-          <p:cNvGraphicFramePr>
-            <a:graphicFrameLocks noGrp="1" noChangeAspect="1"/>
-          </p:cNvGraphicFramePr>
-          <p:nvPr>
-            <p:ph idx="1"/>
-          </p:nvPr>
-        </p:nvGraphicFramePr>
-        <p:xfrm>
-          <a:off x="508000" y="1652588"/>
-          <a:ext cx="8008125" cy="4367212"/>
-        </p:xfrm>
-        <a:graphic>
-          <a:graphicData uri="http://schemas.openxmlformats.org/drawingml/2006/chart">
-            <c:chart xmlns:c="http://schemas.openxmlformats.org/drawingml/2006/chart" xmlns:r="http://schemas.openxmlformats.org/officeDocument/2006/relationships" r:id="rId2"/>
-          </a:graphicData>
-        </a:graphic>
-      </p:graphicFrame>
-      <p:sp>
-        <p:nvSpPr>
-          <p:cNvPr id="5" name="TextBox 4"/>
-          <p:cNvSpPr txBox="1"/>
-          <p:nvPr/>
-        </p:nvSpPr>
-        <p:spPr>
-          <a:xfrm>
-            <a:off x="533400" y="6248400"/>
-            <a:ext cx="4419600" cy="276999"/>
-          </a:xfrm>
-          <a:prstGeom prst="rect">
-            <a:avLst/>
-          </a:prstGeom>
-          <a:noFill/>
-        </p:spPr>
-        <p:txBody>
-          <a:bodyPr wrap="square" rtlCol="0">
-            <a:spAutoFit/>
-          </a:bodyPr>
-          <a:lstStyle/>
-          <a:p>
-            <a:r>
-              <a:rPr lang="en-US" sz="1200" dirty="0" smtClean="0">
-                <a:latin typeface="+mn-lt"/>
-              </a:rPr>
-              <a:t>Source:  World Bank, Governance Indicators.  </a:t>
-            </a:r>
-            <a:endParaRPr lang="en-US" sz="1200" dirty="0">
-              <a:latin typeface="+mn-lt"/>
-            </a:endParaRPr>
+              <a:t>Measures of institutional quality </a:t>
+            </a:r>
           </a:p>
         </p:txBody>
       </p:sp>
       <p:sp>
         <p:nvSpPr>
-          <p:cNvPr id="7" name="Slide Number Placeholder 6"/>
+          <p:cNvPr id="7171" name="Rectangle 3"/>
+          <p:cNvSpPr>
+            <a:spLocks noGrp="1" noChangeArrowheads="1"/>
+          </p:cNvSpPr>
+          <p:nvPr>
+            <p:ph type="body" idx="1"/>
+          </p:nvPr>
+        </p:nvSpPr>
+        <p:spPr/>
+        <p:txBody>
+          <a:bodyPr/>
+          <a:lstStyle/>
+          <a:p>
+            <a:pPr eaLnBrk="1" hangingPunct="1">
+              <a:spcBef>
+                <a:spcPct val="50000"/>
+              </a:spcBef>
+            </a:pPr>
+            <a:r>
+              <a:rPr lang="en-US" sz="2400" dirty="0" smtClean="0"/>
+              <a:t>Good sources </a:t>
+            </a:r>
+          </a:p>
+          <a:p>
+            <a:pPr lvl="1" eaLnBrk="1" hangingPunct="1">
+              <a:lnSpc>
+                <a:spcPct val="90000"/>
+              </a:lnSpc>
+              <a:spcBef>
+                <a:spcPct val="50000"/>
+              </a:spcBef>
+            </a:pPr>
+            <a:r>
+              <a:rPr lang="en-US" sz="2000" dirty="0" smtClean="0"/>
+              <a:t>World Bank, </a:t>
+            </a:r>
+            <a:r>
+              <a:rPr lang="en-US" sz="2000" i="1" dirty="0" smtClean="0"/>
+              <a:t>World Governance Indicators</a:t>
+            </a:r>
+            <a:r>
+              <a:rPr lang="en-US" sz="2000" dirty="0" smtClean="0"/>
+              <a:t> </a:t>
+            </a:r>
+          </a:p>
+          <a:p>
+            <a:pPr lvl="1" eaLnBrk="1" hangingPunct="1">
+              <a:lnSpc>
+                <a:spcPct val="90000"/>
+              </a:lnSpc>
+              <a:spcBef>
+                <a:spcPct val="50000"/>
+              </a:spcBef>
+            </a:pPr>
+            <a:r>
+              <a:rPr lang="en-US" sz="2000" dirty="0" smtClean="0"/>
+              <a:t>World Bank, </a:t>
+            </a:r>
+            <a:r>
+              <a:rPr lang="en-US" sz="2000" i="1" dirty="0" smtClean="0"/>
+              <a:t>Doing Business </a:t>
+            </a:r>
+          </a:p>
+          <a:p>
+            <a:pPr lvl="1" eaLnBrk="1" hangingPunct="1">
+              <a:lnSpc>
+                <a:spcPct val="90000"/>
+              </a:lnSpc>
+              <a:spcBef>
+                <a:spcPct val="50000"/>
+              </a:spcBef>
+            </a:pPr>
+            <a:r>
+              <a:rPr lang="en-US" sz="2000" dirty="0" smtClean="0"/>
+              <a:t>Transparency International, corruption indexes </a:t>
+            </a:r>
+          </a:p>
+          <a:p>
+            <a:pPr eaLnBrk="1" hangingPunct="1">
+              <a:spcBef>
+                <a:spcPct val="50000"/>
+              </a:spcBef>
+            </a:pPr>
+            <a:r>
+              <a:rPr lang="en-US" sz="2400" dirty="0" smtClean="0"/>
+              <a:t>Useful aggregators</a:t>
+            </a:r>
+          </a:p>
+          <a:p>
+            <a:pPr lvl="1" eaLnBrk="1" hangingPunct="1">
+              <a:lnSpc>
+                <a:spcPct val="90000"/>
+              </a:lnSpc>
+              <a:spcBef>
+                <a:spcPct val="50000"/>
+              </a:spcBef>
+            </a:pPr>
+            <a:r>
+              <a:rPr lang="en-US" sz="2000" dirty="0" smtClean="0"/>
+              <a:t>Economist Intelligence Unit, various reports </a:t>
+            </a:r>
+          </a:p>
+          <a:p>
+            <a:pPr lvl="1" eaLnBrk="1" hangingPunct="1">
+              <a:lnSpc>
+                <a:spcPct val="90000"/>
+              </a:lnSpc>
+              <a:spcBef>
+                <a:spcPct val="50000"/>
+              </a:spcBef>
+            </a:pPr>
+            <a:r>
+              <a:rPr lang="en-US" sz="2000" dirty="0" smtClean="0"/>
+              <a:t>World Economic Forum, </a:t>
+            </a:r>
+            <a:r>
+              <a:rPr lang="en-US" sz="2000" i="1" dirty="0" smtClean="0"/>
+              <a:t>Global Competitiveness Report</a:t>
+            </a:r>
+          </a:p>
+          <a:p>
+            <a:pPr eaLnBrk="1" hangingPunct="1">
+              <a:lnSpc>
+                <a:spcPct val="90000"/>
+              </a:lnSpc>
+              <a:spcBef>
+                <a:spcPct val="50000"/>
+              </a:spcBef>
+            </a:pPr>
+            <a:r>
+              <a:rPr lang="en-US" sz="2400" dirty="0" smtClean="0"/>
+              <a:t>Links to these and more on the “resources” page  </a:t>
+            </a:r>
+          </a:p>
+        </p:txBody>
+      </p:sp>
+      <p:sp>
+        <p:nvSpPr>
+          <p:cNvPr id="4" name="Slide Number Placeholder 3"/>
           <p:cNvSpPr>
             <a:spLocks noGrp="1"/>
           </p:cNvSpPr>
@@ -49434,7 +49697,7 @@
     </p:spTree>
     <p:extLst>
       <p:ext uri="{BB962C8B-B14F-4D97-AF65-F5344CB8AC3E}">
-        <p14:creationId xmlns:p14="http://schemas.microsoft.com/office/powerpoint/2010/main" val="39726470"/>
+        <p14:creationId xmlns:p14="http://schemas.microsoft.com/office/powerpoint/2010/main" val="1233325825"/>
       </p:ext>
     </p:extLst>
   </p:cSld>
@@ -49486,7 +49749,7 @@
             <a:pPr algn="l" eaLnBrk="1" hangingPunct="1"/>
             <a:r>
               <a:rPr lang="en-US" dirty="0" smtClean="0"/>
-              <a:t>Regulatory quality</a:t>
+              <a:t>Government effectiveness</a:t>
             </a:r>
           </a:p>
         </p:txBody>
@@ -49577,7 +49840,7 @@
     </p:spTree>
     <p:extLst>
       <p:ext uri="{BB962C8B-B14F-4D97-AF65-F5344CB8AC3E}">
-        <p14:creationId xmlns:p14="http://schemas.microsoft.com/office/powerpoint/2010/main" val="1561384719"/>
+        <p14:creationId xmlns:p14="http://schemas.microsoft.com/office/powerpoint/2010/main" val="39726470"/>
       </p:ext>
     </p:extLst>
   </p:cSld>
@@ -49629,7 +49892,7 @@
             <a:pPr algn="l" eaLnBrk="1" hangingPunct="1"/>
             <a:r>
               <a:rPr lang="en-US" dirty="0" smtClean="0"/>
-              <a:t>Rule of law</a:t>
+              <a:t>Regulatory quality</a:t>
             </a:r>
           </a:p>
         </p:txBody>
@@ -49720,7 +49983,7 @@
     </p:spTree>
     <p:extLst>
       <p:ext uri="{BB962C8B-B14F-4D97-AF65-F5344CB8AC3E}">
-        <p14:creationId xmlns:p14="http://schemas.microsoft.com/office/powerpoint/2010/main" val="315421980"/>
+        <p14:creationId xmlns:p14="http://schemas.microsoft.com/office/powerpoint/2010/main" val="1561384719"/>
       </p:ext>
     </p:extLst>
   </p:cSld>
@@ -49772,7 +50035,7 @@
             <a:pPr algn="l" eaLnBrk="1" hangingPunct="1"/>
             <a:r>
               <a:rPr lang="en-US" dirty="0" smtClean="0"/>
-              <a:t>Control of corruption</a:t>
+              <a:t>Rule of law</a:t>
             </a:r>
           </a:p>
         </p:txBody>
@@ -49863,7 +50126,7 @@
     </p:spTree>
     <p:extLst>
       <p:ext uri="{BB962C8B-B14F-4D97-AF65-F5344CB8AC3E}">
-        <p14:creationId xmlns:p14="http://schemas.microsoft.com/office/powerpoint/2010/main" val="732204624"/>
+        <p14:creationId xmlns:p14="http://schemas.microsoft.com/office/powerpoint/2010/main" val="315421980"/>
       </p:ext>
     </p:extLst>
   </p:cSld>
@@ -50039,6 +50302,149 @@
       </p:grpSpPr>
       <p:sp>
         <p:nvSpPr>
+          <p:cNvPr id="63490" name="Rectangle 4"/>
+          <p:cNvSpPr>
+            <a:spLocks noGrp="1" noChangeArrowheads="1"/>
+          </p:cNvSpPr>
+          <p:nvPr>
+            <p:ph type="title"/>
+          </p:nvPr>
+        </p:nvSpPr>
+        <p:spPr/>
+        <p:txBody>
+          <a:bodyPr/>
+          <a:lstStyle/>
+          <a:p>
+            <a:pPr algn="l" eaLnBrk="1" hangingPunct="1"/>
+            <a:r>
+              <a:rPr lang="en-US" dirty="0" smtClean="0"/>
+              <a:t>Control of corruption</a:t>
+            </a:r>
+          </a:p>
+        </p:txBody>
+      </p:sp>
+      <p:graphicFrame>
+        <p:nvGraphicFramePr>
+          <p:cNvPr id="6" name="Object 2"/>
+          <p:cNvGraphicFramePr>
+            <a:graphicFrameLocks noGrp="1" noChangeAspect="1"/>
+          </p:cNvGraphicFramePr>
+          <p:nvPr>
+            <p:ph idx="1"/>
+          </p:nvPr>
+        </p:nvGraphicFramePr>
+        <p:xfrm>
+          <a:off x="508000" y="1652588"/>
+          <a:ext cx="8008125" cy="4367212"/>
+        </p:xfrm>
+        <a:graphic>
+          <a:graphicData uri="http://schemas.openxmlformats.org/drawingml/2006/chart">
+            <c:chart xmlns:c="http://schemas.openxmlformats.org/drawingml/2006/chart" xmlns:r="http://schemas.openxmlformats.org/officeDocument/2006/relationships" r:id="rId2"/>
+          </a:graphicData>
+        </a:graphic>
+      </p:graphicFrame>
+      <p:sp>
+        <p:nvSpPr>
+          <p:cNvPr id="5" name="TextBox 4"/>
+          <p:cNvSpPr txBox="1"/>
+          <p:nvPr/>
+        </p:nvSpPr>
+        <p:spPr>
+          <a:xfrm>
+            <a:off x="533400" y="6248400"/>
+            <a:ext cx="4419600" cy="276999"/>
+          </a:xfrm>
+          <a:prstGeom prst="rect">
+            <a:avLst/>
+          </a:prstGeom>
+          <a:noFill/>
+        </p:spPr>
+        <p:txBody>
+          <a:bodyPr wrap="square" rtlCol="0">
+            <a:spAutoFit/>
+          </a:bodyPr>
+          <a:lstStyle/>
+          <a:p>
+            <a:r>
+              <a:rPr lang="en-US" sz="1200" dirty="0" smtClean="0">
+                <a:latin typeface="+mn-lt"/>
+              </a:rPr>
+              <a:t>Source:  World Bank, Governance Indicators.  </a:t>
+            </a:r>
+            <a:endParaRPr lang="en-US" sz="1200" dirty="0">
+              <a:latin typeface="+mn-lt"/>
+            </a:endParaRPr>
+          </a:p>
+        </p:txBody>
+      </p:sp>
+      <p:sp>
+        <p:nvSpPr>
+          <p:cNvPr id="7" name="Slide Number Placeholder 6"/>
+          <p:cNvSpPr>
+            <a:spLocks noGrp="1"/>
+          </p:cNvSpPr>
+          <p:nvPr>
+            <p:ph type="sldNum" sz="quarter" idx="12"/>
+          </p:nvPr>
+        </p:nvSpPr>
+        <p:spPr/>
+        <p:txBody>
+          <a:bodyPr/>
+          <a:lstStyle/>
+          <a:p>
+            <a:pPr>
+              <a:defRPr/>
+            </a:pPr>
+            <a:fld id="{3806B3E2-D54F-4659-9127-650ECDAEBC50}" type="slidenum">
+              <a:rPr lang="en-US" smtClean="0"/>
+              <a:pPr>
+                <a:defRPr/>
+              </a:pPr>
+              <a:t>80</a:t>
+            </a:fld>
+            <a:endParaRPr lang="en-US"/>
+          </a:p>
+        </p:txBody>
+      </p:sp>
+    </p:spTree>
+    <p:extLst>
+      <p:ext uri="{BB962C8B-B14F-4D97-AF65-F5344CB8AC3E}">
+        <p14:creationId xmlns:p14="http://schemas.microsoft.com/office/powerpoint/2010/main" val="732204624"/>
+      </p:ext>
+    </p:extLst>
+  </p:cSld>
+  <p:clrMapOvr>
+    <a:masterClrMapping/>
+  </p:clrMapOvr>
+  <p:timing>
+    <p:tnLst>
+      <p:par>
+        <p:cTn id="1" dur="indefinite" restart="never" nodeType="tmRoot"/>
+      </p:par>
+    </p:tnLst>
+  </p:timing>
+</p:sld>
+</file>
+
+<file path=ppt/slides/slide81.xml><?xml version="1.0" encoding="utf-8"?>
+<p:sld xmlns:a="http://schemas.openxmlformats.org/drawingml/2006/main" xmlns:r="http://schemas.openxmlformats.org/officeDocument/2006/relationships" xmlns:p="http://schemas.openxmlformats.org/presentationml/2006/main">
+  <p:cSld>
+    <p:spTree>
+      <p:nvGrpSpPr>
+        <p:cNvPr id="1" name=""/>
+        <p:cNvGrpSpPr/>
+        <p:nvPr/>
+      </p:nvGrpSpPr>
+      <p:grpSpPr>
+        <a:xfrm>
+          <a:off x="0" y="0"/>
+          <a:ext cx="0" cy="0"/>
+          <a:chOff x="0" y="0"/>
+          <a:chExt cx="0" cy="0"/>
+        </a:xfrm>
+      </p:grpSpPr>
+      <p:sp>
+        <p:nvSpPr>
           <p:cNvPr id="62466" name="Rectangle 4"/>
           <p:cNvSpPr>
             <a:spLocks noGrp="1" noChangeArrowheads="1"/>
@@ -50137,7 +50543,7 @@
               <a:pPr>
                 <a:defRPr/>
               </a:pPr>
-              <a:t>80</a:t>
+              <a:t>81</a:t>
             </a:fld>
             <a:endParaRPr lang="en-US"/>
           </a:p>
@@ -50163,7 +50569,7 @@
 </p:sld>
 </file>
 
-<file path=ppt/slides/slide81.xml><?xml version="1.0" encoding="utf-8"?>
+<file path=ppt/slides/slide82.xml><?xml version="1.0" encoding="utf-8"?>
 <p:sld xmlns:a="http://schemas.openxmlformats.org/drawingml/2006/main" xmlns:r="http://schemas.openxmlformats.org/officeDocument/2006/relationships" xmlns:p="http://schemas.openxmlformats.org/presentationml/2006/main">
   <p:cSld>
     <p:spTree>
@@ -50280,7 +50686,7 @@
               <a:pPr>
                 <a:defRPr/>
               </a:pPr>
-              <a:t>81</a:t>
+              <a:t>82</a:t>
             </a:fld>
             <a:endParaRPr lang="en-US"/>
           </a:p>
@@ -50290,154 +50696,6 @@
     <p:extLst>
       <p:ext uri="{BB962C8B-B14F-4D97-AF65-F5344CB8AC3E}">
         <p14:creationId xmlns:p14="http://schemas.microsoft.com/office/powerpoint/2010/main" val="4084946438"/>
-      </p:ext>
-    </p:extLst>
-  </p:cSld>
-  <p:clrMapOvr>
-    <a:masterClrMapping/>
-  </p:clrMapOvr>
-  <p:timing>
-    <p:tnLst>
-      <p:par>
-        <p:cTn id="1" dur="indefinite" restart="never" nodeType="tmRoot"/>
-      </p:par>
-    </p:tnLst>
-  </p:timing>
-</p:sld>
-</file>
-
-<file path=ppt/slides/slide82.xml><?xml version="1.0" encoding="utf-8"?>
-<p:sld xmlns:a="http://schemas.openxmlformats.org/drawingml/2006/main" xmlns:r="http://schemas.openxmlformats.org/officeDocument/2006/relationships" xmlns:p="http://schemas.openxmlformats.org/presentationml/2006/main">
-  <p:cSld>
-    <p:spTree>
-      <p:nvGrpSpPr>
-        <p:cNvPr id="1" name=""/>
-        <p:cNvGrpSpPr/>
-        <p:nvPr/>
-      </p:nvGrpSpPr>
-      <p:grpSpPr>
-        <a:xfrm>
-          <a:off x="0" y="0"/>
-          <a:ext cx="0" cy="0"/>
-          <a:chOff x="0" y="0"/>
-          <a:chExt cx="0" cy="0"/>
-        </a:xfrm>
-      </p:grpSpPr>
-      <p:sp>
-        <p:nvSpPr>
-          <p:cNvPr id="63490" name="Rectangle 4"/>
-          <p:cNvSpPr>
-            <a:spLocks noGrp="1" noChangeArrowheads="1"/>
-          </p:cNvSpPr>
-          <p:nvPr>
-            <p:ph type="title"/>
-          </p:nvPr>
-        </p:nvSpPr>
-        <p:spPr>
-          <a:xfrm>
-            <a:off x="457200" y="304800"/>
-            <a:ext cx="8305800" cy="838200"/>
-          </a:xfrm>
-        </p:spPr>
-        <p:txBody>
-          <a:bodyPr/>
-          <a:lstStyle/>
-          <a:p>
-            <a:pPr algn="l" eaLnBrk="1" hangingPunct="1"/>
-            <a:r>
-              <a:rPr lang="en-US" dirty="0" smtClean="0"/>
-              <a:t>Procedures required to start a business</a:t>
-            </a:r>
-          </a:p>
-        </p:txBody>
-      </p:sp>
-      <p:graphicFrame>
-        <p:nvGraphicFramePr>
-          <p:cNvPr id="6" name="Object 2"/>
-          <p:cNvGraphicFramePr>
-            <a:graphicFrameLocks noGrp="1" noChangeAspect="1"/>
-          </p:cNvGraphicFramePr>
-          <p:nvPr>
-            <p:ph idx="1"/>
-          </p:nvPr>
-        </p:nvGraphicFramePr>
-        <p:xfrm>
-          <a:off x="508000" y="1652588"/>
-          <a:ext cx="8104188" cy="4419600"/>
-        </p:xfrm>
-        <a:graphic>
-          <a:graphicData uri="http://schemas.openxmlformats.org/drawingml/2006/chart">
-            <c:chart xmlns:c="http://schemas.openxmlformats.org/drawingml/2006/chart" xmlns:r="http://schemas.openxmlformats.org/officeDocument/2006/relationships" r:id="rId2"/>
-          </a:graphicData>
-        </a:graphic>
-      </p:graphicFrame>
-      <p:sp>
-        <p:nvSpPr>
-          <p:cNvPr id="5" name="TextBox 4"/>
-          <p:cNvSpPr txBox="1"/>
-          <p:nvPr/>
-        </p:nvSpPr>
-        <p:spPr>
-          <a:xfrm>
-            <a:off x="533400" y="6248400"/>
-            <a:ext cx="4419600" cy="276999"/>
-          </a:xfrm>
-          <a:prstGeom prst="rect">
-            <a:avLst/>
-          </a:prstGeom>
-          <a:noFill/>
-        </p:spPr>
-        <p:txBody>
-          <a:bodyPr wrap="square" rtlCol="0">
-            <a:spAutoFit/>
-          </a:bodyPr>
-          <a:lstStyle/>
-          <a:p>
-            <a:r>
-              <a:rPr lang="en-US" sz="1200" dirty="0" smtClean="0">
-                <a:latin typeface="+mn-lt"/>
-              </a:rPr>
-              <a:t>Source:  World Bank, Doing Business.  </a:t>
-            </a:r>
-            <a:endParaRPr lang="en-US" sz="1200" dirty="0">
-              <a:latin typeface="+mn-lt"/>
-            </a:endParaRPr>
-          </a:p>
-        </p:txBody>
-      </p:sp>
-      <p:sp>
-        <p:nvSpPr>
-          <p:cNvPr id="7" name="Slide Number Placeholder 6"/>
-          <p:cNvSpPr>
-            <a:spLocks noGrp="1"/>
-          </p:cNvSpPr>
-          <p:nvPr>
-            <p:ph type="sldNum" sz="quarter" idx="12"/>
-          </p:nvPr>
-        </p:nvSpPr>
-        <p:spPr/>
-        <p:txBody>
-          <a:bodyPr/>
-          <a:lstStyle/>
-          <a:p>
-            <a:pPr>
-              <a:defRPr/>
-            </a:pPr>
-            <a:fld id="{3806B3E2-D54F-4659-9127-650ECDAEBC50}" type="slidenum">
-              <a:rPr lang="en-US" smtClean="0"/>
-              <a:pPr>
-                <a:defRPr/>
-              </a:pPr>
-              <a:t>82</a:t>
-            </a:fld>
-            <a:endParaRPr lang="en-US"/>
-          </a:p>
-        </p:txBody>
-      </p:sp>
-    </p:spTree>
-    <p:extLst>
-      <p:ext uri="{BB962C8B-B14F-4D97-AF65-F5344CB8AC3E}">
-        <p14:creationId xmlns:p14="http://schemas.microsoft.com/office/powerpoint/2010/main" val="3181618940"/>
       </p:ext>
     </p:extLst>
   </p:cSld>
@@ -50494,7 +50752,7 @@
             <a:pPr algn="l" eaLnBrk="1" hangingPunct="1"/>
             <a:r>
               <a:rPr lang="en-US" dirty="0" smtClean="0"/>
-              <a:t>Cost of starting a business</a:t>
+              <a:t>Procedures required to start a business</a:t>
             </a:r>
           </a:p>
         </p:txBody>
@@ -50585,7 +50843,7 @@
     </p:spTree>
     <p:extLst>
       <p:ext uri="{BB962C8B-B14F-4D97-AF65-F5344CB8AC3E}">
-        <p14:creationId xmlns:p14="http://schemas.microsoft.com/office/powerpoint/2010/main" val="2746953983"/>
+        <p14:creationId xmlns:p14="http://schemas.microsoft.com/office/powerpoint/2010/main" val="3181618940"/>
       </p:ext>
     </p:extLst>
   </p:cSld>
@@ -50621,6 +50879,154 @@
       </p:grpSpPr>
       <p:sp>
         <p:nvSpPr>
+          <p:cNvPr id="63490" name="Rectangle 4"/>
+          <p:cNvSpPr>
+            <a:spLocks noGrp="1" noChangeArrowheads="1"/>
+          </p:cNvSpPr>
+          <p:nvPr>
+            <p:ph type="title"/>
+          </p:nvPr>
+        </p:nvSpPr>
+        <p:spPr>
+          <a:xfrm>
+            <a:off x="457200" y="304800"/>
+            <a:ext cx="8305800" cy="838200"/>
+          </a:xfrm>
+        </p:spPr>
+        <p:txBody>
+          <a:bodyPr/>
+          <a:lstStyle/>
+          <a:p>
+            <a:pPr algn="l" eaLnBrk="1" hangingPunct="1"/>
+            <a:r>
+              <a:rPr lang="en-US" dirty="0" smtClean="0"/>
+              <a:t>Cost of starting a business</a:t>
+            </a:r>
+          </a:p>
+        </p:txBody>
+      </p:sp>
+      <p:graphicFrame>
+        <p:nvGraphicFramePr>
+          <p:cNvPr id="6" name="Object 2"/>
+          <p:cNvGraphicFramePr>
+            <a:graphicFrameLocks noGrp="1" noChangeAspect="1"/>
+          </p:cNvGraphicFramePr>
+          <p:nvPr>
+            <p:ph idx="1"/>
+          </p:nvPr>
+        </p:nvGraphicFramePr>
+        <p:xfrm>
+          <a:off x="508000" y="1652588"/>
+          <a:ext cx="8104188" cy="4419600"/>
+        </p:xfrm>
+        <a:graphic>
+          <a:graphicData uri="http://schemas.openxmlformats.org/drawingml/2006/chart">
+            <c:chart xmlns:c="http://schemas.openxmlformats.org/drawingml/2006/chart" xmlns:r="http://schemas.openxmlformats.org/officeDocument/2006/relationships" r:id="rId2"/>
+          </a:graphicData>
+        </a:graphic>
+      </p:graphicFrame>
+      <p:sp>
+        <p:nvSpPr>
+          <p:cNvPr id="5" name="TextBox 4"/>
+          <p:cNvSpPr txBox="1"/>
+          <p:nvPr/>
+        </p:nvSpPr>
+        <p:spPr>
+          <a:xfrm>
+            <a:off x="533400" y="6248400"/>
+            <a:ext cx="4419600" cy="276999"/>
+          </a:xfrm>
+          <a:prstGeom prst="rect">
+            <a:avLst/>
+          </a:prstGeom>
+          <a:noFill/>
+        </p:spPr>
+        <p:txBody>
+          <a:bodyPr wrap="square" rtlCol="0">
+            <a:spAutoFit/>
+          </a:bodyPr>
+          <a:lstStyle/>
+          <a:p>
+            <a:r>
+              <a:rPr lang="en-US" sz="1200" dirty="0" smtClean="0">
+                <a:latin typeface="+mn-lt"/>
+              </a:rPr>
+              <a:t>Source:  World Bank, Doing Business.  </a:t>
+            </a:r>
+            <a:endParaRPr lang="en-US" sz="1200" dirty="0">
+              <a:latin typeface="+mn-lt"/>
+            </a:endParaRPr>
+          </a:p>
+        </p:txBody>
+      </p:sp>
+      <p:sp>
+        <p:nvSpPr>
+          <p:cNvPr id="7" name="Slide Number Placeholder 6"/>
+          <p:cNvSpPr>
+            <a:spLocks noGrp="1"/>
+          </p:cNvSpPr>
+          <p:nvPr>
+            <p:ph type="sldNum" sz="quarter" idx="12"/>
+          </p:nvPr>
+        </p:nvSpPr>
+        <p:spPr/>
+        <p:txBody>
+          <a:bodyPr/>
+          <a:lstStyle/>
+          <a:p>
+            <a:pPr>
+              <a:defRPr/>
+            </a:pPr>
+            <a:fld id="{3806B3E2-D54F-4659-9127-650ECDAEBC50}" type="slidenum">
+              <a:rPr lang="en-US" smtClean="0"/>
+              <a:pPr>
+                <a:defRPr/>
+              </a:pPr>
+              <a:t>84</a:t>
+            </a:fld>
+            <a:endParaRPr lang="en-US"/>
+          </a:p>
+        </p:txBody>
+      </p:sp>
+    </p:spTree>
+    <p:extLst>
+      <p:ext uri="{BB962C8B-B14F-4D97-AF65-F5344CB8AC3E}">
+        <p14:creationId xmlns:p14="http://schemas.microsoft.com/office/powerpoint/2010/main" val="2746953983"/>
+      </p:ext>
+    </p:extLst>
+  </p:cSld>
+  <p:clrMapOvr>
+    <a:masterClrMapping/>
+  </p:clrMapOvr>
+  <p:timing>
+    <p:tnLst>
+      <p:par>
+        <p:cTn id="1" dur="indefinite" restart="never" nodeType="tmRoot"/>
+      </p:par>
+    </p:tnLst>
+  </p:timing>
+</p:sld>
+</file>
+
+<file path=ppt/slides/slide85.xml><?xml version="1.0" encoding="utf-8"?>
+<p:sld xmlns:a="http://schemas.openxmlformats.org/drawingml/2006/main" xmlns:r="http://schemas.openxmlformats.org/officeDocument/2006/relationships" xmlns:p="http://schemas.openxmlformats.org/presentationml/2006/main">
+  <p:cSld>
+    <p:spTree>
+      <p:nvGrpSpPr>
+        <p:cNvPr id="1" name=""/>
+        <p:cNvGrpSpPr/>
+        <p:nvPr/>
+      </p:nvGrpSpPr>
+      <p:grpSpPr>
+        <a:xfrm>
+          <a:off x="0" y="0"/>
+          <a:ext cx="0" cy="0"/>
+          <a:chOff x="0" y="0"/>
+          <a:chExt cx="0" cy="0"/>
+        </a:xfrm>
+      </p:grpSpPr>
+      <p:sp>
+        <p:nvSpPr>
           <p:cNvPr id="52226" name="Rectangle 2"/>
           <p:cNvSpPr>
             <a:spLocks noGrp="1" noChangeArrowheads="1"/>
@@ -50665,7 +51071,7 @@
               <a:pPr>
                 <a:defRPr/>
               </a:pPr>
-              <a:t>84</a:t>
+              <a:t>85</a:t>
             </a:fld>
             <a:endParaRPr lang="en-US"/>
           </a:p>
@@ -50770,7 +51176,7 @@
 </p:sld>
 </file>
 
-<file path=ppt/slides/slide85.xml><?xml version="1.0" encoding="utf-8"?>
+<file path=ppt/slides/slide86.xml><?xml version="1.0" encoding="utf-8"?>
 <p:sld xmlns:a="http://schemas.openxmlformats.org/drawingml/2006/main" xmlns:r="http://schemas.openxmlformats.org/officeDocument/2006/relationships" xmlns:p="http://schemas.openxmlformats.org/presentationml/2006/main">
   <p:cSld>
     <p:spTree>
@@ -50833,7 +51239,7 @@
               <a:pPr>
                 <a:defRPr/>
               </a:pPr>
-              <a:t>85</a:t>
+              <a:t>86</a:t>
             </a:fld>
             <a:endParaRPr lang="en-US"/>
           </a:p>
@@ -50943,7 +51349,7 @@
 </p:sld>
 </file>
 
-<file path=ppt/slides/slide86.xml><?xml version="1.0" encoding="utf-8"?>
+<file path=ppt/slides/slide87.xml><?xml version="1.0" encoding="utf-8"?>
 <p:sld xmlns:a="http://schemas.openxmlformats.org/drawingml/2006/main" xmlns:r="http://schemas.openxmlformats.org/officeDocument/2006/relationships" xmlns:p="http://schemas.openxmlformats.org/presentationml/2006/main">
   <p:cSld>
     <p:spTree>
@@ -51006,7 +51412,7 @@
               <a:pPr>
                 <a:defRPr/>
               </a:pPr>
-              <a:t>86</a:t>
+              <a:t>87</a:t>
             </a:fld>
             <a:endParaRPr lang="en-US"/>
           </a:p>
@@ -51116,7 +51522,7 @@
 </p:sld>
 </file>
 
-<file path=ppt/slides/slide87.xml><?xml version="1.0" encoding="utf-8"?>
+<file path=ppt/slides/slide88.xml><?xml version="1.0" encoding="utf-8"?>
 <p:sld xmlns:a="http://schemas.openxmlformats.org/drawingml/2006/main" xmlns:r="http://schemas.openxmlformats.org/officeDocument/2006/relationships" xmlns:p="http://schemas.openxmlformats.org/presentationml/2006/main">
   <p:cSld>
     <p:spTree>
@@ -51153,218 +51559,6 @@
               <a:rPr lang="en-US" dirty="0" smtClean="0"/>
               <a:t>What is this?</a:t>
             </a:r>
-          </a:p>
-        </p:txBody>
-      </p:sp>
-    </p:spTree>
-  </p:cSld>
-  <p:clrMapOvr>
-    <a:masterClrMapping/>
-  </p:clrMapOvr>
-  <p:timing>
-    <p:tnLst>
-      <p:par>
-        <p:cTn id="1" dur="indefinite" restart="never" nodeType="tmRoot"/>
-      </p:par>
-    </p:tnLst>
-  </p:timing>
-</p:sld>
-</file>
-
-<file path=ppt/slides/slide88.xml><?xml version="1.0" encoding="utf-8"?>
-<p:sld xmlns:a="http://schemas.openxmlformats.org/drawingml/2006/main" xmlns:r="http://schemas.openxmlformats.org/officeDocument/2006/relationships" xmlns:p="http://schemas.openxmlformats.org/presentationml/2006/main">
-  <p:cSld>
-    <p:spTree>
-      <p:nvGrpSpPr>
-        <p:cNvPr id="1" name=""/>
-        <p:cNvGrpSpPr/>
-        <p:nvPr/>
-      </p:nvGrpSpPr>
-      <p:grpSpPr>
-        <a:xfrm>
-          <a:off x="0" y="0"/>
-          <a:ext cx="0" cy="0"/>
-          <a:chOff x="0" y="0"/>
-          <a:chExt cx="0" cy="0"/>
-        </a:xfrm>
-      </p:grpSpPr>
-      <p:sp>
-        <p:nvSpPr>
-          <p:cNvPr id="7170" name="Rectangle 2"/>
-          <p:cNvSpPr>
-            <a:spLocks noGrp="1" noChangeArrowheads="1"/>
-          </p:cNvSpPr>
-          <p:nvPr>
-            <p:ph type="title"/>
-          </p:nvPr>
-        </p:nvSpPr>
-        <p:spPr/>
-        <p:txBody>
-          <a:bodyPr/>
-          <a:lstStyle/>
-          <a:p>
-            <a:pPr algn="l" eaLnBrk="1" hangingPunct="1"/>
-            <a:r>
-              <a:rPr lang="en-US" dirty="0" smtClean="0"/>
-              <a:t>Two questions</a:t>
-            </a:r>
-          </a:p>
-        </p:txBody>
-      </p:sp>
-      <p:sp>
-        <p:nvSpPr>
-          <p:cNvPr id="7171" name="Rectangle 3"/>
-          <p:cNvSpPr>
-            <a:spLocks noGrp="1" noChangeArrowheads="1"/>
-          </p:cNvSpPr>
-          <p:nvPr>
-            <p:ph type="body" idx="1"/>
-          </p:nvPr>
-        </p:nvSpPr>
-        <p:spPr/>
-        <p:txBody>
-          <a:bodyPr/>
-          <a:lstStyle/>
-          <a:p>
-            <a:pPr eaLnBrk="1" hangingPunct="1">
-              <a:spcBef>
-                <a:spcPct val="50000"/>
-              </a:spcBef>
-            </a:pPr>
-            <a:r>
-              <a:rPr lang="en-US" sz="2400" dirty="0" smtClean="0"/>
-              <a:t>Here’s how the game works</a:t>
-            </a:r>
-          </a:p>
-          <a:p>
-            <a:pPr eaLnBrk="1" hangingPunct="1">
-              <a:spcBef>
-                <a:spcPct val="50000"/>
-              </a:spcBef>
-            </a:pPr>
-            <a:r>
-              <a:rPr lang="en-US" sz="2400" dirty="0" smtClean="0"/>
-              <a:t>For each example, ask yourself</a:t>
-            </a:r>
-          </a:p>
-          <a:p>
-            <a:pPr lvl="1" eaLnBrk="1" hangingPunct="1">
-              <a:spcBef>
-                <a:spcPct val="50000"/>
-              </a:spcBef>
-            </a:pPr>
-            <a:r>
-              <a:rPr lang="en-US" sz="2000" dirty="0" smtClean="0"/>
-              <a:t>What institution is this?  </a:t>
-            </a:r>
-          </a:p>
-          <a:p>
-            <a:pPr lvl="1" eaLnBrk="1" hangingPunct="1">
-              <a:spcBef>
-                <a:spcPct val="50000"/>
-              </a:spcBef>
-            </a:pPr>
-            <a:r>
-              <a:rPr lang="en-US" sz="2000" dirty="0" smtClean="0"/>
-              <a:t>Who are the pirates?  </a:t>
-            </a:r>
-          </a:p>
-          <a:p>
-            <a:pPr eaLnBrk="1" hangingPunct="1">
-              <a:spcBef>
-                <a:spcPct val="50000"/>
-              </a:spcBef>
-            </a:pPr>
-            <a:r>
-              <a:rPr lang="en-US" sz="2400" dirty="0" smtClean="0"/>
-              <a:t>Categories </a:t>
-            </a:r>
-          </a:p>
-          <a:p>
-            <a:pPr lvl="1" eaLnBrk="1" hangingPunct="1">
-              <a:spcBef>
-                <a:spcPct val="50000"/>
-              </a:spcBef>
-            </a:pPr>
-            <a:r>
-              <a:rPr lang="en-US" sz="2000" dirty="0" smtClean="0"/>
-              <a:t>Governance </a:t>
-            </a:r>
-            <a:endParaRPr lang="en-US" sz="1600" dirty="0" smtClean="0"/>
-          </a:p>
-          <a:p>
-            <a:pPr lvl="1" eaLnBrk="1" hangingPunct="1">
-              <a:spcBef>
-                <a:spcPct val="50000"/>
-              </a:spcBef>
-            </a:pPr>
-            <a:r>
-              <a:rPr lang="en-US" sz="2000" dirty="0" smtClean="0"/>
-              <a:t>Rule of law </a:t>
-            </a:r>
-          </a:p>
-          <a:p>
-            <a:pPr lvl="1" eaLnBrk="1" hangingPunct="1">
-              <a:spcBef>
-                <a:spcPct val="50000"/>
-              </a:spcBef>
-            </a:pPr>
-            <a:r>
-              <a:rPr lang="en-US" sz="2000" dirty="0" smtClean="0"/>
-              <a:t>Property rights</a:t>
-            </a:r>
-          </a:p>
-          <a:p>
-            <a:pPr lvl="1" eaLnBrk="1" hangingPunct="1">
-              <a:spcBef>
-                <a:spcPct val="50000"/>
-              </a:spcBef>
-            </a:pPr>
-            <a:r>
-              <a:rPr lang="en-US" sz="2000" smtClean="0"/>
-              <a:t>Competitive </a:t>
-            </a:r>
-            <a:r>
-              <a:rPr lang="en-US" sz="2000" dirty="0" smtClean="0"/>
-              <a:t>markets</a:t>
-            </a:r>
-          </a:p>
-          <a:p>
-            <a:pPr lvl="1" eaLnBrk="1" hangingPunct="1">
-              <a:spcBef>
-                <a:spcPct val="50000"/>
-              </a:spcBef>
-            </a:pPr>
-            <a:endParaRPr lang="en-US" sz="2000" dirty="0" smtClean="0"/>
-          </a:p>
-        </p:txBody>
-      </p:sp>
-      <p:sp>
-        <p:nvSpPr>
-          <p:cNvPr id="4" name="Slide Number Placeholder 3"/>
-          <p:cNvSpPr>
-            <a:spLocks noGrp="1"/>
-          </p:cNvSpPr>
-          <p:nvPr>
-            <p:ph type="sldNum" sz="quarter" idx="12"/>
-          </p:nvPr>
-        </p:nvSpPr>
-        <p:spPr/>
-        <p:txBody>
-          <a:bodyPr/>
-          <a:lstStyle/>
-          <a:p>
-            <a:pPr>
-              <a:defRPr/>
-            </a:pPr>
-            <a:fld id="{3806B3E2-D54F-4659-9127-650ECDAEBC50}" type="slidenum">
-              <a:rPr lang="en-US" smtClean="0"/>
-              <a:pPr>
-                <a:defRPr/>
-              </a:pPr>
-              <a:t>88</a:t>
-            </a:fld>
-            <a:endParaRPr lang="en-US"/>
           </a:p>
         </p:txBody>
       </p:sp>
@@ -51402,7 +51596,7 @@
       </p:grpSpPr>
       <p:sp>
         <p:nvSpPr>
-          <p:cNvPr id="52226" name="Rectangle 2"/>
+          <p:cNvPr id="7170" name="Rectangle 2"/>
           <p:cNvSpPr>
             <a:spLocks noGrp="1" noChangeArrowheads="1"/>
           </p:cNvSpPr>
@@ -51418,14 +51612,14 @@
             <a:pPr algn="l" eaLnBrk="1" hangingPunct="1"/>
             <a:r>
               <a:rPr lang="en-US" dirty="0" smtClean="0"/>
-              <a:t>What is this? </a:t>
+              <a:t>Two questions</a:t>
             </a:r>
           </a:p>
         </p:txBody>
       </p:sp>
       <p:sp>
         <p:nvSpPr>
-          <p:cNvPr id="52227" name="Rectangle 3"/>
+          <p:cNvPr id="7171" name="Rectangle 3"/>
           <p:cNvSpPr>
             <a:spLocks noGrp="1" noChangeArrowheads="1"/>
           </p:cNvSpPr>
@@ -51444,28 +51638,19 @@
               </a:spcBef>
             </a:pPr>
             <a:r>
-              <a:rPr lang="en-US" sz="2400" dirty="0" err="1" smtClean="0"/>
-              <a:t>Sandeep</a:t>
-            </a:r>
-            <a:r>
               <a:rPr lang="en-US" sz="2400" dirty="0" smtClean="0"/>
-              <a:t> </a:t>
-            </a:r>
-            <a:r>
-              <a:rPr lang="en-US" sz="2400" dirty="0" err="1" smtClean="0"/>
-              <a:t>Kohli</a:t>
-            </a:r>
+              <a:t>Here’s how the game works</a:t>
+            </a:r>
+          </a:p>
+          <a:p>
+            <a:pPr eaLnBrk="1" hangingPunct="1">
+              <a:spcBef>
+                <a:spcPct val="50000"/>
+              </a:spcBef>
+            </a:pPr>
             <a:r>
               <a:rPr lang="en-US" sz="2400" dirty="0" smtClean="0"/>
-              <a:t>, “Long live license Raj,” </a:t>
-            </a:r>
-            <a:r>
-              <a:rPr lang="en-US" sz="2400" i="1" dirty="0" smtClean="0"/>
-              <a:t>WSJ</a:t>
-            </a:r>
-            <a:r>
-              <a:rPr lang="en-US" sz="2400" dirty="0" smtClean="0"/>
-              <a:t>, Feb 13 09:  </a:t>
+              <a:t>For each example, ask yourself</a:t>
             </a:r>
           </a:p>
           <a:p>
@@ -51476,16 +51661,87 @@
             </a:pPr>
             <a:r>
               <a:rPr lang="en-US" sz="2000" dirty="0" smtClean="0"/>
-              <a:t>When I set up restaurants in </a:t>
-            </a:r>
-            <a:r>
-              <a:rPr lang="en-US" sz="2000" dirty="0" err="1" smtClean="0"/>
-              <a:t>Dehli</a:t>
-            </a:r>
+              <a:t>What institution is this?  </a:t>
+            </a:r>
+          </a:p>
+          <a:p>
+            <a:pPr lvl="1" eaLnBrk="1" hangingPunct="1">
+              <a:spcBef>
+                <a:spcPct val="50000"/>
+              </a:spcBef>
+            </a:pPr>
             <a:r>
               <a:rPr lang="en-US" sz="2000" dirty="0" smtClean="0"/>
-              <a:t>, I found the License Raj was alive and well.  First, you need a "No Objection" certificate from the Fire Department.  That’s followed by a Health license from the Municipal Corporation of Delhi. Then you need three different police clearances – one from the police station in the area where the restaurant is located, the next from the police station in the area where the restaurant manager lives, and then another one from the police licensing department. Next, you apply for Tourism &amp; Excise licenses. Inspectors check out the premises and paste a notice at the restaurant inviting objections from the neighborhood regarding the sale of alcohol.  </a:t>
-            </a:r>
+              <a:t>Who are the pirates?  </a:t>
+            </a:r>
+          </a:p>
+          <a:p>
+            <a:pPr eaLnBrk="1" hangingPunct="1">
+              <a:spcBef>
+                <a:spcPct val="50000"/>
+              </a:spcBef>
+            </a:pPr>
+            <a:r>
+              <a:rPr lang="en-US" sz="2400" dirty="0" smtClean="0"/>
+              <a:t>Categories </a:t>
+            </a:r>
+          </a:p>
+          <a:p>
+            <a:pPr lvl="1" eaLnBrk="1" hangingPunct="1">
+              <a:spcBef>
+                <a:spcPct val="50000"/>
+              </a:spcBef>
+            </a:pPr>
+            <a:r>
+              <a:rPr lang="en-US" sz="2000" dirty="0" smtClean="0"/>
+              <a:t>Governance </a:t>
+            </a:r>
+            <a:endParaRPr lang="en-US" sz="1600" dirty="0" smtClean="0"/>
+          </a:p>
+          <a:p>
+            <a:pPr lvl="1" eaLnBrk="1" hangingPunct="1">
+              <a:spcBef>
+                <a:spcPct val="50000"/>
+              </a:spcBef>
+            </a:pPr>
+            <a:r>
+              <a:rPr lang="en-US" sz="2000" dirty="0" smtClean="0"/>
+              <a:t>Rule of law </a:t>
+            </a:r>
+          </a:p>
+          <a:p>
+            <a:pPr lvl="1" eaLnBrk="1" hangingPunct="1">
+              <a:spcBef>
+                <a:spcPct val="50000"/>
+              </a:spcBef>
+            </a:pPr>
+            <a:r>
+              <a:rPr lang="en-US" sz="2000" dirty="0" smtClean="0"/>
+              <a:t>Property rights</a:t>
+            </a:r>
+          </a:p>
+          <a:p>
+            <a:pPr lvl="1" eaLnBrk="1" hangingPunct="1">
+              <a:spcBef>
+                <a:spcPct val="50000"/>
+              </a:spcBef>
+            </a:pPr>
+            <a:r>
+              <a:rPr lang="en-US" sz="2000" smtClean="0"/>
+              <a:t>Competitive </a:t>
+            </a:r>
+            <a:r>
+              <a:rPr lang="en-US" sz="2000" dirty="0" smtClean="0"/>
+              <a:t>markets</a:t>
+            </a:r>
+          </a:p>
+          <a:p>
+            <a:pPr lvl="1" eaLnBrk="1" hangingPunct="1">
+              <a:spcBef>
+                <a:spcPct val="50000"/>
+              </a:spcBef>
+            </a:pPr>
+            <a:endParaRPr lang="en-US" sz="2000" dirty="0" smtClean="0"/>
           </a:p>
         </p:txBody>
       </p:sp>
@@ -51724,61 +51980,58 @@
             <p:ph type="body" idx="1"/>
           </p:nvPr>
         </p:nvSpPr>
-        <p:spPr>
-          <a:xfrm>
-            <a:off x="457200" y="1601570"/>
-            <a:ext cx="8229600" cy="4114512"/>
-          </a:xfrm>
-        </p:spPr>
+        <p:spPr/>
         <p:txBody>
           <a:bodyPr/>
           <a:lstStyle/>
           <a:p>
-            <a:pPr>
-              <a:spcAft>
-                <a:spcPts val="600"/>
-              </a:spcAft>
+            <a:pPr eaLnBrk="1" hangingPunct="1">
+              <a:spcBef>
+                <a:spcPct val="50000"/>
+              </a:spcBef>
             </a:pPr>
             <a:r>
+              <a:rPr lang="en-US" sz="2400" dirty="0" err="1" smtClean="0"/>
+              <a:t>Sandeep</a:t>
+            </a:r>
+            <a:r>
               <a:rPr lang="en-US" sz="2400" dirty="0" smtClean="0"/>
-              <a:t>From a student working for a NYC hospital:  </a:t>
-            </a:r>
-          </a:p>
-          <a:p>
-            <a:pPr lvl="1"/>
+              <a:t> </a:t>
+            </a:r>
+            <a:r>
+              <a:rPr lang="en-US" sz="2400" dirty="0" err="1" smtClean="0"/>
+              <a:t>Kohli</a:t>
+            </a:r>
+            <a:r>
+              <a:rPr lang="en-US" sz="2400" dirty="0" smtClean="0"/>
+              <a:t>, “Long live license Raj,” </a:t>
+            </a:r>
+            <a:r>
+              <a:rPr lang="en-US" sz="2400" i="1" dirty="0" smtClean="0"/>
+              <a:t>WSJ</a:t>
+            </a:r>
+            <a:r>
+              <a:rPr lang="en-US" sz="2400" dirty="0" smtClean="0"/>
+              <a:t>, Feb 13 09:  </a:t>
+            </a:r>
+          </a:p>
+          <a:p>
+            <a:pPr lvl="1" eaLnBrk="1" hangingPunct="1">
+              <a:spcBef>
+                <a:spcPct val="50000"/>
+              </a:spcBef>
+            </a:pPr>
             <a:r>
               <a:rPr lang="en-US" sz="2000" dirty="0" smtClean="0"/>
-              <a:t>All building projects must get the approval of three city agencies.</a:t>
-            </a:r>
-          </a:p>
-          <a:p>
-            <a:pPr lvl="1"/>
+              <a:t>When I set up restaurants in </a:t>
+            </a:r>
+            <a:r>
+              <a:rPr lang="en-US" sz="2000" dirty="0" err="1" smtClean="0"/>
+              <a:t>Dehli</a:t>
+            </a:r>
             <a:r>
               <a:rPr lang="en-US" sz="2000" dirty="0" smtClean="0"/>
-              <a:t>Almost everyone hires an expediter, typically someone who used to work for the city and now helps you navigate the system.</a:t>
-            </a:r>
-          </a:p>
-          <a:p>
-            <a:pPr lvl="1"/>
-            <a:r>
-              <a:rPr lang="en-US" sz="2000" dirty="0" smtClean="0"/>
-              <a:t>The Buildings Department, in particular, has long history of corruption</a:t>
-            </a:r>
-            <a:r>
-              <a:rPr lang="en-US" sz="2000" smtClean="0"/>
-              <a:t>. </a:t>
-            </a:r>
-            <a:endParaRPr lang="en-US" sz="2000" dirty="0" smtClean="0"/>
-          </a:p>
-          <a:p>
-            <a:pPr lvl="1"/>
-            <a:r>
-              <a:rPr lang="en-US" sz="2000" dirty="0"/>
-              <a:t>T</a:t>
-            </a:r>
-            <a:r>
-              <a:rPr lang="en-US" sz="2000" dirty="0" smtClean="0"/>
-              <a:t>his adds an estimated 30-40% to construction costs from the permitting process alone, more if you count the extra time, effort, and delay to go through all this.</a:t>
+              <a:t>, I found the License Raj was alive and well.  First, you need a "No Objection" certificate from the Fire Department.  That’s followed by a Health license from the Municipal Corporation of Delhi. Then you need three different police clearances – one from the police station in the area where the restaurant is located, the next from the police station in the area where the restaurant manager lives, and then another one from the police licensing department. Next, you apply for Tourism &amp; Excise licenses. Inspectors check out the premises and paste a notice at the restaurant inviting objections from the neighborhood regarding the sale of alcohol.  </a:t>
             </a:r>
           </a:p>
         </p:txBody>
@@ -51877,63 +52130,61 @@
             <p:ph type="body" idx="1"/>
           </p:nvPr>
         </p:nvSpPr>
-        <p:spPr/>
+        <p:spPr>
+          <a:xfrm>
+            <a:off x="457200" y="1601570"/>
+            <a:ext cx="8229600" cy="4114512"/>
+          </a:xfrm>
+        </p:spPr>
         <p:txBody>
           <a:bodyPr/>
           <a:lstStyle/>
           <a:p>
-            <a:pPr eaLnBrk="1" hangingPunct="1">
-              <a:spcBef>
-                <a:spcPct val="50000"/>
-              </a:spcBef>
+            <a:pPr>
+              <a:spcAft>
+                <a:spcPts val="600"/>
+              </a:spcAft>
             </a:pPr>
             <a:r>
               <a:rPr lang="en-US" sz="2400" dirty="0" smtClean="0"/>
-              <a:t>Car loans in Brazil </a:t>
-            </a:r>
-          </a:p>
-          <a:p>
-            <a:pPr lvl="1" eaLnBrk="1" hangingPunct="1">
-              <a:spcBef>
-                <a:spcPct val="50000"/>
-              </a:spcBef>
-            </a:pPr>
+              <a:t>From a student working for a NYC hospital:  </a:t>
+            </a:r>
+          </a:p>
+          <a:p>
+            <a:pPr lvl="1"/>
             <a:r>
               <a:rPr lang="en-US" sz="2000" dirty="0" smtClean="0"/>
-              <a:t>In 2000, the car loan market was dead:  bad loans couldn’t be enforced, courts wouldn’t give lender title, so lenders simply didn’t lend  </a:t>
-            </a:r>
-          </a:p>
-          <a:p>
-            <a:pPr lvl="1" eaLnBrk="1" hangingPunct="1">
-              <a:spcBef>
-                <a:spcPct val="50000"/>
-              </a:spcBef>
-            </a:pPr>
+              <a:t>All building projects must get the approval of three city agencies.</a:t>
+            </a:r>
+          </a:p>
+          <a:p>
+            <a:pPr lvl="1"/>
             <a:r>
               <a:rPr lang="en-US" sz="2000" dirty="0" smtClean="0"/>
-              <a:t>Then:  Brazil allowed lenders to give loans in exchange for title </a:t>
-            </a:r>
-          </a:p>
-          <a:p>
-            <a:pPr lvl="1" eaLnBrk="1" hangingPunct="1">
-              <a:spcBef>
-                <a:spcPct val="50000"/>
-              </a:spcBef>
-            </a:pPr>
+              <a:t>Almost everyone hires an expediter, typically someone who used to work for the city and now helps you navigate the system.</a:t>
+            </a:r>
+          </a:p>
+          <a:p>
+            <a:pPr lvl="1"/>
             <a:r>
               <a:rPr lang="en-US" sz="2000" dirty="0" smtClean="0"/>
-              <a:t>Car loans boomed </a:t>
-            </a:r>
-          </a:p>
-          <a:p>
-            <a:pPr lvl="1" eaLnBrk="1" hangingPunct="1">
-              <a:spcBef>
-                <a:spcPct val="50000"/>
-              </a:spcBef>
-            </a:pPr>
+              <a:t>The Buildings Department, in particular, has long history of corruption</a:t>
+            </a:r>
+            <a:r>
+              <a:rPr lang="en-US" sz="2000" smtClean="0"/>
+              <a:t>. </a:t>
+            </a:r>
+            <a:endParaRPr lang="en-US" sz="2000" dirty="0" smtClean="0"/>
+          </a:p>
+          <a:p>
+            <a:pPr lvl="1"/>
+            <a:r>
+              <a:rPr lang="en-US" sz="2000" dirty="0"/>
+              <a:t>T</a:t>
+            </a:r>
             <a:r>
               <a:rPr lang="en-US" sz="2000" dirty="0" smtClean="0"/>
-              <a:t>Delinquencies, too </a:t>
+              <a:t>his adds an estimated 30-40% to construction costs from the permitting process alone, more if you count the extra time, effort, and delay to go through all this.</a:t>
             </a:r>
           </a:p>
         </p:txBody>
@@ -51968,11 +52219,6 @@
         </p:txBody>
       </p:sp>
     </p:spTree>
-    <p:extLst>
-      <p:ext uri="{BB962C8B-B14F-4D97-AF65-F5344CB8AC3E}">
-        <p14:creationId xmlns:p14="http://schemas.microsoft.com/office/powerpoint/2010/main" val="1955013325"/>
-      </p:ext>
-    </p:extLst>
   </p:cSld>
   <p:clrMapOvr>
     <a:masterClrMapping/>
@@ -52037,12 +52283,7 @@
             <p:ph type="body" idx="1"/>
           </p:nvPr>
         </p:nvSpPr>
-        <p:spPr>
-          <a:xfrm>
-            <a:off x="457200" y="1600200"/>
-            <a:ext cx="7772400" cy="4525963"/>
-          </a:xfrm>
-        </p:spPr>
+        <p:spPr/>
         <p:txBody>
           <a:bodyPr/>
           <a:lstStyle/>
@@ -52054,15 +52295,7 @@
             </a:pPr>
             <a:r>
               <a:rPr lang="en-US" sz="2400" dirty="0" smtClean="0"/>
-              <a:t>Andrew Kramer, </a:t>
-            </a:r>
-            <a:r>
-              <a:rPr lang="en-US" sz="2400" i="1" dirty="0" smtClean="0"/>
-              <a:t>New York Times</a:t>
-            </a:r>
-            <a:r>
-              <a:rPr lang="en-US" sz="2400" dirty="0" smtClean="0"/>
-              <a:t>, May 16, 2006: </a:t>
+              <a:t>Car loans in Brazil </a:t>
             </a:r>
           </a:p>
           <a:p>
@@ -52073,39 +52306,40 @@
             </a:pPr>
             <a:r>
               <a:rPr lang="en-US" sz="2000" dirty="0" smtClean="0"/>
-              <a:t>Mike Matthews, a sound-effects designer and one-time promoter of </a:t>
-            </a:r>
-            <a:r>
-              <a:rPr lang="en-US" sz="2000" dirty="0" err="1" smtClean="0"/>
-              <a:t>Jimi</a:t>
-            </a:r>
-            <a:r>
-              <a:rPr lang="en-US" sz="2000" dirty="0" smtClean="0"/>
-              <a:t> Hendrix, bought a moribund Russian factory and converted it to making vacuum tubes for high-end guitar amplifiers.  Now he’s facing a hostile takeover.  A company called Russian Business Estates offered $400k for his firm, which has a monthly turnover of $600k.  When </a:t>
-            </a:r>
-            <a:r>
-              <a:rPr lang="en-US" sz="2000" dirty="0" err="1" smtClean="0"/>
-              <a:t>Mr</a:t>
-            </a:r>
-            <a:r>
-              <a:rPr lang="en-US" sz="2000" dirty="0" smtClean="0"/>
-              <a:t> Matthews refused</a:t>
-            </a:r>
-            <a:r>
-              <a:rPr lang="en-US" sz="2000" b="1" dirty="0" smtClean="0"/>
-              <a:t>,  the electricity went off.   Then he was accused of “security violations.” </a:t>
-            </a:r>
-          </a:p>
-          <a:p>
-            <a:pPr eaLnBrk="1" hangingPunct="1">
+              <a:t>In 2000, the car loan market was dead:  bad loans couldn’t be enforced, courts wouldn’t give lender title, so lenders simply didn’t lend  </a:t>
+            </a:r>
+          </a:p>
+          <a:p>
+            <a:pPr lvl="1" eaLnBrk="1" hangingPunct="1">
               <a:spcBef>
                 <a:spcPct val="50000"/>
               </a:spcBef>
-              <a:buNone/>
             </a:pPr>
             <a:r>
-              <a:rPr lang="en-US" sz="2400" dirty="0" smtClean="0"/>
-              <a:t> </a:t>
+              <a:rPr lang="en-US" sz="2000" dirty="0" smtClean="0"/>
+              <a:t>Then:  Brazil allowed lenders to give loans in exchange for title </a:t>
+            </a:r>
+          </a:p>
+          <a:p>
+            <a:pPr lvl="1" eaLnBrk="1" hangingPunct="1">
+              <a:spcBef>
+                <a:spcPct val="50000"/>
+              </a:spcBef>
+            </a:pPr>
+            <a:r>
+              <a:rPr lang="en-US" sz="2000" dirty="0" smtClean="0"/>
+              <a:t>Car loans boomed </a:t>
+            </a:r>
+          </a:p>
+          <a:p>
+            <a:pPr lvl="1" eaLnBrk="1" hangingPunct="1">
+              <a:spcBef>
+                <a:spcPct val="50000"/>
+              </a:spcBef>
+            </a:pPr>
+            <a:r>
+              <a:rPr lang="en-US" sz="2000" dirty="0" smtClean="0"/>
+              <a:t>Delinquencies, too </a:t>
             </a:r>
           </a:p>
         </p:txBody>
@@ -52140,6 +52374,11 @@
         </p:txBody>
       </p:sp>
     </p:spTree>
+    <p:extLst>
+      <p:ext uri="{BB962C8B-B14F-4D97-AF65-F5344CB8AC3E}">
+        <p14:creationId xmlns:p14="http://schemas.microsoft.com/office/powerpoint/2010/main" val="1955013325"/>
+      </p:ext>
+    </p:extLst>
   </p:cSld>
   <p:clrMapOvr>
     <a:masterClrMapping/>
@@ -52221,81 +52460,47 @@
             </a:pPr>
             <a:r>
               <a:rPr lang="en-US" sz="2400" dirty="0" smtClean="0"/>
-              <a:t>“When </a:t>
-            </a:r>
-            <a:r>
-              <a:rPr lang="en-US" sz="2400" dirty="0"/>
-              <a:t>I ask people in Dhaka what </a:t>
+              <a:t>Andrew Kramer, </a:t>
+            </a:r>
+            <a:r>
+              <a:rPr lang="en-US" sz="2400" i="1" dirty="0" smtClean="0"/>
+              <a:t>New York Times</a:t>
             </a:r>
             <a:r>
               <a:rPr lang="en-US" sz="2400" dirty="0" smtClean="0"/>
-              <a:t>they </a:t>
-            </a:r>
-            <a:r>
-              <a:rPr lang="en-US" sz="2400" dirty="0"/>
-              <a:t>think international organizations should </a:t>
-            </a:r>
-            <a:r>
-              <a:rPr lang="en-US" sz="2400" dirty="0" smtClean="0"/>
-              <a:t>be </a:t>
-            </a:r>
-            <a:r>
-              <a:rPr lang="en-US" sz="2400" dirty="0"/>
-              <a:t>working on, they tell me about the traffic</a:t>
-            </a:r>
-            <a:r>
-              <a:rPr lang="en-US" sz="2400" dirty="0" smtClean="0"/>
-              <a:t>.”</a:t>
-            </a:r>
-          </a:p>
-          <a:p>
-            <a:r>
-              <a:rPr lang="en-US" sz="1600" dirty="0"/>
-              <a:t>I </a:t>
-            </a:r>
-            <a:r>
-              <a:rPr lang="en-US" sz="1600" dirty="0" smtClean="0"/>
-              <a:t>am </a:t>
-            </a:r>
-            <a:r>
-              <a:rPr lang="en-US" sz="1600" dirty="0"/>
-              <a:t>stuttering through traffic in Dhaka, Bangladesh. In the last ten minutes, we have moved forward maybe three feet, inch by inch, the driver wrenching the wheel left and right, wriggling deeper into the wedge between a delivery truck and a rickshaw in front of us</a:t>
-            </a:r>
-            <a:r>
-              <a:rPr lang="en-US" sz="1600" dirty="0" smtClean="0"/>
-              <a:t>.  Up </a:t>
-            </a:r>
-            <a:r>
-              <a:rPr lang="en-US" sz="1600" dirty="0"/>
-              <a:t>ahead, the traffic is jammed so close together that pedestrians are climbing over pickup trucks and through empty rickshaws to cross the street. Two rows to my left is an ambulance, blue light spinning uselessly. </a:t>
-            </a:r>
-          </a:p>
-          <a:p>
-            <a:r>
-              <a:rPr lang="en-US" sz="1600" dirty="0"/>
-              <a:t>This is what the streets here look like from </a:t>
-            </a:r>
-            <a:r>
-              <a:rPr lang="en-US" sz="1600" dirty="0" smtClean="0"/>
-              <a:t>seven </a:t>
-            </a:r>
-            <a:r>
-              <a:rPr lang="en-US" sz="1600" dirty="0"/>
-              <a:t>in the morning until ten </a:t>
-            </a:r>
-            <a:r>
-              <a:rPr lang="en-US" sz="1600" dirty="0" smtClean="0"/>
-              <a:t>at </a:t>
-            </a:r>
-            <a:r>
-              <a:rPr lang="en-US" sz="1600" dirty="0"/>
-              <a:t>night. If you’re rich, you experience it from the back seat of a car, the percussion muffled behind glass. If you’re poor, you’re in a rickshaw, breathing in the exhaust</a:t>
-            </a:r>
-            <a:r>
-              <a:rPr lang="en-US" sz="1600" dirty="0" smtClean="0"/>
-              <a:t>. </a:t>
-            </a:r>
-            <a:endParaRPr lang="en-US" sz="1600" dirty="0"/>
+              <a:t>, May 16, 2006: </a:t>
+            </a:r>
+          </a:p>
+          <a:p>
+            <a:pPr lvl="1" eaLnBrk="1" hangingPunct="1">
+              <a:spcBef>
+                <a:spcPct val="50000"/>
+              </a:spcBef>
+            </a:pPr>
+            <a:r>
+              <a:rPr lang="en-US" sz="2000" dirty="0" smtClean="0"/>
+              <a:t>Mike Matthews, a sound-effects designer and one-time promoter of </a:t>
+            </a:r>
+            <a:r>
+              <a:rPr lang="en-US" sz="2000" dirty="0" err="1" smtClean="0"/>
+              <a:t>Jimi</a:t>
+            </a:r>
+            <a:r>
+              <a:rPr lang="en-US" sz="2000" dirty="0" smtClean="0"/>
+              <a:t> Hendrix, bought a moribund Russian factory and converted it to making vacuum tubes for high-end guitar amplifiers.  Now he’s facing a hostile takeover.  A company called Russian Business Estates offered $400k for his firm, which has a monthly turnover of $600k.  When </a:t>
+            </a:r>
+            <a:r>
+              <a:rPr lang="en-US" sz="2000" dirty="0" err="1" smtClean="0"/>
+              <a:t>Mr</a:t>
+            </a:r>
+            <a:r>
+              <a:rPr lang="en-US" sz="2000" dirty="0" smtClean="0"/>
+              <a:t> Matthews refused</a:t>
+            </a:r>
+            <a:r>
+              <a:rPr lang="en-US" sz="2000" b="1" dirty="0" smtClean="0"/>
+              <a:t>,  the electricity went off.   Then he was accused of “security violations.” </a:t>
+            </a:r>
           </a:p>
           <a:p>
             <a:pPr eaLnBrk="1" hangingPunct="1">
@@ -52305,7 +52510,7 @@
               <a:buNone/>
             </a:pPr>
             <a:r>
-              <a:rPr lang="en-US" sz="1600" dirty="0" smtClean="0"/>
+              <a:rPr lang="en-US" sz="2400" dirty="0" smtClean="0"/>
               <a:t> </a:t>
             </a:r>
           </a:p>
@@ -52341,11 +52546,6 @@
         </p:txBody>
       </p:sp>
     </p:spTree>
-    <p:extLst>
-      <p:ext uri="{BB962C8B-B14F-4D97-AF65-F5344CB8AC3E}">
-        <p14:creationId xmlns:p14="http://schemas.microsoft.com/office/powerpoint/2010/main" val="636697939"/>
-      </p:ext>
-    </p:extLst>
   </p:cSld>
   <p:clrMapOvr>
     <a:masterClrMapping/>
@@ -52427,40 +52627,81 @@
             </a:pPr>
             <a:r>
               <a:rPr lang="en-US" sz="2400" dirty="0" smtClean="0"/>
-              <a:t>Andrew Kramer, </a:t>
-            </a:r>
-            <a:r>
-              <a:rPr lang="en-US" sz="2400" i="1" dirty="0" smtClean="0"/>
-              <a:t>New York Times</a:t>
+              <a:t>“When </a:t>
+            </a:r>
+            <a:r>
+              <a:rPr lang="en-US" sz="2400" dirty="0"/>
+              <a:t>I ask people in Dhaka what </a:t>
             </a:r>
             <a:r>
               <a:rPr lang="en-US" sz="2400" dirty="0" smtClean="0"/>
-              <a:t>, August 8, 2013: </a:t>
-            </a:r>
-          </a:p>
-          <a:p>
-            <a:pPr lvl="1" eaLnBrk="1" hangingPunct="1">
-              <a:spcBef>
-                <a:spcPct val="50000"/>
-              </a:spcBef>
-            </a:pPr>
-            <a:r>
-              <a:rPr lang="en-US" sz="2000" dirty="0" smtClean="0"/>
-              <a:t>A </a:t>
-            </a:r>
-            <a:r>
-              <a:rPr lang="en-US" sz="2000" dirty="0"/>
-              <a:t>business owner in Russia has a better chance of ending up in the penal colony system once known as the gulag than a common burglar does</a:t>
-            </a:r>
-            <a:r>
-              <a:rPr lang="en-US" sz="2000" dirty="0" smtClean="0"/>
+              <a:t>they </a:t>
+            </a:r>
+            <a:r>
+              <a:rPr lang="en-US" sz="2400" dirty="0"/>
+              <a:t>think international organizations should </a:t>
+            </a:r>
+            <a:r>
+              <a:rPr lang="en-US" sz="2400" dirty="0" smtClean="0"/>
+              <a:t>be </a:t>
+            </a:r>
+            <a:r>
+              <a:rPr lang="en-US" sz="2400" dirty="0"/>
+              <a:t>working on, they tell me about the traffic</a:t>
+            </a:r>
+            <a:r>
+              <a:rPr lang="en-US" sz="2400" dirty="0" smtClean="0"/>
+              <a:t>.”</a:t>
+            </a:r>
+          </a:p>
+          <a:p>
+            <a:r>
+              <a:rPr lang="en-US" sz="1600" dirty="0"/>
+              <a:t>I </a:t>
+            </a:r>
+            <a:r>
+              <a:rPr lang="en-US" sz="1600" dirty="0" smtClean="0"/>
+              <a:t>am </a:t>
+            </a:r>
+            <a:r>
+              <a:rPr lang="en-US" sz="1600" dirty="0"/>
+              <a:t>stuttering through traffic in Dhaka, Bangladesh. In the last ten minutes, we have moved forward maybe three feet, inch by inch, the driver wrenching the wheel left and right, wriggling deeper into the wedge between a delivery truck and a rickshaw in front of us</a:t>
+            </a:r>
+            <a:r>
+              <a:rPr lang="en-US" sz="1600" dirty="0" smtClean="0"/>
+              <a:t>.  Up </a:t>
+            </a:r>
+            <a:r>
+              <a:rPr lang="en-US" sz="1600" dirty="0"/>
+              <a:t>ahead, the traffic is jammed so close together that pedestrians are climbing over pickup trucks and through empty rickshaws to cross the street. Two rows to my left is an ambulance, blue light spinning uselessly. </a:t>
+            </a:r>
+          </a:p>
+          <a:p>
+            <a:r>
+              <a:rPr lang="en-US" sz="1600" dirty="0"/>
+              <a:t>This is what the streets here look like from </a:t>
+            </a:r>
+            <a:r>
+              <a:rPr lang="en-US" sz="1600" dirty="0" smtClean="0"/>
+              <a:t>seven </a:t>
+            </a:r>
+            <a:r>
+              <a:rPr lang="en-US" sz="1600" dirty="0"/>
+              <a:t>in the morning until ten </a:t>
+            </a:r>
+            <a:r>
+              <a:rPr lang="en-US" sz="1600" dirty="0" smtClean="0"/>
+              <a:t>at </a:t>
+            </a:r>
+            <a:r>
+              <a:rPr lang="en-US" sz="1600" dirty="0"/>
+              <a:t>night. If you’re rich, you experience it from the back seat of a car, the percussion muffled behind glass. If you’re poor, you’re in a rickshaw, breathing in the exhaust</a:t>
+            </a:r>
+            <a:r>
+              <a:rPr lang="en-US" sz="1600" dirty="0" smtClean="0"/>
               <a:t>. </a:t>
             </a:r>
-            <a:r>
-              <a:rPr lang="en-US" sz="2000" dirty="0"/>
-              <a:t>But with the Russian economy languishing, President Vladimir V. Putin has devised a plan for turning things around: offer amnesty to some of the imprisoned business people.</a:t>
-            </a:r>
-            <a:endParaRPr lang="en-US" sz="2000" b="1" dirty="0" smtClean="0"/>
+            <a:endParaRPr lang="en-US" sz="1600" dirty="0"/>
           </a:p>
           <a:p>
             <a:pPr eaLnBrk="1" hangingPunct="1">
@@ -52470,7 +52711,7 @@
               <a:buNone/>
             </a:pPr>
             <a:r>
-              <a:rPr lang="en-US" sz="2400" dirty="0" smtClean="0"/>
+              <a:rPr lang="en-US" sz="1600" dirty="0" smtClean="0"/>
               <a:t> </a:t>
             </a:r>
           </a:p>
@@ -52508,7 +52749,7 @@
     </p:spTree>
     <p:extLst>
       <p:ext uri="{BB962C8B-B14F-4D97-AF65-F5344CB8AC3E}">
-        <p14:creationId xmlns:p14="http://schemas.microsoft.com/office/powerpoint/2010/main" val="3380361055"/>
+        <p14:creationId xmlns:p14="http://schemas.microsoft.com/office/powerpoint/2010/main" val="636697939"/>
       </p:ext>
     </p:extLst>
   </p:cSld>
@@ -52578,7 +52819,7 @@
         <p:spPr>
           <a:xfrm>
             <a:off x="457200" y="1600200"/>
-            <a:ext cx="7924800" cy="4525963"/>
+            <a:ext cx="7772400" cy="4525963"/>
           </a:xfrm>
         </p:spPr>
         <p:txBody>
@@ -52592,9 +52833,16 @@
             </a:pPr>
             <a:r>
               <a:rPr lang="en-US" sz="2400" dirty="0" smtClean="0"/>
-              <a:t>US occupational licensing </a:t>
-            </a:r>
-            <a:endParaRPr lang="en-US" sz="2400" dirty="0" smtClean="0"/>
+              <a:t>Andrew Kramer, </a:t>
+            </a:r>
+            <a:r>
+              <a:rPr lang="en-US" sz="2400" i="1" dirty="0" smtClean="0"/>
+              <a:t>New York Times</a:t>
+            </a:r>
+            <a:r>
+              <a:rPr lang="en-US" sz="2400" dirty="0" smtClean="0"/>
+              <a:t>, August 8, 2013: </a:t>
+            </a:r>
           </a:p>
           <a:p>
             <a:pPr lvl="1" eaLnBrk="1" hangingPunct="1">
@@ -52604,46 +52852,21 @@
             </a:pPr>
             <a:r>
               <a:rPr lang="en-US" sz="2000" dirty="0" smtClean="0"/>
-              <a:t>Of hair braiders?</a:t>
-            </a:r>
-          </a:p>
-          <a:p>
-            <a:pPr lvl="1" eaLnBrk="1" hangingPunct="1">
-              <a:spcBef>
-                <a:spcPct val="50000"/>
-              </a:spcBef>
-            </a:pPr>
+              <a:t>A </a:t>
+            </a:r>
+            <a:r>
+              <a:rPr lang="en-US" sz="2000" dirty="0"/>
+              <a:t>business owner in Russia has a better chance of ending up in the penal colony system once known as the gulag than a common burglar does</a:t>
+            </a:r>
             <a:r>
               <a:rPr lang="en-US" sz="2000" dirty="0" smtClean="0"/>
-              <a:t>Of teachers?</a:t>
-            </a:r>
-          </a:p>
-          <a:p>
-            <a:pPr lvl="1" eaLnBrk="1" hangingPunct="1">
-              <a:spcBef>
-                <a:spcPct val="50000"/>
-              </a:spcBef>
-            </a:pPr>
-            <a:r>
-              <a:rPr lang="en-US" sz="2000" dirty="0" smtClean="0"/>
-              <a:t>Of dentists?</a:t>
-            </a:r>
-          </a:p>
-          <a:p>
-            <a:pPr lvl="1" eaLnBrk="1" hangingPunct="1">
-              <a:spcBef>
-                <a:spcPct val="50000"/>
-              </a:spcBef>
-            </a:pPr>
-            <a:r>
-              <a:rPr lang="en-US" sz="2000" smtClean="0"/>
-              <a:t>Of doctors?  </a:t>
-            </a:r>
-            <a:r>
-              <a:rPr lang="en-US" sz="2000" smtClean="0"/>
-              <a:t> </a:t>
-            </a:r>
-            <a:endParaRPr lang="en-US" sz="2000" dirty="0" smtClean="0"/>
+              <a:t>. </a:t>
+            </a:r>
+            <a:r>
+              <a:rPr lang="en-US" sz="2000" dirty="0"/>
+              <a:t>But with the Russian economy languishing, President Vladimir V. Putin has devised a plan for turning things around: offer amnesty to some of the imprisoned business people.</a:t>
+            </a:r>
+            <a:endParaRPr lang="en-US" sz="2000" b="1" dirty="0" smtClean="0"/>
           </a:p>
           <a:p>
             <a:pPr eaLnBrk="1" hangingPunct="1">
@@ -52689,6 +52912,11 @@
         </p:txBody>
       </p:sp>
     </p:spTree>
+    <p:extLst>
+      <p:ext uri="{BB962C8B-B14F-4D97-AF65-F5344CB8AC3E}">
+        <p14:creationId xmlns:p14="http://schemas.microsoft.com/office/powerpoint/2010/main" val="3380361055"/>
+      </p:ext>
+    </p:extLst>
   </p:cSld>
   <p:clrMapOvr>
     <a:masterClrMapping/>
@@ -52770,7 +52998,7 @@
             </a:pPr>
             <a:r>
               <a:rPr lang="en-US" sz="2400" dirty="0" smtClean="0"/>
-              <a:t>Argentina  </a:t>
+              <a:t>US occupational licensing </a:t>
             </a:r>
           </a:p>
           <a:p>
@@ -52781,16 +53009,42 @@
             </a:pPr>
             <a:r>
               <a:rPr lang="en-US" sz="2000" dirty="0" smtClean="0"/>
-              <a:t>Facing inflation over 1000%, the government announced in 1991 that citizens could use dollars and pegged the peso to the dollar.  A decade later, they forcibly converted dollar deposits to pesos (“</a:t>
-            </a:r>
-            <a:r>
-              <a:rPr lang="en-US" sz="2000" dirty="0" err="1" smtClean="0"/>
-              <a:t>pesification</a:t>
-            </a:r>
+              <a:t>Of hair braiders?</a:t>
+            </a:r>
+          </a:p>
+          <a:p>
+            <a:pPr lvl="1" eaLnBrk="1" hangingPunct="1">
+              <a:spcBef>
+                <a:spcPct val="50000"/>
+              </a:spcBef>
+            </a:pPr>
             <a:r>
               <a:rPr lang="en-US" sz="2000" dirty="0" smtClean="0"/>
-              <a:t>”) and devalued 75%.  </a:t>
-            </a:r>
+              <a:t>Of teachers?</a:t>
+            </a:r>
+          </a:p>
+          <a:p>
+            <a:pPr lvl="1" eaLnBrk="1" hangingPunct="1">
+              <a:spcBef>
+                <a:spcPct val="50000"/>
+              </a:spcBef>
+            </a:pPr>
+            <a:r>
+              <a:rPr lang="en-US" sz="2000" dirty="0" smtClean="0"/>
+              <a:t>Of dentists?</a:t>
+            </a:r>
+          </a:p>
+          <a:p>
+            <a:pPr lvl="1" eaLnBrk="1" hangingPunct="1">
+              <a:spcBef>
+                <a:spcPct val="50000"/>
+              </a:spcBef>
+            </a:pPr>
+            <a:r>
+              <a:rPr lang="en-US" sz="2000" smtClean="0"/>
+              <a:t>Of doctors?   </a:t>
+            </a:r>
+            <a:endParaRPr lang="en-US" sz="2000" dirty="0" smtClean="0"/>
           </a:p>
           <a:p>
             <a:pPr eaLnBrk="1" hangingPunct="1">
@@ -52836,11 +53090,6 @@
         </p:txBody>
       </p:sp>
     </p:spTree>
-    <p:extLst>
-      <p:ext uri="{BB962C8B-B14F-4D97-AF65-F5344CB8AC3E}">
-        <p14:creationId xmlns:p14="http://schemas.microsoft.com/office/powerpoint/2010/main" val="2178209296"/>
-      </p:ext>
-    </p:extLst>
   </p:cSld>
   <p:clrMapOvr>
     <a:masterClrMapping/>
@@ -52922,7 +53171,7 @@
             </a:pPr>
             <a:r>
               <a:rPr lang="en-US" sz="2400" dirty="0" smtClean="0"/>
-              <a:t>Argentina in 2008 (WSJ, Oct 28 08) </a:t>
+              <a:t>Argentina  </a:t>
             </a:r>
           </a:p>
           <a:p>
@@ -52933,15 +53182,15 @@
             </a:pPr>
             <a:r>
               <a:rPr lang="en-US" sz="2000" dirty="0" smtClean="0"/>
-              <a:t>Argentina’s government pressed forward with its controversial plan to </a:t>
-            </a:r>
-            <a:r>
-              <a:rPr lang="en-US" sz="2000" b="1" dirty="0" smtClean="0"/>
-              <a:t>nationalize private pension plans</a:t>
+              <a:t>Facing inflation over 1000%, the government announced in 1991 that citizens could use dollars and pegged the peso to the dollar.  A decade later, they forcibly converted dollar deposits to pesos (“</a:t>
+            </a:r>
+            <a:r>
+              <a:rPr lang="en-US" sz="2000" dirty="0" err="1" smtClean="0"/>
+              <a:t>pesification</a:t>
             </a:r>
             <a:r>
               <a:rPr lang="en-US" sz="2000" dirty="0" smtClean="0"/>
-              <a:t>.  President Kirchner said her move is designed to protect private pension funds from mismanagement amid the global financial crisis.  </a:t>
+              <a:t>”) and devalued 75%.  </a:t>
             </a:r>
           </a:p>
           <a:p>
@@ -52988,6 +53237,11 @@
         </p:txBody>
       </p:sp>
     </p:spTree>
+    <p:extLst>
+      <p:ext uri="{BB962C8B-B14F-4D97-AF65-F5344CB8AC3E}">
+        <p14:creationId xmlns:p14="http://schemas.microsoft.com/office/powerpoint/2010/main" val="2178209296"/>
+      </p:ext>
+    </p:extLst>
   </p:cSld>
   <p:clrMapOvr>
     <a:masterClrMapping/>
@@ -53052,7 +53306,12 @@
             <p:ph type="body" idx="1"/>
           </p:nvPr>
         </p:nvSpPr>
-        <p:spPr/>
+        <p:spPr>
+          <a:xfrm>
+            <a:off x="457200" y="1600200"/>
+            <a:ext cx="7924800" cy="4525963"/>
+          </a:xfrm>
+        </p:spPr>
         <p:txBody>
           <a:bodyPr/>
           <a:lstStyle/>
@@ -53064,15 +53323,26 @@
             </a:pPr>
             <a:r>
               <a:rPr lang="en-US" sz="2400" dirty="0" smtClean="0"/>
-              <a:t>Hernando de Soto, </a:t>
-            </a:r>
-            <a:r>
-              <a:rPr lang="en-US" sz="2400" i="1" dirty="0" smtClean="0"/>
-              <a:t>The Other Path</a:t>
-            </a:r>
-            <a:r>
-              <a:rPr lang="en-US" sz="2400" dirty="0" smtClean="0"/>
-              <a:t> </a:t>
+              <a:t>Argentina in 2008 (WSJ, Oct 28 08) </a:t>
+            </a:r>
+          </a:p>
+          <a:p>
+            <a:pPr lvl="1" eaLnBrk="1" hangingPunct="1">
+              <a:spcBef>
+                <a:spcPct val="50000"/>
+              </a:spcBef>
+            </a:pPr>
+            <a:r>
+              <a:rPr lang="en-US" sz="2000" dirty="0" smtClean="0"/>
+              <a:t>Argentina’s government pressed forward with its controversial plan to </a:t>
+            </a:r>
+            <a:r>
+              <a:rPr lang="en-US" sz="2000" b="1" dirty="0" smtClean="0"/>
+              <a:t>nationalize private pension plans</a:t>
+            </a:r>
+            <a:r>
+              <a:rPr lang="en-US" sz="2000" dirty="0" smtClean="0"/>
+              <a:t>.  President Kirchner said her move is designed to protect private pension funds from mismanagement amid the global financial crisis.  </a:t>
             </a:r>
           </a:p>
           <a:p>
@@ -53080,66 +53350,11 @@
               <a:spcBef>
                 <a:spcPct val="50000"/>
               </a:spcBef>
+              <a:buNone/>
             </a:pPr>
             <a:r>
               <a:rPr lang="en-US" sz="2400" dirty="0" smtClean="0"/>
-              <a:t>Researchers tried to set up a factory in Lima – legally </a:t>
-            </a:r>
-          </a:p>
-          <a:p>
-            <a:pPr lvl="1" eaLnBrk="1" hangingPunct="1">
-              <a:lnSpc>
-                <a:spcPct val="90000"/>
-              </a:lnSpc>
-              <a:spcBef>
-                <a:spcPct val="50000"/>
-              </a:spcBef>
-            </a:pPr>
-            <a:r>
-              <a:rPr lang="en-US" sz="2000" dirty="0" smtClean="0"/>
-              <a:t>Steps required:  11 </a:t>
-            </a:r>
-          </a:p>
-          <a:p>
-            <a:pPr lvl="1" eaLnBrk="1" hangingPunct="1">
-              <a:lnSpc>
-                <a:spcPct val="90000"/>
-              </a:lnSpc>
-              <a:spcBef>
-                <a:spcPct val="50000"/>
-              </a:spcBef>
-            </a:pPr>
-            <a:r>
-              <a:rPr lang="en-US" sz="2000" dirty="0" smtClean="0"/>
-              <a:t>Time:  289 days </a:t>
-            </a:r>
-          </a:p>
-          <a:p>
-            <a:pPr lvl="1" eaLnBrk="1" hangingPunct="1">
-              <a:lnSpc>
-                <a:spcPct val="90000"/>
-              </a:lnSpc>
-              <a:spcBef>
-                <a:spcPct val="50000"/>
-              </a:spcBef>
-            </a:pPr>
-            <a:r>
-              <a:rPr lang="en-US" sz="2000" dirty="0" smtClean="0"/>
-              <a:t>Bribes requested:  10 (2 paid) </a:t>
-            </a:r>
-          </a:p>
-          <a:p>
-            <a:pPr lvl="1" eaLnBrk="1" hangingPunct="1">
-              <a:lnSpc>
-                <a:spcPct val="90000"/>
-              </a:lnSpc>
-              <a:spcBef>
-                <a:spcPct val="50000"/>
-              </a:spcBef>
-            </a:pPr>
-            <a:r>
-              <a:rPr lang="en-US" sz="2000" dirty="0" smtClean="0"/>
-              <a:t>Cost:  $1,231 (32 times the monthly min wage) </a:t>
+              <a:t> </a:t>
             </a:r>
           </a:p>
         </p:txBody>
@@ -53238,12 +53453,7 @@
             <p:ph type="body" idx="1"/>
           </p:nvPr>
         </p:nvSpPr>
-        <p:spPr>
-          <a:xfrm>
-            <a:off x="457200" y="1600200"/>
-            <a:ext cx="7543800" cy="4525963"/>
-          </a:xfrm>
-        </p:spPr>
+        <p:spPr/>
         <p:txBody>
           <a:bodyPr/>
           <a:lstStyle/>
@@ -53255,7 +53465,26 @@
             </a:pPr>
             <a:r>
               <a:rPr lang="en-US" sz="2400" dirty="0" smtClean="0"/>
-              <a:t>Tesla Motors</a:t>
+              <a:t>Hernando de Soto, </a:t>
+            </a:r>
+            <a:r>
+              <a:rPr lang="en-US" sz="2400" i="1" dirty="0" smtClean="0"/>
+              <a:t>The Other Path</a:t>
+            </a:r>
+            <a:r>
+              <a:rPr lang="en-US" sz="2400" dirty="0" smtClean="0"/>
+              <a:t> </a:t>
+            </a:r>
+          </a:p>
+          <a:p>
+            <a:pPr eaLnBrk="1" hangingPunct="1">
+              <a:spcBef>
+                <a:spcPct val="50000"/>
+              </a:spcBef>
+            </a:pPr>
+            <a:r>
+              <a:rPr lang="en-US" sz="2400" dirty="0" smtClean="0"/>
+              <a:t>Researchers tried to set up a factory in Lima – legally </a:t>
             </a:r>
           </a:p>
           <a:p>
@@ -53268,36 +53497,50 @@
               </a:spcBef>
             </a:pPr>
             <a:r>
-              <a:rPr lang="en-US" sz="2000" dirty="0"/>
-              <a:t>Tesla Motors sells high-end electric cars direct to the consumer. But North Carolina’s car dealers have proposed a law prohibiting sales except through </a:t>
-            </a:r>
-            <a:r>
               <a:rPr lang="en-US" sz="2000" dirty="0" smtClean="0"/>
-              <a:t>car </a:t>
-            </a:r>
-            <a:r>
-              <a:rPr lang="en-US" sz="2000" dirty="0"/>
-              <a:t>dealers. </a:t>
-            </a:r>
+              <a:t>Steps required:  11 </a:t>
+            </a:r>
+          </a:p>
+          <a:p>
+            <a:pPr lvl="1" eaLnBrk="1" hangingPunct="1">
+              <a:lnSpc>
+                <a:spcPct val="90000"/>
+              </a:lnSpc>
+              <a:spcBef>
+                <a:spcPct val="50000"/>
+              </a:spcBef>
+            </a:pPr>
             <a:r>
               <a:rPr lang="en-US" sz="2000" dirty="0" smtClean="0"/>
-              <a:t>Robert </a:t>
-            </a:r>
-            <a:r>
-              <a:rPr lang="en-US" sz="2000" dirty="0"/>
-              <a:t>Glaser, president of the N.C. Automobile Dealers Association, </a:t>
-            </a:r>
+              <a:t>Time:  289 days </a:t>
+            </a:r>
+          </a:p>
+          <a:p>
+            <a:pPr lvl="1" eaLnBrk="1" hangingPunct="1">
+              <a:lnSpc>
+                <a:spcPct val="90000"/>
+              </a:lnSpc>
+              <a:spcBef>
+                <a:spcPct val="50000"/>
+              </a:spcBef>
+            </a:pPr>
             <a:r>
               <a:rPr lang="en-US" sz="2000" dirty="0" smtClean="0"/>
-              <a:t>comments:  “</a:t>
-            </a:r>
-            <a:r>
-              <a:rPr lang="en-US" sz="2000" dirty="0"/>
-              <a:t>The whole point of the system is to protect the consumer</a:t>
-            </a:r>
+              <a:t>Bribes requested:  10 (2 paid) </a:t>
+            </a:r>
+          </a:p>
+          <a:p>
+            <a:pPr lvl="1" eaLnBrk="1" hangingPunct="1">
+              <a:lnSpc>
+                <a:spcPct val="90000"/>
+              </a:lnSpc>
+              <a:spcBef>
+                <a:spcPct val="50000"/>
+              </a:spcBef>
+            </a:pPr>
             <a:r>
               <a:rPr lang="en-US" sz="2000" dirty="0" smtClean="0"/>
-              <a:t>.”</a:t>
+              <a:t>Cost:  $1,231 (32 times the monthly min wage) </a:t>
             </a:r>
           </a:p>
         </p:txBody>
@@ -53332,11 +53575,6 @@
         </p:txBody>
       </p:sp>
     </p:spTree>
-    <p:extLst>
-      <p:ext uri="{BB962C8B-B14F-4D97-AF65-F5344CB8AC3E}">
-        <p14:creationId xmlns:p14="http://schemas.microsoft.com/office/powerpoint/2010/main" val="2337787305"/>
-      </p:ext>
-    </p:extLst>
   </p:cSld>
   <p:clrMapOvr>
     <a:masterClrMapping/>
